--- a/全体説明.pptx
+++ b/全体説明.pptx
@@ -5,18 +5,20 @@
     <p:sldMasterId id="2147483648" r:id="rId1"/>
   </p:sldMasterIdLst>
   <p:notesMasterIdLst>
-    <p:notesMasterId r:id="rId11"/>
+    <p:notesMasterId r:id="rId13"/>
   </p:notesMasterIdLst>
   <p:sldIdLst>
     <p:sldId id="267" r:id="rId2"/>
-    <p:sldId id="268" r:id="rId3"/>
+    <p:sldId id="270" r:id="rId3"/>
     <p:sldId id="258" r:id="rId4"/>
-    <p:sldId id="264" r:id="rId5"/>
-    <p:sldId id="261" r:id="rId6"/>
-    <p:sldId id="266" r:id="rId7"/>
-    <p:sldId id="263" r:id="rId8"/>
-    <p:sldId id="270" r:id="rId9"/>
-    <p:sldId id="269" r:id="rId10"/>
+    <p:sldId id="268" r:id="rId5"/>
+    <p:sldId id="272" r:id="rId6"/>
+    <p:sldId id="271" r:id="rId7"/>
+    <p:sldId id="273" r:id="rId8"/>
+    <p:sldId id="274" r:id="rId9"/>
+    <p:sldId id="275" r:id="rId10"/>
+    <p:sldId id="276" r:id="rId11"/>
+    <p:sldId id="277" r:id="rId12"/>
   </p:sldIdLst>
   <p:sldSz cx="9144000" cy="6858000" type="screen4x3"/>
   <p:notesSz cx="6858000" cy="9144000"/>
@@ -117,7 +119,7 @@
   </p:defaultTextStyle>
   <p:extLst>
     <p:ext uri="{EFAFB233-063F-42B5-8137-9DF3F51BA10A}">
-      <p15:sldGuideLst xmlns="" xmlns:p15="http://schemas.microsoft.com/office/powerpoint/2012/main">
+      <p15:sldGuideLst xmlns:p15="http://schemas.microsoft.com/office/powerpoint/2012/main">
         <p15:guide id="1" orient="horz" pos="2160">
           <p15:clr>
             <a:srgbClr val="A4A3A4"/>
@@ -216,7 +218,7 @@
           <a:p>
             <a:fld id="{100FE6D1-2E1F-470F-AA5B-B6A9471248C1}" type="datetimeFigureOut">
               <a:rPr kumimoji="1" lang="ja-JP" altLang="en-US" smtClean="0"/>
-              <a:t>2016/5/27</a:t>
+              <a:t>2016/6/5</a:t>
             </a:fld>
             <a:endParaRPr kumimoji="1" lang="ja-JP" altLang="en-US"/>
           </a:p>
@@ -562,17 +564,70 @@
           <a:p>
             <a:r>
               <a:rPr kumimoji="1" lang="ja-JP" altLang="en-US" dirty="0" smtClean="0"/>
-              <a:t>初週は</a:t>
-            </a:r>
-          </a:p>
-          <a:p>
+              <a:t>早めの出社</a:t>
+            </a:r>
+            <a:r>
+              <a:rPr kumimoji="1" lang="en-US" altLang="ja-JP" dirty="0" smtClean="0"/>
+              <a:t>/</a:t>
+            </a:r>
             <a:r>
               <a:rPr kumimoji="1" lang="ja-JP" altLang="en-US" dirty="0" smtClean="0"/>
-              <a:t>・方法論</a:t>
-            </a:r>
-          </a:p>
-          <a:p>
-            <a:endParaRPr kumimoji="1" lang="ja-JP" altLang="en-US" dirty="0"/>
+              <a:t>残業について</a:t>
+            </a:r>
+            <a:endParaRPr kumimoji="1" lang="en-US" altLang="ja-JP" dirty="0" smtClean="0"/>
+          </a:p>
+          <a:p>
+            <a:r>
+              <a:rPr kumimoji="1" lang="ja-JP" altLang="en-US" dirty="0" smtClean="0"/>
+              <a:t>→基本的には</a:t>
+            </a:r>
+            <a:r>
+              <a:rPr kumimoji="1" lang="en-US" altLang="ja-JP" dirty="0" smtClean="0"/>
+              <a:t>10:00-19:00</a:t>
+            </a:r>
+            <a:r>
+              <a:rPr kumimoji="1" lang="ja-JP" altLang="en-US" dirty="0" smtClean="0"/>
+              <a:t>に収める方針。しかし作業が間に合わない等でもう少し働きたいという状況になったらまず齋藤か先輩方に相談する。</a:t>
+            </a:r>
+            <a:endParaRPr kumimoji="1" lang="en-US" altLang="ja-JP" dirty="0" smtClean="0"/>
+          </a:p>
+          <a:p>
+            <a:endParaRPr kumimoji="1" lang="en-US" altLang="ja-JP" dirty="0" smtClean="0"/>
+          </a:p>
+          <a:p>
+            <a:r>
+              <a:rPr kumimoji="1" lang="ja-JP" altLang="en-US" dirty="0" smtClean="0"/>
+              <a:t>キャッツはフレックス制で、月次報告書に書いてもらっているように、勤務した時間が自己申告制になっている。</a:t>
+            </a:r>
+            <a:endParaRPr kumimoji="1" lang="en-US" altLang="ja-JP" dirty="0" smtClean="0"/>
+          </a:p>
+          <a:p>
+            <a:r>
+              <a:rPr kumimoji="1" lang="ja-JP" altLang="en-US" dirty="0" smtClean="0"/>
+              <a:t>ある意味「席にいるだけで賃金が発生する」ことになる。</a:t>
+            </a:r>
+            <a:endParaRPr kumimoji="1" lang="en-US" altLang="ja-JP" dirty="0" smtClean="0"/>
+          </a:p>
+          <a:p>
+            <a:r>
+              <a:rPr kumimoji="1" lang="ja-JP" altLang="en-US" dirty="0" smtClean="0"/>
+              <a:t>会社に負担にならないよう、間に合わないと分かった時点で、どう間に合わせるか？をまず考える。</a:t>
+            </a:r>
+            <a:endParaRPr kumimoji="1" lang="en-US" altLang="ja-JP" dirty="0" smtClean="0"/>
+          </a:p>
+          <a:p>
+            <a:r>
+              <a:rPr kumimoji="1" lang="ja-JP" altLang="en-US" dirty="0" smtClean="0"/>
+              <a:t>タスクを減らしてもらう、逆に期限を延ばしてもらう、等、いろんなパターンの対策があるのでまずは報連相を大事に。</a:t>
+            </a:r>
+            <a:endParaRPr kumimoji="1" lang="en-US" altLang="ja-JP" dirty="0" smtClean="0"/>
+          </a:p>
+          <a:p>
+            <a:r>
+              <a:rPr kumimoji="1" lang="ja-JP" altLang="en-US" dirty="0" smtClean="0"/>
+              <a:t>とは言うものの、もちろん残業しないと間に合わないという時は研修中に限らず起こりうることなので、臨機応変に。</a:t>
+            </a:r>
+            <a:endParaRPr kumimoji="1" lang="en-US" altLang="ja-JP" dirty="0" smtClean="0"/>
           </a:p>
         </p:txBody>
       </p:sp>
@@ -593,6 +648,90 @@
           <a:p>
             <a:fld id="{E603631E-C7ED-491D-83DC-D1C3550738C8}" type="slidenum">
               <a:rPr kumimoji="1" lang="ja-JP" altLang="en-US" smtClean="0"/>
+              <a:t>2</a:t>
+            </a:fld>
+            <a:endParaRPr kumimoji="1" lang="ja-JP" altLang="en-US"/>
+          </a:p>
+        </p:txBody>
+      </p:sp>
+    </p:spTree>
+    <p:extLst>
+      <p:ext uri="{BB962C8B-B14F-4D97-AF65-F5344CB8AC3E}">
+        <p14:creationId xmlns:p14="http://schemas.microsoft.com/office/powerpoint/2010/main" val="733425959"/>
+      </p:ext>
+    </p:extLst>
+  </p:cSld>
+  <p:clrMapOvr>
+    <a:masterClrMapping/>
+  </p:clrMapOvr>
+</p:notes>
+</file>
+
+<file path=ppt/notesSlides/notesSlide2.xml><?xml version="1.0" encoding="utf-8"?>
+<p:notes xmlns:a="http://schemas.openxmlformats.org/drawingml/2006/main" xmlns:r="http://schemas.openxmlformats.org/officeDocument/2006/relationships" xmlns:p="http://schemas.openxmlformats.org/presentationml/2006/main">
+  <p:cSld>
+    <p:spTree>
+      <p:nvGrpSpPr>
+        <p:cNvPr id="1" name=""/>
+        <p:cNvGrpSpPr/>
+        <p:nvPr/>
+      </p:nvGrpSpPr>
+      <p:grpSpPr>
+        <a:xfrm>
+          <a:off x="0" y="0"/>
+          <a:ext cx="0" cy="0"/>
+          <a:chOff x="0" y="0"/>
+          <a:chExt cx="0" cy="0"/>
+        </a:xfrm>
+      </p:grpSpPr>
+      <p:sp>
+        <p:nvSpPr>
+          <p:cNvPr id="2" name="スライド イメージ プレースホルダー 1"/>
+          <p:cNvSpPr>
+            <a:spLocks noGrp="1" noRot="1" noChangeAspect="1"/>
+          </p:cNvSpPr>
+          <p:nvPr>
+            <p:ph type="sldImg"/>
+          </p:nvPr>
+        </p:nvSpPr>
+        <p:spPr/>
+      </p:sp>
+      <p:sp>
+        <p:nvSpPr>
+          <p:cNvPr id="3" name="ノート プレースホルダー 2"/>
+          <p:cNvSpPr>
+            <a:spLocks noGrp="1"/>
+          </p:cNvSpPr>
+          <p:nvPr>
+            <p:ph type="body" idx="1"/>
+          </p:nvPr>
+        </p:nvSpPr>
+        <p:spPr/>
+        <p:txBody>
+          <a:bodyPr/>
+          <a:lstStyle/>
+          <a:p>
+            <a:endParaRPr kumimoji="1" lang="ja-JP" altLang="en-US" dirty="0"/>
+          </a:p>
+        </p:txBody>
+      </p:sp>
+      <p:sp>
+        <p:nvSpPr>
+          <p:cNvPr id="4" name="スライド番号プレースホルダー 3"/>
+          <p:cNvSpPr>
+            <a:spLocks noGrp="1"/>
+          </p:cNvSpPr>
+          <p:nvPr>
+            <p:ph type="sldNum" sz="quarter" idx="10"/>
+          </p:nvPr>
+        </p:nvSpPr>
+        <p:spPr/>
+        <p:txBody>
+          <a:bodyPr/>
+          <a:lstStyle/>
+          <a:p>
+            <a:fld id="{E603631E-C7ED-491D-83DC-D1C3550738C8}" type="slidenum">
+              <a:rPr kumimoji="1" lang="ja-JP" altLang="en-US" smtClean="0"/>
               <a:t>6</a:t>
             </a:fld>
             <a:endParaRPr kumimoji="1" lang="ja-JP" altLang="en-US"/>
@@ -602,7 +741,358 @@
     </p:spTree>
     <p:extLst>
       <p:ext uri="{BB962C8B-B14F-4D97-AF65-F5344CB8AC3E}">
-        <p14:creationId xmlns:p14="http://schemas.microsoft.com/office/powerpoint/2010/main" val="3758289735"/>
+        <p14:creationId xmlns:p14="http://schemas.microsoft.com/office/powerpoint/2010/main" val="2391475143"/>
+      </p:ext>
+    </p:extLst>
+  </p:cSld>
+  <p:clrMapOvr>
+    <a:masterClrMapping/>
+  </p:clrMapOvr>
+</p:notes>
+</file>
+
+<file path=ppt/notesSlides/notesSlide3.xml><?xml version="1.0" encoding="utf-8"?>
+<p:notes xmlns:a="http://schemas.openxmlformats.org/drawingml/2006/main" xmlns:r="http://schemas.openxmlformats.org/officeDocument/2006/relationships" xmlns:p="http://schemas.openxmlformats.org/presentationml/2006/main">
+  <p:cSld>
+    <p:spTree>
+      <p:nvGrpSpPr>
+        <p:cNvPr id="1" name=""/>
+        <p:cNvGrpSpPr/>
+        <p:nvPr/>
+      </p:nvGrpSpPr>
+      <p:grpSpPr>
+        <a:xfrm>
+          <a:off x="0" y="0"/>
+          <a:ext cx="0" cy="0"/>
+          <a:chOff x="0" y="0"/>
+          <a:chExt cx="0" cy="0"/>
+        </a:xfrm>
+      </p:grpSpPr>
+      <p:sp>
+        <p:nvSpPr>
+          <p:cNvPr id="2" name="スライド イメージ プレースホルダー 1"/>
+          <p:cNvSpPr>
+            <a:spLocks noGrp="1" noRot="1" noChangeAspect="1"/>
+          </p:cNvSpPr>
+          <p:nvPr>
+            <p:ph type="sldImg"/>
+          </p:nvPr>
+        </p:nvSpPr>
+        <p:spPr/>
+      </p:sp>
+      <p:sp>
+        <p:nvSpPr>
+          <p:cNvPr id="3" name="ノート プレースホルダー 2"/>
+          <p:cNvSpPr>
+            <a:spLocks noGrp="1"/>
+          </p:cNvSpPr>
+          <p:nvPr>
+            <p:ph type="body" idx="1"/>
+          </p:nvPr>
+        </p:nvSpPr>
+        <p:spPr/>
+        <p:txBody>
+          <a:bodyPr/>
+          <a:lstStyle/>
+          <a:p>
+            <a:r>
+              <a:rPr kumimoji="1" lang="ja-JP" altLang="en-US" dirty="0" smtClean="0"/>
+              <a:t>初週は</a:t>
+            </a:r>
+          </a:p>
+          <a:p>
+            <a:r>
+              <a:rPr kumimoji="1" lang="ja-JP" altLang="en-US" dirty="0" smtClean="0"/>
+              <a:t>・方法論</a:t>
+            </a:r>
+          </a:p>
+          <a:p>
+            <a:endParaRPr kumimoji="1" lang="ja-JP" altLang="en-US" dirty="0"/>
+          </a:p>
+        </p:txBody>
+      </p:sp>
+      <p:sp>
+        <p:nvSpPr>
+          <p:cNvPr id="4" name="スライド番号プレースホルダー 3"/>
+          <p:cNvSpPr>
+            <a:spLocks noGrp="1"/>
+          </p:cNvSpPr>
+          <p:nvPr>
+            <p:ph type="sldNum" sz="quarter" idx="10"/>
+          </p:nvPr>
+        </p:nvSpPr>
+        <p:spPr/>
+        <p:txBody>
+          <a:bodyPr/>
+          <a:lstStyle/>
+          <a:p>
+            <a:fld id="{E603631E-C7ED-491D-83DC-D1C3550738C8}" type="slidenum">
+              <a:rPr kumimoji="1" lang="ja-JP" altLang="en-US" smtClean="0"/>
+              <a:t>7</a:t>
+            </a:fld>
+            <a:endParaRPr kumimoji="1" lang="ja-JP" altLang="en-US"/>
+          </a:p>
+        </p:txBody>
+      </p:sp>
+    </p:spTree>
+    <p:extLst>
+      <p:ext uri="{BB962C8B-B14F-4D97-AF65-F5344CB8AC3E}">
+        <p14:creationId xmlns:p14="http://schemas.microsoft.com/office/powerpoint/2010/main" val="186441751"/>
+      </p:ext>
+    </p:extLst>
+  </p:cSld>
+  <p:clrMapOvr>
+    <a:masterClrMapping/>
+  </p:clrMapOvr>
+</p:notes>
+</file>
+
+<file path=ppt/notesSlides/notesSlide4.xml><?xml version="1.0" encoding="utf-8"?>
+<p:notes xmlns:a="http://schemas.openxmlformats.org/drawingml/2006/main" xmlns:r="http://schemas.openxmlformats.org/officeDocument/2006/relationships" xmlns:p="http://schemas.openxmlformats.org/presentationml/2006/main">
+  <p:cSld>
+    <p:spTree>
+      <p:nvGrpSpPr>
+        <p:cNvPr id="1" name=""/>
+        <p:cNvGrpSpPr/>
+        <p:nvPr/>
+      </p:nvGrpSpPr>
+      <p:grpSpPr>
+        <a:xfrm>
+          <a:off x="0" y="0"/>
+          <a:ext cx="0" cy="0"/>
+          <a:chOff x="0" y="0"/>
+          <a:chExt cx="0" cy="0"/>
+        </a:xfrm>
+      </p:grpSpPr>
+      <p:sp>
+        <p:nvSpPr>
+          <p:cNvPr id="2" name="スライド イメージ プレースホルダー 1"/>
+          <p:cNvSpPr>
+            <a:spLocks noGrp="1" noRot="1" noChangeAspect="1"/>
+          </p:cNvSpPr>
+          <p:nvPr>
+            <p:ph type="sldImg"/>
+          </p:nvPr>
+        </p:nvSpPr>
+        <p:spPr/>
+      </p:sp>
+      <p:sp>
+        <p:nvSpPr>
+          <p:cNvPr id="3" name="ノート プレースホルダー 2"/>
+          <p:cNvSpPr>
+            <a:spLocks noGrp="1"/>
+          </p:cNvSpPr>
+          <p:nvPr>
+            <p:ph type="body" idx="1"/>
+          </p:nvPr>
+        </p:nvSpPr>
+        <p:spPr/>
+        <p:txBody>
+          <a:bodyPr/>
+          <a:lstStyle/>
+          <a:p>
+            <a:endParaRPr kumimoji="1" lang="en-US" altLang="ja-JP" dirty="0" smtClean="0"/>
+          </a:p>
+          <a:p>
+            <a:endParaRPr kumimoji="1" lang="ja-JP" altLang="en-US" dirty="0"/>
+          </a:p>
+        </p:txBody>
+      </p:sp>
+      <p:sp>
+        <p:nvSpPr>
+          <p:cNvPr id="4" name="スライド番号プレースホルダー 3"/>
+          <p:cNvSpPr>
+            <a:spLocks noGrp="1"/>
+          </p:cNvSpPr>
+          <p:nvPr>
+            <p:ph type="sldNum" sz="quarter" idx="10"/>
+          </p:nvPr>
+        </p:nvSpPr>
+        <p:spPr/>
+        <p:txBody>
+          <a:bodyPr/>
+          <a:lstStyle/>
+          <a:p>
+            <a:fld id="{E603631E-C7ED-491D-83DC-D1C3550738C8}" type="slidenum">
+              <a:rPr kumimoji="1" lang="ja-JP" altLang="en-US" smtClean="0"/>
+              <a:t>8</a:t>
+            </a:fld>
+            <a:endParaRPr kumimoji="1" lang="ja-JP" altLang="en-US"/>
+          </a:p>
+        </p:txBody>
+      </p:sp>
+    </p:spTree>
+    <p:extLst>
+      <p:ext uri="{BB962C8B-B14F-4D97-AF65-F5344CB8AC3E}">
+        <p14:creationId xmlns:p14="http://schemas.microsoft.com/office/powerpoint/2010/main" val="624429415"/>
+      </p:ext>
+    </p:extLst>
+  </p:cSld>
+  <p:clrMapOvr>
+    <a:masterClrMapping/>
+  </p:clrMapOvr>
+</p:notes>
+</file>
+
+<file path=ppt/notesSlides/notesSlide5.xml><?xml version="1.0" encoding="utf-8"?>
+<p:notes xmlns:a="http://schemas.openxmlformats.org/drawingml/2006/main" xmlns:r="http://schemas.openxmlformats.org/officeDocument/2006/relationships" xmlns:p="http://schemas.openxmlformats.org/presentationml/2006/main">
+  <p:cSld>
+    <p:spTree>
+      <p:nvGrpSpPr>
+        <p:cNvPr id="1" name=""/>
+        <p:cNvGrpSpPr/>
+        <p:nvPr/>
+      </p:nvGrpSpPr>
+      <p:grpSpPr>
+        <a:xfrm>
+          <a:off x="0" y="0"/>
+          <a:ext cx="0" cy="0"/>
+          <a:chOff x="0" y="0"/>
+          <a:chExt cx="0" cy="0"/>
+        </a:xfrm>
+      </p:grpSpPr>
+      <p:sp>
+        <p:nvSpPr>
+          <p:cNvPr id="2" name="スライド イメージ プレースホルダー 1"/>
+          <p:cNvSpPr>
+            <a:spLocks noGrp="1" noRot="1" noChangeAspect="1"/>
+          </p:cNvSpPr>
+          <p:nvPr>
+            <p:ph type="sldImg"/>
+          </p:nvPr>
+        </p:nvSpPr>
+        <p:spPr/>
+      </p:sp>
+      <p:sp>
+        <p:nvSpPr>
+          <p:cNvPr id="3" name="ノート プレースホルダー 2"/>
+          <p:cNvSpPr>
+            <a:spLocks noGrp="1"/>
+          </p:cNvSpPr>
+          <p:nvPr>
+            <p:ph type="body" idx="1"/>
+          </p:nvPr>
+        </p:nvSpPr>
+        <p:spPr/>
+        <p:txBody>
+          <a:bodyPr/>
+          <a:lstStyle/>
+          <a:p>
+            <a:endParaRPr kumimoji="1" lang="ja-JP" altLang="en-US" dirty="0"/>
+          </a:p>
+        </p:txBody>
+      </p:sp>
+      <p:sp>
+        <p:nvSpPr>
+          <p:cNvPr id="4" name="スライド番号プレースホルダー 3"/>
+          <p:cNvSpPr>
+            <a:spLocks noGrp="1"/>
+          </p:cNvSpPr>
+          <p:nvPr>
+            <p:ph type="sldNum" sz="quarter" idx="10"/>
+          </p:nvPr>
+        </p:nvSpPr>
+        <p:spPr/>
+        <p:txBody>
+          <a:bodyPr/>
+          <a:lstStyle/>
+          <a:p>
+            <a:fld id="{E603631E-C7ED-491D-83DC-D1C3550738C8}" type="slidenum">
+              <a:rPr kumimoji="1" lang="ja-JP" altLang="en-US" smtClean="0"/>
+              <a:t>9</a:t>
+            </a:fld>
+            <a:endParaRPr kumimoji="1" lang="ja-JP" altLang="en-US"/>
+          </a:p>
+        </p:txBody>
+      </p:sp>
+    </p:spTree>
+    <p:extLst>
+      <p:ext uri="{BB962C8B-B14F-4D97-AF65-F5344CB8AC3E}">
+        <p14:creationId xmlns:p14="http://schemas.microsoft.com/office/powerpoint/2010/main" val="3724431171"/>
+      </p:ext>
+    </p:extLst>
+  </p:cSld>
+  <p:clrMapOvr>
+    <a:masterClrMapping/>
+  </p:clrMapOvr>
+</p:notes>
+</file>
+
+<file path=ppt/notesSlides/notesSlide6.xml><?xml version="1.0" encoding="utf-8"?>
+<p:notes xmlns:a="http://schemas.openxmlformats.org/drawingml/2006/main" xmlns:r="http://schemas.openxmlformats.org/officeDocument/2006/relationships" xmlns:p="http://schemas.openxmlformats.org/presentationml/2006/main">
+  <p:cSld>
+    <p:spTree>
+      <p:nvGrpSpPr>
+        <p:cNvPr id="1" name=""/>
+        <p:cNvGrpSpPr/>
+        <p:nvPr/>
+      </p:nvGrpSpPr>
+      <p:grpSpPr>
+        <a:xfrm>
+          <a:off x="0" y="0"/>
+          <a:ext cx="0" cy="0"/>
+          <a:chOff x="0" y="0"/>
+          <a:chExt cx="0" cy="0"/>
+        </a:xfrm>
+      </p:grpSpPr>
+      <p:sp>
+        <p:nvSpPr>
+          <p:cNvPr id="2" name="スライド イメージ プレースホルダー 1"/>
+          <p:cNvSpPr>
+            <a:spLocks noGrp="1" noRot="1" noChangeAspect="1"/>
+          </p:cNvSpPr>
+          <p:nvPr>
+            <p:ph type="sldImg"/>
+          </p:nvPr>
+        </p:nvSpPr>
+        <p:spPr/>
+      </p:sp>
+      <p:sp>
+        <p:nvSpPr>
+          <p:cNvPr id="3" name="ノート プレースホルダー 2"/>
+          <p:cNvSpPr>
+            <a:spLocks noGrp="1"/>
+          </p:cNvSpPr>
+          <p:nvPr>
+            <p:ph type="body" idx="1"/>
+          </p:nvPr>
+        </p:nvSpPr>
+        <p:spPr/>
+        <p:txBody>
+          <a:bodyPr/>
+          <a:lstStyle/>
+          <a:p>
+            <a:endParaRPr kumimoji="1" lang="ja-JP" altLang="en-US" dirty="0"/>
+          </a:p>
+        </p:txBody>
+      </p:sp>
+      <p:sp>
+        <p:nvSpPr>
+          <p:cNvPr id="4" name="スライド番号プレースホルダー 3"/>
+          <p:cNvSpPr>
+            <a:spLocks noGrp="1"/>
+          </p:cNvSpPr>
+          <p:nvPr>
+            <p:ph type="sldNum" sz="quarter" idx="10"/>
+          </p:nvPr>
+        </p:nvSpPr>
+        <p:spPr/>
+        <p:txBody>
+          <a:bodyPr/>
+          <a:lstStyle/>
+          <a:p>
+            <a:fld id="{E603631E-C7ED-491D-83DC-D1C3550738C8}" type="slidenum">
+              <a:rPr kumimoji="1" lang="ja-JP" altLang="en-US" smtClean="0"/>
+              <a:t>11</a:t>
+            </a:fld>
+            <a:endParaRPr kumimoji="1" lang="ja-JP" altLang="en-US"/>
+          </a:p>
+        </p:txBody>
+      </p:sp>
+    </p:spTree>
+    <p:extLst>
+      <p:ext uri="{BB962C8B-B14F-4D97-AF65-F5344CB8AC3E}">
+        <p14:creationId xmlns:p14="http://schemas.microsoft.com/office/powerpoint/2010/main" val="2376678013"/>
       </p:ext>
     </p:extLst>
   </p:cSld>
@@ -793,7 +1283,7 @@
           <a:p>
             <a:fld id="{E90ED720-0104-4369-84BC-D37694168613}" type="datetimeFigureOut">
               <a:rPr kumimoji="1" lang="ja-JP" altLang="en-US" smtClean="0"/>
-              <a:t>2016/5/27</a:t>
+              <a:t>2016/6/5</a:t>
             </a:fld>
             <a:endParaRPr kumimoji="1" lang="ja-JP" altLang="en-US"/>
           </a:p>
@@ -997,7 +1487,7 @@
           <a:p>
             <a:fld id="{E90ED720-0104-4369-84BC-D37694168613}" type="datetimeFigureOut">
               <a:rPr kumimoji="1" lang="ja-JP" altLang="en-US" smtClean="0"/>
-              <a:t>2016/5/27</a:t>
+              <a:t>2016/6/5</a:t>
             </a:fld>
             <a:endParaRPr kumimoji="1" lang="ja-JP" altLang="en-US"/>
           </a:p>
@@ -1204,7 +1694,7 @@
           <a:p>
             <a:fld id="{E90ED720-0104-4369-84BC-D37694168613}" type="datetimeFigureOut">
               <a:rPr kumimoji="1" lang="ja-JP" altLang="en-US" smtClean="0"/>
-              <a:t>2016/5/27</a:t>
+              <a:t>2016/6/5</a:t>
             </a:fld>
             <a:endParaRPr kumimoji="1" lang="ja-JP" altLang="en-US"/>
           </a:p>
@@ -1606,7 +2096,7 @@
           <a:p>
             <a:fld id="{E90ED720-0104-4369-84BC-D37694168613}" type="datetimeFigureOut">
               <a:rPr kumimoji="1" lang="ja-JP" altLang="en-US" smtClean="0"/>
-              <a:t>2016/5/27</a:t>
+              <a:t>2016/6/5</a:t>
             </a:fld>
             <a:endParaRPr kumimoji="1" lang="ja-JP" altLang="en-US"/>
           </a:p>
@@ -1960,7 +2450,7 @@
           <a:p>
             <a:fld id="{E90ED720-0104-4369-84BC-D37694168613}" type="datetimeFigureOut">
               <a:rPr kumimoji="1" lang="ja-JP" altLang="en-US" smtClean="0"/>
-              <a:t>2016/5/27</a:t>
+              <a:t>2016/6/5</a:t>
             </a:fld>
             <a:endParaRPr kumimoji="1" lang="ja-JP" altLang="en-US"/>
           </a:p>
@@ -2441,7 +2931,7 @@
           <a:p>
             <a:fld id="{E90ED720-0104-4369-84BC-D37694168613}" type="datetimeFigureOut">
               <a:rPr kumimoji="1" lang="ja-JP" altLang="en-US" smtClean="0"/>
-              <a:t>2016/5/27</a:t>
+              <a:t>2016/6/5</a:t>
             </a:fld>
             <a:endParaRPr kumimoji="1" lang="ja-JP" altLang="en-US"/>
           </a:p>
@@ -2554,7 +3044,7 @@
           <a:p>
             <a:fld id="{E90ED720-0104-4369-84BC-D37694168613}" type="datetimeFigureOut">
               <a:rPr kumimoji="1" lang="ja-JP" altLang="en-US" smtClean="0"/>
-              <a:t>2016/5/27</a:t>
+              <a:t>2016/6/5</a:t>
             </a:fld>
             <a:endParaRPr kumimoji="1" lang="ja-JP" altLang="en-US"/>
           </a:p>
@@ -2644,7 +3134,7 @@
           <a:p>
             <a:fld id="{E90ED720-0104-4369-84BC-D37694168613}" type="datetimeFigureOut">
               <a:rPr kumimoji="1" lang="ja-JP" altLang="en-US" smtClean="0"/>
-              <a:t>2016/5/27</a:t>
+              <a:t>2016/6/5</a:t>
             </a:fld>
             <a:endParaRPr kumimoji="1" lang="ja-JP" altLang="en-US"/>
           </a:p>
@@ -2948,7 +3438,7 @@
           <a:p>
             <a:fld id="{E90ED720-0104-4369-84BC-D37694168613}" type="datetimeFigureOut">
               <a:rPr kumimoji="1" lang="ja-JP" altLang="en-US" smtClean="0"/>
-              <a:t>2016/5/27</a:t>
+              <a:t>2016/6/5</a:t>
             </a:fld>
             <a:endParaRPr kumimoji="1" lang="ja-JP" altLang="en-US"/>
           </a:p>
@@ -3196,7 +3686,7 @@
           <a:p>
             <a:fld id="{E90ED720-0104-4369-84BC-D37694168613}" type="datetimeFigureOut">
               <a:rPr kumimoji="1" lang="ja-JP" altLang="en-US" smtClean="0"/>
-              <a:t>2016/5/27</a:t>
+              <a:t>2016/6/5</a:t>
             </a:fld>
             <a:endParaRPr kumimoji="1" lang="ja-JP" altLang="en-US"/>
           </a:p>
@@ -3436,7 +3926,7 @@
           <a:p>
             <a:fld id="{E90ED720-0104-4369-84BC-D37694168613}" type="datetimeFigureOut">
               <a:rPr kumimoji="1" lang="ja-JP" altLang="en-US" smtClean="0"/>
-              <a:t>2016/5/27</a:t>
+              <a:t>2016/6/5</a:t>
             </a:fld>
             <a:endParaRPr kumimoji="1" lang="ja-JP" altLang="en-US"/>
           </a:p>
@@ -3830,7 +4320,7 @@
           <a:p>
             <a:r>
               <a:rPr kumimoji="1" lang="ja-JP" altLang="en-US" dirty="0" smtClean="0"/>
-              <a:t>今日のトピック</a:t>
+              <a:t>トピック</a:t>
             </a:r>
             <a:endParaRPr kumimoji="1" lang="ja-JP" altLang="en-US" dirty="0"/>
           </a:p>
@@ -3854,8 +4344,23 @@
           <a:lstStyle/>
           <a:p>
             <a:r>
+              <a:rPr lang="ja-JP" altLang="en-US" sz="2800" dirty="0"/>
+              <a:t>今日</a:t>
+            </a:r>
+            <a:r>
+              <a:rPr lang="ja-JP" altLang="en-US" sz="2800" dirty="0" smtClean="0"/>
+              <a:t>の予定</a:t>
+            </a:r>
+            <a:endParaRPr lang="en-US" altLang="ja-JP" sz="2800" dirty="0" smtClean="0"/>
+          </a:p>
+          <a:p>
+            <a:r>
               <a:rPr kumimoji="1" lang="ja-JP" altLang="en-US" sz="2800" dirty="0" smtClean="0"/>
-              <a:t>研修概要</a:t>
+              <a:t>研修</a:t>
+            </a:r>
+            <a:r>
+              <a:rPr kumimoji="1" lang="ja-JP" altLang="en-US" sz="2800" dirty="0" smtClean="0"/>
+              <a:t>概要</a:t>
             </a:r>
             <a:endParaRPr kumimoji="1" lang="en-US" altLang="ja-JP" sz="2800" dirty="0" smtClean="0"/>
           </a:p>
@@ -3918,6 +4423,285 @@
 </p:sld>
 </file>
 
+<file path=ppt/slides/slide10.xml><?xml version="1.0" encoding="utf-8"?>
+<p:sld xmlns:a="http://schemas.openxmlformats.org/drawingml/2006/main" xmlns:r="http://schemas.openxmlformats.org/officeDocument/2006/relationships" xmlns:p="http://schemas.openxmlformats.org/presentationml/2006/main">
+  <p:cSld>
+    <p:spTree>
+      <p:nvGrpSpPr>
+        <p:cNvPr id="1" name=""/>
+        <p:cNvGrpSpPr/>
+        <p:nvPr/>
+      </p:nvGrpSpPr>
+      <p:grpSpPr>
+        <a:xfrm>
+          <a:off x="0" y="0"/>
+          <a:ext cx="0" cy="0"/>
+          <a:chOff x="0" y="0"/>
+          <a:chExt cx="0" cy="0"/>
+        </a:xfrm>
+      </p:grpSpPr>
+      <p:sp>
+        <p:nvSpPr>
+          <p:cNvPr id="2" name="タイトル 1"/>
+          <p:cNvSpPr>
+            <a:spLocks noGrp="1"/>
+          </p:cNvSpPr>
+          <p:nvPr>
+            <p:ph type="title"/>
+          </p:nvPr>
+        </p:nvSpPr>
+        <p:spPr/>
+        <p:txBody>
+          <a:bodyPr/>
+          <a:lstStyle/>
+          <a:p>
+            <a:r>
+              <a:rPr kumimoji="1" lang="ja-JP" altLang="en-US" dirty="0" smtClean="0"/>
+              <a:t>研修にあたって</a:t>
+            </a:r>
+            <a:endParaRPr kumimoji="1" lang="ja-JP" altLang="en-US" dirty="0"/>
+          </a:p>
+        </p:txBody>
+      </p:sp>
+      <p:sp>
+        <p:nvSpPr>
+          <p:cNvPr id="3" name="コンテンツ プレースホルダー 2"/>
+          <p:cNvSpPr>
+            <a:spLocks noGrp="1"/>
+          </p:cNvSpPr>
+          <p:nvPr>
+            <p:ph idx="1"/>
+          </p:nvPr>
+        </p:nvSpPr>
+        <p:spPr/>
+        <p:txBody>
+          <a:bodyPr>
+            <a:normAutofit lnSpcReduction="10000"/>
+          </a:bodyPr>
+          <a:lstStyle/>
+          <a:p>
+            <a:r>
+              <a:rPr kumimoji="1" lang="ja-JP" altLang="en-US" dirty="0" smtClean="0"/>
+              <a:t>何をするにも報連相</a:t>
+            </a:r>
+            <a:endParaRPr lang="en-US" altLang="ja-JP" dirty="0"/>
+          </a:p>
+          <a:p>
+            <a:pPr lvl="1"/>
+            <a:r>
+              <a:rPr lang="ja-JP" altLang="en-US" dirty="0" smtClean="0"/>
+              <a:t>大事なのは事実を共有すること</a:t>
+            </a:r>
+            <a:endParaRPr lang="en-US" altLang="ja-JP" dirty="0" smtClean="0"/>
+          </a:p>
+          <a:p>
+            <a:pPr lvl="1"/>
+            <a:r>
+              <a:rPr kumimoji="1" lang="ja-JP" altLang="en-US" dirty="0" smtClean="0"/>
+              <a:t>何も言われない＝うまくいっているという認識</a:t>
+            </a:r>
+            <a:endParaRPr kumimoji="1" lang="en-US" altLang="ja-JP" dirty="0" smtClean="0"/>
+          </a:p>
+          <a:p>
+            <a:pPr lvl="1"/>
+            <a:endParaRPr kumimoji="1" lang="en-US" altLang="ja-JP" dirty="0" smtClean="0"/>
+          </a:p>
+          <a:p>
+            <a:r>
+              <a:rPr kumimoji="1" lang="ja-JP" altLang="en-US" dirty="0" smtClean="0"/>
+              <a:t>チームメンバーはライバルではなく仲間</a:t>
+            </a:r>
+            <a:endParaRPr lang="en-US" altLang="ja-JP" dirty="0"/>
+          </a:p>
+          <a:p>
+            <a:pPr lvl="1"/>
+            <a:r>
+              <a:rPr kumimoji="1" lang="ja-JP" altLang="en-US" dirty="0" smtClean="0"/>
+              <a:t>助け合いの精神が結局はお互いのプラスになる</a:t>
+            </a:r>
+            <a:endParaRPr kumimoji="1" lang="en-US" altLang="ja-JP" dirty="0" smtClean="0"/>
+          </a:p>
+          <a:p>
+            <a:pPr lvl="1"/>
+            <a:r>
+              <a:rPr lang="ja-JP" altLang="en-US" dirty="0"/>
+              <a:t>自分</a:t>
+            </a:r>
+            <a:r>
+              <a:rPr lang="ja-JP" altLang="en-US" dirty="0" smtClean="0"/>
+              <a:t>ができなくても誰かができることもある</a:t>
+            </a:r>
+            <a:endParaRPr lang="en-US" altLang="ja-JP" dirty="0" smtClean="0"/>
+          </a:p>
+          <a:p>
+            <a:pPr lvl="1"/>
+            <a:endParaRPr lang="en-US" altLang="ja-JP" dirty="0" smtClean="0"/>
+          </a:p>
+          <a:p>
+            <a:r>
+              <a:rPr lang="ja-JP" altLang="en-US" dirty="0" smtClean="0"/>
+              <a:t>１年目は、たくさん失敗できる特別な時期</a:t>
+            </a:r>
+            <a:endParaRPr lang="en-US" altLang="ja-JP" dirty="0" smtClean="0"/>
+          </a:p>
+          <a:p>
+            <a:pPr lvl="1"/>
+            <a:r>
+              <a:rPr lang="ja-JP" altLang="en-US" dirty="0"/>
+              <a:t>知</a:t>
+            </a:r>
+            <a:r>
+              <a:rPr lang="ja-JP" altLang="en-US" dirty="0" smtClean="0"/>
+              <a:t>らないことがあるのは当然</a:t>
+            </a:r>
+            <a:endParaRPr lang="en-US" altLang="ja-JP" dirty="0" smtClean="0"/>
+          </a:p>
+          <a:p>
+            <a:pPr lvl="1"/>
+            <a:r>
+              <a:rPr lang="ja-JP" altLang="en-US" dirty="0" smtClean="0"/>
+              <a:t>質問、チャレンジ、失敗のサイクルが成長の糧</a:t>
+            </a:r>
+            <a:endParaRPr lang="en-US" altLang="ja-JP" dirty="0" smtClean="0"/>
+          </a:p>
+          <a:p>
+            <a:pPr lvl="1"/>
+            <a:endParaRPr kumimoji="1" lang="ja-JP" altLang="en-US" dirty="0"/>
+          </a:p>
+        </p:txBody>
+      </p:sp>
+    </p:spTree>
+    <p:extLst>
+      <p:ext uri="{BB962C8B-B14F-4D97-AF65-F5344CB8AC3E}">
+        <p14:creationId xmlns:p14="http://schemas.microsoft.com/office/powerpoint/2010/main" val="4050716507"/>
+      </p:ext>
+    </p:extLst>
+  </p:cSld>
+  <p:clrMapOvr>
+    <a:masterClrMapping/>
+  </p:clrMapOvr>
+</p:sld>
+</file>
+
+<file path=ppt/slides/slide11.xml><?xml version="1.0" encoding="utf-8"?>
+<p:sld xmlns:a="http://schemas.openxmlformats.org/drawingml/2006/main" xmlns:r="http://schemas.openxmlformats.org/officeDocument/2006/relationships" xmlns:p="http://schemas.openxmlformats.org/presentationml/2006/main">
+  <p:cSld>
+    <p:spTree>
+      <p:nvGrpSpPr>
+        <p:cNvPr id="1" name=""/>
+        <p:cNvGrpSpPr/>
+        <p:nvPr/>
+      </p:nvGrpSpPr>
+      <p:grpSpPr>
+        <a:xfrm>
+          <a:off x="0" y="0"/>
+          <a:ext cx="0" cy="0"/>
+          <a:chOff x="0" y="0"/>
+          <a:chExt cx="0" cy="0"/>
+        </a:xfrm>
+      </p:grpSpPr>
+      <p:sp>
+        <p:nvSpPr>
+          <p:cNvPr id="2" name="タイトル 1"/>
+          <p:cNvSpPr>
+            <a:spLocks noGrp="1"/>
+          </p:cNvSpPr>
+          <p:nvPr>
+            <p:ph type="title"/>
+          </p:nvPr>
+        </p:nvSpPr>
+        <p:spPr/>
+        <p:txBody>
+          <a:bodyPr/>
+          <a:lstStyle/>
+          <a:p>
+            <a:r>
+              <a:rPr kumimoji="1" lang="ja-JP" altLang="en-US" dirty="0" smtClean="0"/>
+              <a:t>最終報告会</a:t>
+            </a:r>
+            <a:endParaRPr kumimoji="1" lang="ja-JP" altLang="en-US" dirty="0"/>
+          </a:p>
+        </p:txBody>
+      </p:sp>
+      <p:sp>
+        <p:nvSpPr>
+          <p:cNvPr id="3" name="コンテンツ プレースホルダー 2"/>
+          <p:cNvSpPr>
+            <a:spLocks noGrp="1"/>
+          </p:cNvSpPr>
+          <p:nvPr>
+            <p:ph idx="1"/>
+          </p:nvPr>
+        </p:nvSpPr>
+        <p:spPr/>
+        <p:txBody>
+          <a:bodyPr/>
+          <a:lstStyle/>
+          <a:p>
+            <a:r>
+              <a:rPr kumimoji="1" lang="ja-JP" altLang="en-US" dirty="0" smtClean="0"/>
+              <a:t>発表形式</a:t>
+            </a:r>
+            <a:endParaRPr lang="en-US" altLang="ja-JP" dirty="0"/>
+          </a:p>
+          <a:p>
+            <a:pPr lvl="1"/>
+            <a:r>
+              <a:rPr lang="ja-JP" altLang="en-US" dirty="0"/>
+              <a:t>持ち</a:t>
+            </a:r>
+            <a:r>
+              <a:rPr kumimoji="1" lang="ja-JP" altLang="en-US" dirty="0" smtClean="0"/>
+              <a:t>時間</a:t>
+            </a:r>
+            <a:endParaRPr kumimoji="1" lang="en-US" altLang="ja-JP" dirty="0" smtClean="0"/>
+          </a:p>
+          <a:p>
+            <a:pPr lvl="1"/>
+            <a:r>
+              <a:rPr kumimoji="1" lang="ja-JP" altLang="en-US" dirty="0" smtClean="0"/>
+              <a:t>発表内容の指定など</a:t>
+            </a:r>
+            <a:endParaRPr kumimoji="1" lang="en-US" altLang="ja-JP" dirty="0" smtClean="0"/>
+          </a:p>
+          <a:p>
+            <a:pPr lvl="1"/>
+            <a:endParaRPr lang="en-US" altLang="ja-JP" dirty="0"/>
+          </a:p>
+          <a:p>
+            <a:r>
+              <a:rPr kumimoji="1" lang="en-US" altLang="ja-JP" dirty="0" smtClean="0"/>
+              <a:t>MSE</a:t>
+            </a:r>
+            <a:r>
+              <a:rPr lang="ja-JP" altLang="en-US" dirty="0" smtClean="0"/>
+              <a:t>新人の</a:t>
+            </a:r>
+            <a:r>
+              <a:rPr lang="ja-JP" altLang="en-US" dirty="0"/>
+              <a:t>研修</a:t>
+            </a:r>
+            <a:r>
+              <a:rPr lang="ja-JP" altLang="en-US" dirty="0" smtClean="0"/>
+              <a:t>内容</a:t>
+            </a:r>
+            <a:endParaRPr kumimoji="1" lang="ja-JP" altLang="en-US" dirty="0"/>
+          </a:p>
+        </p:txBody>
+      </p:sp>
+    </p:spTree>
+    <p:extLst>
+      <p:ext uri="{BB962C8B-B14F-4D97-AF65-F5344CB8AC3E}">
+        <p14:creationId xmlns:p14="http://schemas.microsoft.com/office/powerpoint/2010/main" val="3799654513"/>
+      </p:ext>
+    </p:extLst>
+  </p:cSld>
+  <p:clrMapOvr>
+    <a:masterClrMapping/>
+  </p:clrMapOvr>
+</p:sld>
+</file>
+
 <file path=ppt/slides/slide2.xml><?xml version="1.0" encoding="utf-8"?>
 <p:sld xmlns:a="http://schemas.openxmlformats.org/drawingml/2006/main" xmlns:r="http://schemas.openxmlformats.org/officeDocument/2006/relationships" xmlns:p="http://schemas.openxmlformats.org/presentationml/2006/main">
   <p:cSld>
@@ -3951,8 +4735,20 @@
           <a:lstStyle/>
           <a:p>
             <a:r>
-              <a:rPr lang="ja-JP" altLang="en-US" dirty="0"/>
-              <a:t>前提</a:t>
+              <a:rPr kumimoji="1" lang="en-US" altLang="ja-JP" dirty="0" smtClean="0"/>
+              <a:t>6/6(</a:t>
+            </a:r>
+            <a:r>
+              <a:rPr kumimoji="1" lang="ja-JP" altLang="en-US" dirty="0" smtClean="0"/>
+              <a:t>月</a:t>
+            </a:r>
+            <a:r>
+              <a:rPr kumimoji="1" lang="en-US" altLang="ja-JP" dirty="0" smtClean="0"/>
+              <a:t>)</a:t>
+            </a:r>
+            <a:r>
+              <a:rPr kumimoji="1" lang="ja-JP" altLang="en-US" dirty="0" smtClean="0"/>
+              <a:t>研修初日の予定</a:t>
             </a:r>
             <a:endParaRPr kumimoji="1" lang="ja-JP" altLang="en-US" dirty="0"/>
           </a:p>
@@ -3971,214 +4767,287 @@
         <p:spPr/>
         <p:txBody>
           <a:bodyPr>
-            <a:normAutofit lnSpcReduction="10000"/>
+            <a:normAutofit fontScale="77500" lnSpcReduction="20000"/>
           </a:bodyPr>
           <a:lstStyle/>
           <a:p>
             <a:r>
-              <a:rPr lang="ja-JP" altLang="en-US" sz="2800" dirty="0" smtClean="0"/>
-              <a:t>体制（敬称略）</a:t>
-            </a:r>
-            <a:endParaRPr lang="en-US" altLang="ja-JP" sz="2800" dirty="0" smtClean="0"/>
+              <a:rPr lang="en-US" altLang="ja-JP" dirty="0" smtClean="0"/>
+              <a:t>10:00</a:t>
+            </a:r>
+            <a:r>
+              <a:rPr lang="ja-JP" altLang="en-US" dirty="0" smtClean="0"/>
+              <a:t>～</a:t>
+            </a:r>
+            <a:r>
+              <a:rPr lang="en-US" altLang="ja-JP" dirty="0" smtClean="0"/>
+              <a:t>11:00</a:t>
+            </a:r>
+            <a:r>
+              <a:rPr lang="ja-JP" altLang="en-US" dirty="0" smtClean="0"/>
+              <a:t>　各自作業</a:t>
+            </a:r>
+            <a:endParaRPr lang="en-US" altLang="ja-JP" dirty="0" smtClean="0"/>
+          </a:p>
+          <a:p>
+            <a:r>
+              <a:rPr lang="en-US" altLang="ja-JP" dirty="0" smtClean="0"/>
+              <a:t>11:00</a:t>
+            </a:r>
+            <a:r>
+              <a:rPr lang="ja-JP" altLang="en-US" dirty="0" smtClean="0"/>
+              <a:t>～</a:t>
+            </a:r>
+            <a:r>
+              <a:rPr lang="en-US" altLang="ja-JP" dirty="0" smtClean="0"/>
+              <a:t>12:00</a:t>
+            </a:r>
+            <a:r>
+              <a:rPr lang="ja-JP" altLang="en-US" dirty="0" smtClean="0"/>
+              <a:t>　全体説明（齋藤）</a:t>
+            </a:r>
+            <a:endParaRPr lang="en-US" altLang="ja-JP" dirty="0" smtClean="0"/>
           </a:p>
           <a:p>
             <a:pPr lvl="1"/>
             <a:r>
-              <a:rPr lang="ja-JP" altLang="en-US" sz="2400" dirty="0" smtClean="0"/>
-              <a:t>第２</a:t>
-            </a:r>
-            <a:r>
-              <a:rPr lang="en-US" altLang="ja-JP" sz="2400" dirty="0" smtClean="0"/>
-              <a:t>G</a:t>
-            </a:r>
-            <a:r>
-              <a:rPr kumimoji="1" lang="ja-JP" altLang="en-US" sz="2400" dirty="0" smtClean="0"/>
-              <a:t>研修担当チーム</a:t>
+              <a:rPr lang="ja-JP" altLang="en-US" dirty="0" smtClean="0"/>
+              <a:t>１日のスケジュール</a:t>
+            </a:r>
+            <a:endParaRPr lang="en-US" altLang="ja-JP" dirty="0" smtClean="0"/>
+          </a:p>
+          <a:p>
+            <a:pPr lvl="1"/>
+            <a:r>
+              <a:rPr kumimoji="1" lang="ja-JP" altLang="en-US" dirty="0" smtClean="0"/>
+              <a:t>研修にあたっての心構え</a:t>
             </a:r>
             <a:endParaRPr kumimoji="1" lang="en-US" altLang="ja-JP" dirty="0" smtClean="0"/>
           </a:p>
           <a:p>
+            <a:pPr lvl="1"/>
+            <a:r>
+              <a:rPr lang="ja-JP" altLang="en-US" dirty="0" smtClean="0"/>
+              <a:t>（これまでの研修について振り返り、報告会の内容など聞き取り調査）</a:t>
+            </a:r>
+            <a:endParaRPr kumimoji="1" lang="en-US" altLang="ja-JP" dirty="0" smtClean="0"/>
+          </a:p>
+          <a:p>
+            <a:r>
+              <a:rPr kumimoji="1" lang="en-US" altLang="ja-JP" dirty="0" smtClean="0"/>
+              <a:t>13:00</a:t>
+            </a:r>
+            <a:r>
+              <a:rPr kumimoji="1" lang="ja-JP" altLang="en-US" dirty="0" smtClean="0"/>
+              <a:t>～</a:t>
+            </a:r>
+            <a:r>
+              <a:rPr kumimoji="1" lang="en-US" altLang="ja-JP" dirty="0" smtClean="0"/>
+              <a:t>15:00</a:t>
+            </a:r>
+            <a:r>
+              <a:rPr kumimoji="1" lang="ja-JP" altLang="en-US" dirty="0" smtClean="0"/>
+              <a:t>　</a:t>
+            </a:r>
+            <a:r>
+              <a:rPr lang="ja-JP" altLang="en-US" dirty="0" smtClean="0"/>
+              <a:t>キックオフ</a:t>
+            </a:r>
+            <a:r>
+              <a:rPr lang="ja-JP" altLang="en-US" dirty="0"/>
+              <a:t>会議</a:t>
+            </a:r>
+            <a:endParaRPr kumimoji="1" lang="en-US" altLang="ja-JP" dirty="0" smtClean="0"/>
+          </a:p>
+          <a:p>
+            <a:pPr lvl="1"/>
+            <a:r>
+              <a:rPr lang="ja-JP" altLang="en-US" dirty="0" smtClean="0"/>
+              <a:t>新人から調査報告</a:t>
+            </a:r>
+            <a:endParaRPr lang="en-US" altLang="ja-JP" dirty="0" smtClean="0"/>
+          </a:p>
+          <a:p>
             <a:pPr lvl="2"/>
             <a:r>
-              <a:rPr kumimoji="1" lang="ja-JP" altLang="en-US" sz="2000" dirty="0" smtClean="0"/>
-              <a:t>技術サポート：坂本</a:t>
-            </a:r>
-            <a:r>
-              <a:rPr kumimoji="1" lang="en-US" altLang="ja-JP" sz="2000" dirty="0" smtClean="0"/>
-              <a:t>, </a:t>
-            </a:r>
-            <a:r>
-              <a:rPr kumimoji="1" lang="ja-JP" altLang="en-US" sz="2000" dirty="0" smtClean="0"/>
-              <a:t>吉田</a:t>
-            </a:r>
-            <a:r>
-              <a:rPr kumimoji="1" lang="en-US" altLang="ja-JP" sz="2000" dirty="0" smtClean="0"/>
-              <a:t>, </a:t>
-            </a:r>
-            <a:r>
-              <a:rPr kumimoji="1" lang="ja-JP" altLang="en-US" sz="2000" dirty="0" smtClean="0"/>
-              <a:t>柳澤</a:t>
-            </a:r>
-            <a:endParaRPr kumimoji="1" lang="en-US" altLang="ja-JP" sz="2000" dirty="0" smtClean="0"/>
+              <a:rPr lang="ja-JP" altLang="en-US" dirty="0" smtClean="0"/>
+              <a:t>研修</a:t>
+            </a:r>
+            <a:r>
+              <a:rPr lang="ja-JP" altLang="en-US" dirty="0"/>
+              <a:t>開始</a:t>
+            </a:r>
+            <a:r>
+              <a:rPr lang="ja-JP" altLang="en-US" dirty="0" smtClean="0"/>
+              <a:t>までに調査できた内容を報告してもらう</a:t>
+            </a:r>
+            <a:r>
+              <a:rPr lang="en-US" altLang="ja-JP" dirty="0"/>
+              <a:t/>
+            </a:r>
+            <a:br>
+              <a:rPr lang="en-US" altLang="ja-JP" dirty="0"/>
+            </a:br>
+            <a:r>
+              <a:rPr lang="ja-JP" altLang="en-US" dirty="0" smtClean="0"/>
+              <a:t>（</a:t>
+            </a:r>
+            <a:r>
+              <a:rPr lang="en-US" altLang="ja-JP" dirty="0" smtClean="0"/>
+              <a:t>Eclipse Plugin, EMF, Sirius, JavaFX</a:t>
+            </a:r>
+            <a:r>
+              <a:rPr lang="ja-JP" altLang="en-US" dirty="0" smtClean="0"/>
+              <a:t>）</a:t>
+            </a:r>
+            <a:endParaRPr lang="en-US" altLang="ja-JP" dirty="0" smtClean="0"/>
           </a:p>
           <a:p>
             <a:pPr lvl="2"/>
             <a:r>
-              <a:rPr lang="ja-JP" altLang="en-US" sz="2000" dirty="0" smtClean="0"/>
-              <a:t>全般サポート：齋藤</a:t>
-            </a:r>
-            <a:endParaRPr lang="en-US" altLang="ja-JP" sz="2000" dirty="0" smtClean="0"/>
-          </a:p>
-          <a:p>
-            <a:pPr lvl="2"/>
-            <a:r>
-              <a:rPr lang="ja-JP" altLang="en-US" sz="2000" dirty="0" smtClean="0"/>
-              <a:t>（適宜サポート：森嶋</a:t>
-            </a:r>
-            <a:r>
-              <a:rPr lang="en-US" altLang="ja-JP" sz="2000" dirty="0" smtClean="0"/>
-              <a:t>, </a:t>
-            </a:r>
-            <a:r>
-              <a:rPr lang="ja-JP" altLang="en-US" sz="2000" dirty="0" smtClean="0"/>
-              <a:t>永木</a:t>
-            </a:r>
-            <a:r>
-              <a:rPr lang="en-US" altLang="ja-JP" sz="2000" dirty="0" smtClean="0"/>
-              <a:t>, </a:t>
-            </a:r>
-            <a:r>
-              <a:rPr lang="ja-JP" altLang="en-US" sz="2000" dirty="0" smtClean="0"/>
-              <a:t>阿部）</a:t>
-            </a:r>
-            <a:endParaRPr lang="en-US" altLang="ja-JP" sz="2000" dirty="0" smtClean="0"/>
+              <a:rPr lang="ja-JP" altLang="en-US" dirty="0" smtClean="0"/>
+              <a:t>先輩方から補足</a:t>
+            </a:r>
+            <a:endParaRPr lang="en-US" altLang="ja-JP" dirty="0" smtClean="0"/>
           </a:p>
           <a:p>
             <a:pPr lvl="1"/>
             <a:r>
-              <a:rPr lang="ja-JP" altLang="en-US" sz="2400" dirty="0" smtClean="0"/>
-              <a:t>新人（４名）</a:t>
-            </a:r>
-            <a:endParaRPr lang="en-US" altLang="ja-JP" dirty="0"/>
-          </a:p>
-          <a:p>
-            <a:pPr lvl="2"/>
-            <a:r>
-              <a:rPr lang="ja-JP" altLang="en-US" sz="2000" dirty="0" smtClean="0"/>
-              <a:t>呉屋</a:t>
-            </a:r>
-            <a:r>
-              <a:rPr lang="en-US" altLang="ja-JP" sz="2000" dirty="0" smtClean="0"/>
-              <a:t>, </a:t>
-            </a:r>
-            <a:r>
-              <a:rPr lang="ja-JP" altLang="en-US" sz="2000" dirty="0" smtClean="0"/>
-              <a:t>久米</a:t>
-            </a:r>
-            <a:r>
-              <a:rPr lang="en-US" altLang="ja-JP" sz="2000" dirty="0" smtClean="0"/>
-              <a:t>, </a:t>
-            </a:r>
-            <a:r>
-              <a:rPr lang="ja-JP" altLang="en-US" sz="2000" dirty="0" smtClean="0"/>
-              <a:t>本間</a:t>
-            </a:r>
-            <a:r>
-              <a:rPr lang="en-US" altLang="ja-JP" sz="2000" dirty="0" smtClean="0"/>
-              <a:t>, </a:t>
-            </a:r>
-            <a:r>
-              <a:rPr lang="ja-JP" altLang="en-US" sz="2000" dirty="0" smtClean="0"/>
-              <a:t>横田</a:t>
-            </a:r>
-            <a:endParaRPr lang="en-US" altLang="ja-JP" sz="2000" dirty="0" smtClean="0"/>
-          </a:p>
-          <a:p>
-            <a:pPr lvl="2"/>
-            <a:endParaRPr lang="en-US" altLang="ja-JP" sz="2000" dirty="0"/>
-          </a:p>
-          <a:p>
-            <a:r>
-              <a:rPr lang="ja-JP" altLang="en-US" sz="2800" dirty="0" smtClean="0"/>
-              <a:t>配属先・・・未定</a:t>
-            </a:r>
-            <a:endParaRPr lang="en-US" altLang="ja-JP" sz="2800" dirty="0" smtClean="0"/>
+              <a:rPr lang="en-US" altLang="ja-JP" dirty="0" smtClean="0"/>
+              <a:t>JavaFX</a:t>
+            </a:r>
+            <a:r>
+              <a:rPr lang="ja-JP" altLang="en-US" dirty="0" smtClean="0"/>
+              <a:t>チームの説明（坂本さん）</a:t>
+            </a:r>
+            <a:endParaRPr lang="en-US" altLang="ja-JP" dirty="0" smtClean="0"/>
           </a:p>
           <a:p>
             <a:pPr lvl="1"/>
             <a:r>
-              <a:rPr lang="ja-JP" altLang="en-US" sz="2400" dirty="0" smtClean="0"/>
-              <a:t>久米</a:t>
-            </a:r>
-            <a:r>
-              <a:rPr lang="en-US" altLang="ja-JP" sz="2400" dirty="0" smtClean="0"/>
-              <a:t>,</a:t>
-            </a:r>
-            <a:r>
-              <a:rPr lang="ja-JP" altLang="en-US" sz="2400" dirty="0"/>
-              <a:t> </a:t>
-            </a:r>
-            <a:r>
-              <a:rPr lang="ja-JP" altLang="en-US" sz="2400" dirty="0" smtClean="0"/>
-              <a:t>本間</a:t>
-            </a:r>
-            <a:r>
-              <a:rPr lang="en-US" altLang="ja-JP" sz="2400" dirty="0" smtClean="0"/>
-              <a:t>, </a:t>
-            </a:r>
-            <a:r>
-              <a:rPr lang="ja-JP" altLang="en-US" sz="2400" dirty="0" smtClean="0"/>
-              <a:t>横田</a:t>
-            </a:r>
-            <a:endParaRPr lang="en-US" altLang="ja-JP" sz="2400" dirty="0" smtClean="0"/>
-          </a:p>
-          <a:p>
-            <a:pPr lvl="2"/>
-            <a:r>
-              <a:rPr lang="en-US" altLang="ja-JP" sz="2000" dirty="0" smtClean="0"/>
-              <a:t>ZIPC TERAS</a:t>
-            </a:r>
-          </a:p>
-          <a:p>
-            <a:pPr lvl="2"/>
-            <a:r>
-              <a:rPr lang="en-US" altLang="ja-JP" sz="2000" dirty="0" smtClean="0"/>
-              <a:t>ZIPC Designer</a:t>
-            </a:r>
-          </a:p>
-          <a:p>
-            <a:pPr lvl="2"/>
-            <a:r>
-              <a:rPr lang="en-US" altLang="ja-JP" sz="2000" dirty="0" smtClean="0"/>
-              <a:t>(TERASOLUNA IDE3 ?)</a:t>
-            </a:r>
-          </a:p>
-          <a:p>
-            <a:pPr lvl="1"/>
-            <a:r>
-              <a:rPr lang="ja-JP" altLang="en-US" sz="2400" dirty="0" smtClean="0"/>
-              <a:t>呉屋</a:t>
+              <a:rPr kumimoji="1" lang="en-US" altLang="ja-JP" dirty="0" smtClean="0"/>
+              <a:t>Sirius</a:t>
+            </a:r>
+            <a:r>
+              <a:rPr kumimoji="1" lang="ja-JP" altLang="en-US" dirty="0" smtClean="0"/>
+              <a:t>チームの説明（吉田さん）</a:t>
+            </a:r>
+            <a:endParaRPr kumimoji="1" lang="en-US" altLang="ja-JP" dirty="0" smtClean="0"/>
+          </a:p>
+          <a:p>
+            <a:r>
+              <a:rPr lang="en-US" altLang="ja-JP" dirty="0" smtClean="0"/>
+              <a:t>15:00</a:t>
+            </a:r>
+            <a:r>
+              <a:rPr lang="ja-JP" altLang="en-US" dirty="0" smtClean="0"/>
+              <a:t>～</a:t>
+            </a:r>
+            <a:r>
+              <a:rPr lang="en-US" altLang="ja-JP" dirty="0" smtClean="0"/>
+              <a:t>18:00</a:t>
+            </a:r>
+            <a:r>
+              <a:rPr lang="ja-JP" altLang="en-US" dirty="0" smtClean="0"/>
+              <a:t>　各自作業</a:t>
             </a:r>
             <a:endParaRPr lang="en-US" altLang="ja-JP" dirty="0" smtClean="0"/>
           </a:p>
           <a:p>
-            <a:pPr lvl="2"/>
-            <a:r>
-              <a:rPr lang="ja-JP" altLang="en-US" sz="2000" dirty="0" smtClean="0"/>
-              <a:t>９末まで新横浜→沖縄</a:t>
-            </a:r>
-            <a:r>
-              <a:rPr lang="en-US" altLang="ja-JP" dirty="0"/>
-              <a:t>	</a:t>
+            <a:r>
+              <a:rPr kumimoji="1" lang="en-US" altLang="ja-JP" dirty="0" smtClean="0"/>
+              <a:t>18:00</a:t>
+            </a:r>
+            <a:r>
+              <a:rPr kumimoji="1" lang="ja-JP" altLang="en-US" dirty="0" smtClean="0"/>
+              <a:t>～</a:t>
+            </a:r>
+            <a:r>
+              <a:rPr kumimoji="1" lang="en-US" altLang="ja-JP" dirty="0" smtClean="0"/>
+              <a:t>18:30</a:t>
+            </a:r>
+            <a:r>
+              <a:rPr kumimoji="1" lang="ja-JP" altLang="en-US" dirty="0" smtClean="0"/>
+              <a:t>　</a:t>
+            </a:r>
+            <a:r>
+              <a:rPr lang="ja-JP" altLang="en-US" dirty="0" smtClean="0"/>
+              <a:t>日報作成　</a:t>
+            </a:r>
+            <a:r>
+              <a:rPr lang="en-US" altLang="ja-JP" dirty="0" smtClean="0">
+                <a:solidFill>
+                  <a:srgbClr val="0070C0"/>
+                </a:solidFill>
+              </a:rPr>
+              <a:t>※</a:t>
+            </a:r>
+            <a:r>
+              <a:rPr lang="ja-JP" altLang="en-US" dirty="0" smtClean="0">
+                <a:solidFill>
+                  <a:srgbClr val="0070C0"/>
+                </a:solidFill>
+              </a:rPr>
+              <a:t>夕会開始</a:t>
+            </a:r>
+            <a:r>
+              <a:rPr lang="ja-JP" altLang="en-US" dirty="0">
+                <a:solidFill>
+                  <a:srgbClr val="0070C0"/>
+                </a:solidFill>
+              </a:rPr>
+              <a:t>まで</a:t>
+            </a:r>
+            <a:r>
+              <a:rPr lang="ja-JP" altLang="en-US" dirty="0" smtClean="0">
+                <a:solidFill>
+                  <a:srgbClr val="0070C0"/>
+                </a:solidFill>
+              </a:rPr>
+              <a:t>に送信</a:t>
+            </a:r>
+            <a:r>
+              <a:rPr kumimoji="1" lang="ja-JP" altLang="en-US" dirty="0" smtClean="0"/>
+              <a:t>　</a:t>
             </a:r>
             <a:endParaRPr kumimoji="1" lang="en-US" altLang="ja-JP" dirty="0" smtClean="0"/>
+          </a:p>
+          <a:p>
+            <a:r>
+              <a:rPr lang="en-US" altLang="ja-JP" dirty="0" smtClean="0"/>
+              <a:t>18:30</a:t>
+            </a:r>
+            <a:r>
+              <a:rPr lang="ja-JP" altLang="en-US" dirty="0" smtClean="0"/>
+              <a:t>～</a:t>
+            </a:r>
+            <a:r>
+              <a:rPr lang="en-US" altLang="ja-JP" dirty="0" smtClean="0"/>
+              <a:t>19:00</a:t>
+            </a:r>
+            <a:r>
+              <a:rPr lang="ja-JP" altLang="en-US" dirty="0" smtClean="0"/>
+              <a:t>　夕会</a:t>
+            </a:r>
+            <a:endParaRPr lang="en-US" altLang="ja-JP" dirty="0" smtClean="0"/>
+          </a:p>
+          <a:p>
+            <a:r>
+              <a:rPr kumimoji="1" lang="en-US" altLang="ja-JP" dirty="0" smtClean="0"/>
+              <a:t>19:00</a:t>
+            </a:r>
+            <a:r>
+              <a:rPr kumimoji="1" lang="ja-JP" altLang="en-US" dirty="0" smtClean="0"/>
+              <a:t>　退社</a:t>
+            </a:r>
+            <a:endParaRPr kumimoji="1" lang="ja-JP" altLang="en-US" dirty="0"/>
           </a:p>
         </p:txBody>
       </p:sp>
     </p:spTree>
     <p:extLst>
       <p:ext uri="{BB962C8B-B14F-4D97-AF65-F5344CB8AC3E}">
-        <p14:creationId xmlns:p14="http://schemas.microsoft.com/office/powerpoint/2010/main" val="1941152194"/>
+        <p14:creationId xmlns:p14="http://schemas.microsoft.com/office/powerpoint/2010/main" val="63984918"/>
       </p:ext>
     </p:extLst>
   </p:cSld>
@@ -4335,15 +5204,7 @@
             <a:pPr lvl="1"/>
             <a:r>
               <a:rPr lang="ja-JP" altLang="en-US" sz="2100" dirty="0" smtClean="0"/>
-              <a:t>開発工程の基本的な流れを体験する</a:t>
-            </a:r>
-            <a:endParaRPr lang="en-US" altLang="ja-JP" sz="2100" dirty="0" smtClean="0"/>
-          </a:p>
-          <a:p>
-            <a:pPr lvl="2"/>
-            <a:r>
-              <a:rPr lang="ja-JP" altLang="en-US" sz="1600" dirty="0" smtClean="0"/>
-              <a:t>要件定義、設計、実装、テスト</a:t>
+              <a:t>ツール開発を実践的に学ぶ</a:t>
             </a:r>
             <a:endParaRPr lang="en-US" altLang="ja-JP" sz="1600" dirty="0" smtClean="0"/>
           </a:p>
@@ -4351,7 +5212,15 @@
             <a:pPr lvl="1"/>
             <a:r>
               <a:rPr lang="ja-JP" altLang="en-US" sz="2100" dirty="0" smtClean="0"/>
-              <a:t>開発ツールの基本を学ぶ</a:t>
+              <a:t>業務で</a:t>
+            </a:r>
+            <a:r>
+              <a:rPr lang="ja-JP" altLang="en-US" sz="2100" dirty="0" smtClean="0"/>
+              <a:t>使用するツール</a:t>
+            </a:r>
+            <a:r>
+              <a:rPr lang="ja-JP" altLang="en-US" sz="2100" dirty="0" smtClean="0"/>
+              <a:t>の基本を学ぶ</a:t>
             </a:r>
             <a:endParaRPr lang="en-US" altLang="ja-JP" sz="2000" dirty="0" smtClean="0"/>
           </a:p>
@@ -4415,10 +5284,18 @@
             </a:r>
             <a:r>
               <a:rPr lang="ja-JP" altLang="en-US" sz="2800" dirty="0"/>
-              <a:t>で作るチャート</a:t>
-            </a:r>
-            <a:r>
-              <a:rPr lang="en-US" altLang="ja-JP" sz="2800" dirty="0" smtClean="0"/>
+              <a:t>で</a:t>
+            </a:r>
+            <a:r>
+              <a:rPr lang="ja-JP" altLang="en-US" sz="2800" dirty="0" smtClean="0"/>
+              <a:t>作る</a:t>
+            </a:r>
+            <a:r>
+              <a:rPr lang="en-US" altLang="ja-JP" sz="2800" dirty="0" err="1" smtClean="0"/>
+              <a:t>Signal</a:t>
+            </a:r>
+            <a:r>
+              <a:rPr lang="en-US" altLang="ja-JP" sz="2800" dirty="0" err="1" smtClean="0"/>
               <a:t>Viewer</a:t>
             </a:r>
             <a:endParaRPr lang="en-US" altLang="ja-JP" sz="2800" dirty="0"/>
@@ -4436,42 +5313,54 @@
           <a:p>
             <a:pPr lvl="1"/>
             <a:r>
-              <a:rPr lang="en-US" altLang="ja-JP" sz="2100" dirty="0" smtClean="0"/>
+              <a:rPr lang="ja-JP" altLang="en-US" sz="2100" dirty="0"/>
+              <a:t>調査資料</a:t>
+            </a:r>
+            <a:endParaRPr lang="en-US" altLang="ja-JP" sz="2100" dirty="0"/>
+          </a:p>
+          <a:p>
+            <a:pPr lvl="1"/>
+            <a:r>
+              <a:rPr lang="ja-JP" altLang="en-US" sz="2100" dirty="0"/>
+              <a:t>設計書（</a:t>
+            </a:r>
+            <a:r>
+              <a:rPr lang="en-US" altLang="ja-JP" sz="2100" dirty="0"/>
+              <a:t>Sirius</a:t>
+            </a:r>
+            <a:r>
+              <a:rPr lang="ja-JP" altLang="en-US" sz="2100" dirty="0"/>
+              <a:t>チームのみ）</a:t>
+            </a:r>
+            <a:endParaRPr lang="en-US" altLang="ja-JP" sz="2100" dirty="0"/>
+          </a:p>
+          <a:p>
+            <a:pPr lvl="1"/>
+            <a:r>
+              <a:rPr lang="en-US" altLang="ja-JP" sz="2100" dirty="0"/>
               <a:t>Editor/Viewer</a:t>
             </a:r>
             <a:r>
-              <a:rPr lang="ja-JP" altLang="en-US" sz="2100" dirty="0" smtClean="0"/>
+              <a:rPr lang="ja-JP" altLang="en-US" sz="2100" dirty="0"/>
               <a:t>本体</a:t>
             </a:r>
-            <a:endParaRPr lang="en-US" altLang="ja-JP" sz="2100" dirty="0" smtClean="0"/>
+            <a:endParaRPr lang="en-US" altLang="ja-JP" sz="2100" dirty="0"/>
           </a:p>
           <a:p>
             <a:pPr lvl="1"/>
             <a:r>
-              <a:rPr lang="ja-JP" altLang="en-US" sz="2100" dirty="0" smtClean="0"/>
-              <a:t>要件定義書、設計書、テストケース表、テスト証跡</a:t>
-            </a:r>
-            <a:endParaRPr lang="en-US" altLang="ja-JP" sz="2100" dirty="0" smtClean="0"/>
+              <a:rPr lang="ja-JP" altLang="en-US" sz="2100" dirty="0"/>
+              <a:t>テストケース表、テスト証跡</a:t>
+            </a:r>
+            <a:endParaRPr lang="en-US" altLang="ja-JP" sz="2100" dirty="0"/>
           </a:p>
           <a:p>
             <a:pPr lvl="1"/>
             <a:r>
-              <a:rPr lang="ja-JP" altLang="en-US" sz="2100" dirty="0" smtClean="0"/>
-              <a:t>調査資料</a:t>
-            </a:r>
-            <a:endParaRPr lang="en-US" altLang="ja-JP" sz="2100" dirty="0" smtClean="0"/>
-          </a:p>
-          <a:p>
-            <a:pPr lvl="1"/>
-            <a:r>
               <a:rPr lang="ja-JP" altLang="en-US" sz="2100" dirty="0"/>
-              <a:t>発表</a:t>
-            </a:r>
-            <a:r>
-              <a:rPr lang="ja-JP" altLang="en-US" sz="2100" dirty="0" smtClean="0"/>
-              <a:t>資料</a:t>
-            </a:r>
-            <a:endParaRPr lang="en-US" altLang="ja-JP" sz="2100" dirty="0" smtClean="0"/>
+              <a:t>発表資料</a:t>
+            </a:r>
+            <a:endParaRPr lang="en-US" altLang="ja-JP" sz="2400" dirty="0"/>
           </a:p>
           <a:p>
             <a:endParaRPr lang="en-US" altLang="ja-JP" sz="2400" dirty="0"/>
@@ -4540,8 +5429,8 @@
           <a:lstStyle/>
           <a:p>
             <a:r>
-              <a:rPr kumimoji="1" lang="ja-JP" altLang="en-US" dirty="0" smtClean="0"/>
-              <a:t>研修案</a:t>
+              <a:rPr lang="ja-JP" altLang="en-US" dirty="0"/>
+              <a:t>前提</a:t>
             </a:r>
             <a:endParaRPr kumimoji="1" lang="ja-JP" altLang="en-US" dirty="0"/>
           </a:p>
@@ -4559,126 +5448,139 @@
         </p:nvSpPr>
         <p:spPr/>
         <p:txBody>
-          <a:bodyPr/>
+          <a:bodyPr>
+            <a:normAutofit/>
+          </a:bodyPr>
           <a:lstStyle/>
           <a:p>
-            <a:pPr marL="0" indent="0">
-              <a:buNone/>
-            </a:pPr>
-            <a:r>
-              <a:rPr kumimoji="1" lang="ja-JP" altLang="en-US" dirty="0" smtClean="0"/>
-              <a:t>２チーム構成（成果物は１人１個）</a:t>
+            <a:r>
+              <a:rPr lang="ja-JP" altLang="en-US" sz="2800" dirty="0" smtClean="0"/>
+              <a:t>体制（敬称略）</a:t>
+            </a:r>
+            <a:endParaRPr lang="en-US" altLang="ja-JP" sz="2800" dirty="0" smtClean="0"/>
+          </a:p>
+          <a:p>
+            <a:pPr lvl="1"/>
+            <a:r>
+              <a:rPr lang="ja-JP" altLang="en-US" sz="2400" dirty="0" smtClean="0"/>
+              <a:t>第２</a:t>
+            </a:r>
+            <a:r>
+              <a:rPr lang="en-US" altLang="ja-JP" sz="2400" dirty="0" smtClean="0"/>
+              <a:t>G</a:t>
+            </a:r>
+            <a:r>
+              <a:rPr kumimoji="1" lang="ja-JP" altLang="en-US" sz="2400" dirty="0" smtClean="0"/>
+              <a:t>研修担当チーム</a:t>
             </a:r>
             <a:endParaRPr kumimoji="1" lang="en-US" altLang="ja-JP" dirty="0" smtClean="0"/>
           </a:p>
           <a:p>
-            <a:r>
-              <a:rPr kumimoji="1" lang="en-US" altLang="ja-JP" dirty="0" smtClean="0"/>
-              <a:t>Sirius</a:t>
-            </a:r>
-            <a:r>
-              <a:rPr kumimoji="1" lang="ja-JP" altLang="en-US" dirty="0" smtClean="0"/>
-              <a:t>チーム（吉田さん）：久米、呉屋</a:t>
-            </a:r>
-            <a:endParaRPr kumimoji="1" lang="en-US" altLang="ja-JP" dirty="0" smtClean="0"/>
-          </a:p>
-          <a:p>
             <a:pPr lvl="2"/>
             <a:r>
-              <a:rPr kumimoji="1" lang="ja-JP" altLang="en-US" dirty="0" smtClean="0"/>
-              <a:t>モデルベース開発</a:t>
-            </a:r>
-            <a:r>
-              <a:rPr kumimoji="1" lang="en-US" altLang="ja-JP" dirty="0" smtClean="0"/>
-              <a:t>, Eclipse Plugin</a:t>
-            </a:r>
-            <a:r>
-              <a:rPr kumimoji="1" lang="ja-JP" altLang="en-US" dirty="0" smtClean="0"/>
-              <a:t>の勉強</a:t>
-            </a:r>
-            <a:endParaRPr kumimoji="1" lang="en-US" altLang="ja-JP" dirty="0" smtClean="0"/>
+              <a:rPr kumimoji="1" lang="ja-JP" altLang="en-US" sz="2000" dirty="0" smtClean="0"/>
+              <a:t>技術サポート：坂本</a:t>
+            </a:r>
+            <a:r>
+              <a:rPr kumimoji="1" lang="en-US" altLang="ja-JP" sz="2000" dirty="0" smtClean="0"/>
+              <a:t>, </a:t>
+            </a:r>
+            <a:r>
+              <a:rPr kumimoji="1" lang="ja-JP" altLang="en-US" sz="2000" dirty="0" smtClean="0"/>
+              <a:t>吉田</a:t>
+            </a:r>
+            <a:r>
+              <a:rPr kumimoji="1" lang="en-US" altLang="ja-JP" sz="2000" dirty="0" smtClean="0"/>
+              <a:t>, </a:t>
+            </a:r>
+            <a:r>
+              <a:rPr kumimoji="1" lang="ja-JP" altLang="en-US" sz="2000" dirty="0" smtClean="0"/>
+              <a:t>柳澤</a:t>
+            </a:r>
+            <a:endParaRPr kumimoji="1" lang="en-US" altLang="ja-JP" sz="2000" dirty="0" smtClean="0"/>
+          </a:p>
+          <a:p>
+            <a:pPr lvl="2"/>
+            <a:r>
+              <a:rPr lang="ja-JP" altLang="en-US" sz="2000" dirty="0" smtClean="0"/>
+              <a:t>全般サポート：齋藤</a:t>
+            </a:r>
+            <a:endParaRPr lang="en-US" altLang="ja-JP" sz="2000" dirty="0" smtClean="0"/>
+          </a:p>
+          <a:p>
+            <a:pPr lvl="2"/>
+            <a:r>
+              <a:rPr lang="ja-JP" altLang="en-US" sz="2000" dirty="0" smtClean="0"/>
+              <a:t>（適宜サポート：森嶋</a:t>
+            </a:r>
+            <a:r>
+              <a:rPr lang="en-US" altLang="ja-JP" sz="2000" dirty="0" smtClean="0"/>
+              <a:t>, </a:t>
+            </a:r>
+            <a:r>
+              <a:rPr lang="ja-JP" altLang="en-US" sz="2000" dirty="0" smtClean="0"/>
+              <a:t>永木</a:t>
+            </a:r>
+            <a:r>
+              <a:rPr lang="en-US" altLang="ja-JP" sz="2000" dirty="0" smtClean="0"/>
+              <a:t>, </a:t>
+            </a:r>
+            <a:r>
+              <a:rPr lang="ja-JP" altLang="en-US" sz="2000" dirty="0" smtClean="0"/>
+              <a:t>阿部）</a:t>
+            </a:r>
+            <a:endParaRPr lang="en-US" altLang="ja-JP" sz="2000" dirty="0" smtClean="0"/>
           </a:p>
           <a:p>
             <a:pPr lvl="1"/>
             <a:r>
-              <a:rPr kumimoji="1" lang="en-US" altLang="ja-JP" dirty="0" smtClean="0"/>
-              <a:t>Sirius</a:t>
-            </a:r>
-            <a:r>
-              <a:rPr kumimoji="1" lang="ja-JP" altLang="en-US" dirty="0" smtClean="0"/>
-              <a:t>調査</a:t>
-            </a:r>
-            <a:endParaRPr kumimoji="1" lang="en-US" altLang="ja-JP" dirty="0" smtClean="0"/>
-          </a:p>
-          <a:p>
-            <a:pPr lvl="1"/>
-            <a:r>
-              <a:rPr kumimoji="1" lang="ja-JP" altLang="en-US" dirty="0" smtClean="0"/>
-              <a:t>サンプルとしてアクティビティ図</a:t>
-            </a:r>
-            <a:r>
-              <a:rPr kumimoji="1" lang="en-US" altLang="ja-JP" dirty="0" smtClean="0"/>
-              <a:t>Editor</a:t>
-            </a:r>
-          </a:p>
-          <a:p>
-            <a:endParaRPr lang="en-US" altLang="ja-JP" dirty="0" smtClean="0"/>
-          </a:p>
-          <a:p>
-            <a:r>
-              <a:rPr lang="en-US" altLang="ja-JP" dirty="0" smtClean="0"/>
-              <a:t>JavaFX</a:t>
-            </a:r>
-            <a:r>
-              <a:rPr lang="ja-JP" altLang="en-US" dirty="0" smtClean="0"/>
-              <a:t>チーム（坂本さん）：横田、本間</a:t>
-            </a:r>
-            <a:endParaRPr lang="en-US" altLang="ja-JP" dirty="0" smtClean="0"/>
-          </a:p>
-          <a:p>
-            <a:pPr lvl="1"/>
-            <a:r>
-              <a:rPr lang="ja-JP" altLang="en-US" dirty="0"/>
-              <a:t>波形</a:t>
-            </a:r>
-            <a:r>
-              <a:rPr lang="ja-JP" altLang="en-US" dirty="0" smtClean="0"/>
-              <a:t>の</a:t>
-            </a:r>
-            <a:r>
-              <a:rPr lang="en-US" altLang="ja-JP" dirty="0" smtClean="0"/>
-              <a:t>Viewer</a:t>
-            </a:r>
+              <a:rPr lang="ja-JP" altLang="en-US" sz="2400" dirty="0" smtClean="0"/>
+              <a:t>新人（４名）</a:t>
+            </a:r>
+            <a:endParaRPr lang="en-US" altLang="ja-JP" dirty="0"/>
           </a:p>
           <a:p>
             <a:pPr lvl="2"/>
             <a:r>
-              <a:rPr lang="ja-JP" altLang="en-US" dirty="0" smtClean="0"/>
-              <a:t>スタンドアローンの</a:t>
-            </a:r>
-            <a:r>
-              <a:rPr lang="en-US" altLang="ja-JP" dirty="0" smtClean="0"/>
-              <a:t>EXE</a:t>
-            </a:r>
-          </a:p>
-          <a:p>
-            <a:pPr lvl="1"/>
-            <a:r>
-              <a:rPr lang="ja-JP" altLang="en-US" dirty="0" smtClean="0"/>
-              <a:t>（動画再生と同時に値を送信するアプリケーション</a:t>
-            </a:r>
-            <a:r>
-              <a:rPr lang="ja-JP" altLang="en-US" dirty="0" smtClean="0"/>
-              <a:t>）</a:t>
-            </a:r>
-            <a:endParaRPr lang="en-US" altLang="ja-JP" dirty="0" smtClean="0"/>
+              <a:rPr lang="ja-JP" altLang="en-US" sz="2000" dirty="0" smtClean="0"/>
+              <a:t>呉屋</a:t>
+            </a:r>
+            <a:r>
+              <a:rPr lang="en-US" altLang="ja-JP" sz="2000" dirty="0" smtClean="0"/>
+              <a:t>, </a:t>
+            </a:r>
+            <a:r>
+              <a:rPr lang="ja-JP" altLang="en-US" sz="2000" dirty="0" smtClean="0"/>
+              <a:t>久米</a:t>
+            </a:r>
+            <a:r>
+              <a:rPr lang="en-US" altLang="ja-JP" sz="2000" dirty="0" smtClean="0"/>
+              <a:t>, </a:t>
+            </a:r>
+            <a:r>
+              <a:rPr lang="ja-JP" altLang="en-US" sz="2000" dirty="0" smtClean="0"/>
+              <a:t>本間</a:t>
+            </a:r>
+            <a:r>
+              <a:rPr lang="en-US" altLang="ja-JP" sz="2000" dirty="0" smtClean="0"/>
+              <a:t>, </a:t>
+            </a:r>
+            <a:r>
+              <a:rPr lang="ja-JP" altLang="en-US" sz="2000" dirty="0" smtClean="0"/>
+              <a:t>横田</a:t>
+            </a:r>
+            <a:endParaRPr lang="en-US" altLang="ja-JP" sz="2000" dirty="0" smtClean="0"/>
+          </a:p>
+          <a:p>
+            <a:pPr lvl="2"/>
+            <a:endParaRPr lang="en-US" altLang="ja-JP" sz="2000" dirty="0"/>
           </a:p>
         </p:txBody>
       </p:sp>
     </p:spTree>
     <p:extLst>
       <p:ext uri="{BB962C8B-B14F-4D97-AF65-F5344CB8AC3E}">
-        <p14:creationId xmlns:p14="http://schemas.microsoft.com/office/powerpoint/2010/main" val="390100218"/>
+        <p14:creationId xmlns:p14="http://schemas.microsoft.com/office/powerpoint/2010/main" val="1941152194"/>
       </p:ext>
     </p:extLst>
   </p:cSld>
@@ -4696,7 +5598,7 @@
 </file>
 
 <file path=ppt/slides/slide5.xml><?xml version="1.0" encoding="utf-8"?>
-<p:sld xmlns:a="http://schemas.openxmlformats.org/drawingml/2006/main" xmlns:r="http://schemas.openxmlformats.org/officeDocument/2006/relationships" xmlns:p="http://schemas.openxmlformats.org/presentationml/2006/main">
+<p:sld xmlns:a="http://schemas.openxmlformats.org/drawingml/2006/main" xmlns:r="http://schemas.openxmlformats.org/officeDocument/2006/relationships" xmlns:p="http://schemas.openxmlformats.org/presentationml/2006/main" show="0">
   <p:cSld>
     <p:spTree>
       <p:nvGrpSpPr>
@@ -4714,7 +5616,7 @@
       </p:grpSpPr>
       <p:sp>
         <p:nvSpPr>
-          <p:cNvPr id="4" name="タイトル 3"/>
+          <p:cNvPr id="2" name="タイトル 1"/>
           <p:cNvSpPr>
             <a:spLocks noGrp="1"/>
           </p:cNvSpPr>
@@ -4729,7 +5631,7 @@
           <a:p>
             <a:r>
               <a:rPr kumimoji="1" lang="ja-JP" altLang="en-US" dirty="0" smtClean="0"/>
-              <a:t>研修の進め方</a:t>
+              <a:t>設計書と調査資料</a:t>
             </a:r>
             <a:endParaRPr kumimoji="1" lang="ja-JP" altLang="en-US" dirty="0"/>
           </a:p>
@@ -4737,7 +5639,7 @@
       </p:sp>
       <p:sp>
         <p:nvSpPr>
-          <p:cNvPr id="2" name="コンテンツ プレースホルダー 1"/>
+          <p:cNvPr id="3" name="コンテンツ プレースホルダー 2"/>
           <p:cNvSpPr>
             <a:spLocks noGrp="1"/>
           </p:cNvSpPr>
@@ -4745,11 +5647,7 @@
             <p:ph idx="1"/>
           </p:nvPr>
         </p:nvSpPr>
-        <p:spPr>
-          <a:prstGeom prst="rect">
-            <a:avLst/>
-          </a:prstGeom>
-        </p:spPr>
+        <p:spPr/>
         <p:txBody>
           <a:bodyPr>
             <a:normAutofit/>
@@ -4757,212 +5655,101 @@
           <a:lstStyle/>
           <a:p>
             <a:r>
-              <a:rPr lang="ja-JP" altLang="en-US" sz="2400" dirty="0" smtClean="0"/>
-              <a:t>２段階研修（基礎</a:t>
-            </a:r>
-            <a:r>
-              <a:rPr lang="en-US" altLang="ja-JP" sz="2400" dirty="0" smtClean="0"/>
-              <a:t>/</a:t>
-            </a:r>
-            <a:r>
-              <a:rPr lang="ja-JP" altLang="en-US" sz="2400" dirty="0" smtClean="0"/>
-              <a:t>応用）</a:t>
-            </a:r>
-            <a:endParaRPr lang="en-US" altLang="ja-JP" sz="2400" dirty="0" smtClean="0"/>
+              <a:rPr kumimoji="1" lang="ja-JP" altLang="en-US" dirty="0" smtClean="0"/>
+              <a:t>設計書</a:t>
+            </a:r>
+            <a:endParaRPr kumimoji="1" lang="en-US" altLang="ja-JP" dirty="0" smtClean="0"/>
           </a:p>
           <a:p>
             <a:pPr lvl="1"/>
             <a:r>
-              <a:rPr lang="ja-JP" altLang="en-US" sz="2000" dirty="0" smtClean="0"/>
-              <a:t>基礎研修：基本となる</a:t>
-            </a:r>
-            <a:r>
-              <a:rPr lang="en-US" altLang="ja-JP" sz="2000" dirty="0" smtClean="0"/>
-              <a:t>Editor/Viewer</a:t>
-            </a:r>
-            <a:r>
-              <a:rPr lang="ja-JP" altLang="en-US" sz="2000" dirty="0" smtClean="0"/>
-              <a:t>作成</a:t>
-            </a:r>
-            <a:endParaRPr lang="en-US" altLang="ja-JP" sz="2000" dirty="0" smtClean="0"/>
+              <a:rPr lang="ja-JP" altLang="en-US" dirty="0" smtClean="0"/>
+              <a:t>基本設計</a:t>
+            </a:r>
+            <a:endParaRPr lang="en-US" altLang="ja-JP" dirty="0" smtClean="0"/>
           </a:p>
           <a:p>
             <a:pPr lvl="1"/>
             <a:r>
-              <a:rPr lang="ja-JP" altLang="en-US" sz="2000" dirty="0" smtClean="0"/>
-              <a:t>応用研修：各個人にテーマを与え、基本</a:t>
-            </a:r>
-            <a:r>
-              <a:rPr lang="en-US" altLang="ja-JP" sz="2000" dirty="0"/>
-              <a:t>Editor/Viewer</a:t>
-            </a:r>
-            <a:r>
-              <a:rPr lang="ja-JP" altLang="en-US" sz="2000" dirty="0" smtClean="0"/>
-              <a:t>改良</a:t>
-            </a:r>
-            <a:endParaRPr lang="en-US" altLang="ja-JP" sz="2000" dirty="0" smtClean="0"/>
-          </a:p>
-          <a:p>
-            <a:endParaRPr lang="en-US" altLang="ja-JP" sz="2400" dirty="0" smtClean="0"/>
-          </a:p>
-          <a:p>
-            <a:r>
-              <a:rPr lang="ja-JP" altLang="en-US" sz="2400" dirty="0" smtClean="0"/>
-              <a:t>各成果物</a:t>
-            </a:r>
-            <a:r>
-              <a:rPr lang="ja-JP" altLang="en-US" sz="2400" dirty="0"/>
-              <a:t>に</a:t>
-            </a:r>
-            <a:r>
-              <a:rPr lang="ja-JP" altLang="en-US" sz="2400" dirty="0" smtClean="0"/>
-              <a:t>対し、レビューを行う</a:t>
-            </a:r>
-            <a:endParaRPr lang="en-US" altLang="ja-JP" sz="2400" dirty="0" smtClean="0"/>
+              <a:rPr lang="ja-JP" altLang="en-US" dirty="0"/>
+              <a:t>外部</a:t>
+            </a:r>
+            <a:r>
+              <a:rPr lang="ja-JP" altLang="en-US" dirty="0" smtClean="0"/>
+              <a:t>設計</a:t>
+            </a:r>
+            <a:endParaRPr lang="en-US" altLang="ja-JP" dirty="0" smtClean="0"/>
           </a:p>
           <a:p>
             <a:pPr lvl="1"/>
             <a:r>
-              <a:rPr lang="ja-JP" altLang="en-US" sz="2000" dirty="0" smtClean="0"/>
-              <a:t>要件定義書</a:t>
-            </a:r>
-            <a:endParaRPr lang="en-US" altLang="ja-JP" sz="2000" dirty="0" smtClean="0"/>
+              <a:rPr lang="ja-JP" altLang="en-US" dirty="0" smtClean="0"/>
+              <a:t>（処理設計）</a:t>
+            </a:r>
+            <a:endParaRPr lang="en-US" altLang="ja-JP" dirty="0" smtClean="0"/>
+          </a:p>
+          <a:p>
+            <a:endParaRPr lang="en-US" altLang="ja-JP" dirty="0" smtClean="0"/>
+          </a:p>
+          <a:p>
+            <a:r>
+              <a:rPr lang="ja-JP" altLang="en-US" dirty="0" smtClean="0"/>
+              <a:t>調査資料</a:t>
+            </a:r>
+            <a:endParaRPr lang="en-US" altLang="ja-JP" dirty="0" smtClean="0"/>
           </a:p>
           <a:p>
             <a:pPr lvl="1"/>
             <a:r>
-              <a:rPr lang="ja-JP" altLang="en-US" sz="2000" dirty="0" smtClean="0"/>
-              <a:t>設計書</a:t>
-            </a:r>
-            <a:endParaRPr lang="en-US" altLang="ja-JP" sz="2000" dirty="0" smtClean="0"/>
+              <a:rPr lang="en-US" altLang="ja-JP" dirty="0" smtClean="0"/>
+              <a:t>Sirius</a:t>
+            </a:r>
+            <a:r>
+              <a:rPr lang="ja-JP" altLang="en-US" dirty="0" smtClean="0"/>
+              <a:t>の操作手順</a:t>
+            </a:r>
+            <a:endParaRPr lang="en-US" altLang="ja-JP" dirty="0" smtClean="0"/>
           </a:p>
           <a:p>
             <a:pPr lvl="1"/>
             <a:r>
-              <a:rPr lang="ja-JP" altLang="en-US" sz="2000" dirty="0" smtClean="0"/>
-              <a:t>コード</a:t>
-            </a:r>
-            <a:endParaRPr lang="en-US" altLang="ja-JP" sz="2000" dirty="0" smtClean="0"/>
+              <a:rPr kumimoji="1" lang="en-US" altLang="ja-JP" dirty="0" smtClean="0"/>
+              <a:t>Sirius</a:t>
+            </a:r>
+            <a:r>
+              <a:rPr kumimoji="1" lang="ja-JP" altLang="en-US" dirty="0" smtClean="0"/>
+              <a:t>で用意されていないノードの形を使う場合のコーディング</a:t>
+            </a:r>
+            <a:endParaRPr kumimoji="1" lang="en-US" altLang="ja-JP" dirty="0" smtClean="0"/>
           </a:p>
           <a:p>
             <a:pPr lvl="1"/>
             <a:r>
-              <a:rPr lang="ja-JP" altLang="en-US" sz="2000" dirty="0" smtClean="0"/>
-              <a:t>テスト（テストケース、実施結果）</a:t>
-            </a:r>
-            <a:endParaRPr lang="en-US" altLang="ja-JP" sz="2000" dirty="0" smtClean="0"/>
-          </a:p>
-          <a:p>
-            <a:pPr lvl="1"/>
-            <a:r>
-              <a:rPr lang="ja-JP" altLang="en-US" sz="2000" dirty="0" smtClean="0"/>
-              <a:t>発表資料</a:t>
-            </a:r>
-            <a:endParaRPr lang="en-US" altLang="ja-JP" sz="2000" dirty="0" smtClean="0"/>
-          </a:p>
-          <a:p>
-            <a:pPr lvl="1"/>
-            <a:endParaRPr lang="en-US" altLang="ja-JP" sz="2000" dirty="0" smtClean="0"/>
-          </a:p>
-          <a:p>
-            <a:r>
-              <a:rPr lang="en-US" altLang="ja-JP" sz="2400" dirty="0"/>
-              <a:t>1</a:t>
-            </a:r>
-            <a:r>
-              <a:rPr lang="ja-JP" altLang="en-US" sz="2400" dirty="0"/>
-              <a:t>日の</a:t>
-            </a:r>
-            <a:r>
-              <a:rPr lang="ja-JP" altLang="en-US" sz="2400" dirty="0" smtClean="0"/>
-              <a:t>スケジュール</a:t>
-            </a:r>
-            <a:r>
-              <a:rPr lang="ja-JP" altLang="en-US" sz="2400" dirty="0"/>
-              <a:t>（</a:t>
-            </a:r>
-            <a:r>
-              <a:rPr lang="en-US" altLang="ja-JP" sz="2000" dirty="0" smtClean="0"/>
-              <a:t>10:00</a:t>
-            </a:r>
-            <a:r>
-              <a:rPr lang="ja-JP" altLang="en-US" sz="2000" dirty="0" smtClean="0"/>
-              <a:t>～</a:t>
-            </a:r>
-            <a:r>
-              <a:rPr lang="en-US" altLang="ja-JP" sz="2000" dirty="0" smtClean="0"/>
-              <a:t>19:00</a:t>
-            </a:r>
-            <a:r>
-              <a:rPr lang="ja-JP" altLang="en-US" sz="2000" dirty="0" smtClean="0"/>
-              <a:t>）</a:t>
-            </a:r>
-            <a:endParaRPr lang="en-US" altLang="ja-JP" sz="1600" dirty="0"/>
-          </a:p>
-          <a:p>
-            <a:pPr lvl="1"/>
-            <a:r>
-              <a:rPr lang="en-US" altLang="ja-JP" sz="2000" dirty="0"/>
-              <a:t>18:00</a:t>
-            </a:r>
-            <a:r>
-              <a:rPr lang="ja-JP" altLang="en-US" sz="2000" dirty="0"/>
-              <a:t>～</a:t>
-            </a:r>
-            <a:r>
-              <a:rPr lang="en-US" altLang="ja-JP" sz="2000" dirty="0"/>
-              <a:t>18:30 </a:t>
-            </a:r>
-            <a:r>
-              <a:rPr lang="ja-JP" altLang="en-US" sz="2000" dirty="0"/>
-              <a:t>夕会</a:t>
-            </a:r>
-            <a:endParaRPr lang="en-US" altLang="ja-JP" sz="2000" dirty="0"/>
-          </a:p>
-          <a:p>
-            <a:pPr lvl="2"/>
-            <a:r>
-              <a:rPr lang="en-US" altLang="ja-JP" sz="1600" dirty="0" smtClean="0"/>
-              <a:t>1</a:t>
-            </a:r>
-            <a:r>
-              <a:rPr lang="ja-JP" altLang="en-US" sz="1600" dirty="0"/>
-              <a:t>日の成果</a:t>
-            </a:r>
-            <a:r>
-              <a:rPr lang="ja-JP" altLang="en-US" sz="1600" dirty="0" smtClean="0"/>
-              <a:t>報告、困ったことがないか、等</a:t>
-            </a:r>
-            <a:endParaRPr lang="en-US" altLang="ja-JP" sz="1600" dirty="0"/>
-          </a:p>
-          <a:p>
-            <a:pPr lvl="1"/>
-            <a:r>
-              <a:rPr lang="en-US" altLang="ja-JP" sz="2000" dirty="0"/>
-              <a:t>18:30</a:t>
-            </a:r>
-            <a:r>
-              <a:rPr lang="ja-JP" altLang="en-US" sz="2000" dirty="0" smtClean="0"/>
-              <a:t>～ 日報</a:t>
-            </a:r>
-            <a:r>
-              <a:rPr lang="ja-JP" altLang="en-US" sz="2000" dirty="0"/>
-              <a:t>作成　</a:t>
-            </a:r>
-            <a:endParaRPr lang="en-US" altLang="ja-JP" sz="2000" dirty="0"/>
+              <a:rPr kumimoji="1" lang="ja-JP" altLang="en-US" dirty="0" smtClean="0"/>
+              <a:t>（チュートリアル日本語化）</a:t>
+            </a:r>
+            <a:endParaRPr kumimoji="1" lang="ja-JP" altLang="en-US" dirty="0"/>
           </a:p>
         </p:txBody>
       </p:sp>
     </p:spTree>
     <p:extLst>
       <p:ext uri="{BB962C8B-B14F-4D97-AF65-F5344CB8AC3E}">
-        <p14:creationId xmlns:p14="http://schemas.microsoft.com/office/powerpoint/2010/main" val="3197206624"/>
+        <p14:creationId xmlns:p14="http://schemas.microsoft.com/office/powerpoint/2010/main" val="811096700"/>
       </p:ext>
     </p:extLst>
   </p:cSld>
   <p:clrMapOvr>
     <a:masterClrMapping/>
   </p:clrMapOvr>
+  <mc:AlternateContent xmlns:mc="http://schemas.openxmlformats.org/markup-compatibility/2006">
+    <mc:Choice xmlns:p14="http://schemas.microsoft.com/office/powerpoint/2010/main" Requires="p14">
+      <p:transition spd="slow" p14:dur="2000"/>
+    </mc:Choice>
+    <mc:Fallback>
+      <p:transition spd="slow"/>
+    </mc:Fallback>
+  </mc:AlternateContent>
   <p:timing>
     <p:tnLst>
       <p:par>
@@ -4992,6 +5779,718 @@
       </p:grpSpPr>
       <p:sp>
         <p:nvSpPr>
+          <p:cNvPr id="2" name="タイトル 1"/>
+          <p:cNvSpPr>
+            <a:spLocks noGrp="1"/>
+          </p:cNvSpPr>
+          <p:nvPr>
+            <p:ph type="title"/>
+          </p:nvPr>
+        </p:nvSpPr>
+        <p:spPr/>
+        <p:txBody>
+          <a:bodyPr/>
+          <a:lstStyle/>
+          <a:p>
+            <a:r>
+              <a:rPr lang="ja-JP" altLang="en-US" dirty="0"/>
+              <a:t>研修の進め方</a:t>
+            </a:r>
+            <a:r>
+              <a:rPr lang="ja-JP" altLang="en-US" sz="2800" dirty="0" smtClean="0"/>
+              <a:t>（</a:t>
+            </a:r>
+            <a:r>
+              <a:rPr lang="en-US" altLang="ja-JP" sz="2800" dirty="0" smtClean="0"/>
+              <a:t>JavaFX</a:t>
+            </a:r>
+            <a:r>
+              <a:rPr lang="ja-JP" altLang="en-US" sz="2800" dirty="0" smtClean="0"/>
+              <a:t>チーム：本間さん</a:t>
+            </a:r>
+            <a:r>
+              <a:rPr lang="en-US" altLang="ja-JP" sz="2800" dirty="0" smtClean="0"/>
+              <a:t>,</a:t>
+            </a:r>
+            <a:r>
+              <a:rPr lang="ja-JP" altLang="en-US" sz="2800" dirty="0" smtClean="0"/>
+              <a:t>横田さん）</a:t>
+            </a:r>
+            <a:endParaRPr kumimoji="1" lang="ja-JP" altLang="en-US" dirty="0"/>
+          </a:p>
+        </p:txBody>
+      </p:sp>
+      <p:sp>
+        <p:nvSpPr>
+          <p:cNvPr id="3" name="コンテンツ プレースホルダー 2"/>
+          <p:cNvSpPr>
+            <a:spLocks noGrp="1"/>
+          </p:cNvSpPr>
+          <p:nvPr>
+            <p:ph idx="1"/>
+          </p:nvPr>
+        </p:nvSpPr>
+        <p:spPr/>
+        <p:txBody>
+          <a:bodyPr>
+            <a:normAutofit fontScale="70000" lnSpcReduction="20000"/>
+          </a:bodyPr>
+          <a:lstStyle/>
+          <a:p>
+            <a:r>
+              <a:rPr lang="en-US" altLang="ja-JP" dirty="0" smtClean="0"/>
+              <a:t>JavaFX</a:t>
+            </a:r>
+            <a:r>
+              <a:rPr kumimoji="1" lang="ja-JP" altLang="en-US" dirty="0" smtClean="0"/>
+              <a:t>調査と導入</a:t>
+            </a:r>
+            <a:endParaRPr kumimoji="1" lang="en-US" altLang="ja-JP" dirty="0" smtClean="0"/>
+          </a:p>
+          <a:p>
+            <a:endParaRPr lang="en-US" altLang="ja-JP" dirty="0"/>
+          </a:p>
+          <a:p>
+            <a:r>
+              <a:rPr lang="ja-JP" altLang="en-US" dirty="0" smtClean="0"/>
+              <a:t>要件の確認</a:t>
+            </a:r>
+            <a:r>
+              <a:rPr lang="ja-JP" altLang="en-US" dirty="0"/>
+              <a:t>　</a:t>
+            </a:r>
+            <a:r>
+              <a:rPr lang="ja-JP" altLang="en-US" dirty="0" smtClean="0"/>
+              <a:t>　→ 資料を読む</a:t>
+            </a:r>
+            <a:endParaRPr lang="en-US" altLang="ja-JP" dirty="0" smtClean="0"/>
+          </a:p>
+          <a:p>
+            <a:pPr lvl="1"/>
+            <a:r>
+              <a:rPr kumimoji="1" lang="ja-JP" altLang="en-US" dirty="0" smtClean="0"/>
+              <a:t>入力値の形式</a:t>
+            </a:r>
+            <a:endParaRPr kumimoji="1" lang="en-US" altLang="ja-JP" dirty="0" smtClean="0"/>
+          </a:p>
+          <a:p>
+            <a:pPr lvl="1"/>
+            <a:r>
+              <a:rPr lang="ja-JP" altLang="en-US" dirty="0" smtClean="0"/>
+              <a:t>ユーザの操作手順</a:t>
+            </a:r>
+            <a:endParaRPr kumimoji="1" lang="en-US" altLang="ja-JP" dirty="0" smtClean="0"/>
+          </a:p>
+          <a:p>
+            <a:pPr lvl="1"/>
+            <a:r>
+              <a:rPr lang="en-US" altLang="ja-JP" dirty="0"/>
+              <a:t> </a:t>
+            </a:r>
+            <a:r>
+              <a:rPr lang="en-US" altLang="ja-JP" dirty="0" smtClean="0"/>
+              <a:t>Viewer</a:t>
+            </a:r>
+            <a:r>
+              <a:rPr lang="ja-JP" altLang="en-US" dirty="0" smtClean="0"/>
+              <a:t>イメージ</a:t>
+            </a:r>
+            <a:endParaRPr kumimoji="1" lang="en-US" altLang="ja-JP" dirty="0" smtClean="0"/>
+          </a:p>
+          <a:p>
+            <a:endParaRPr kumimoji="1" lang="en-US" altLang="ja-JP" dirty="0" smtClean="0"/>
+          </a:p>
+          <a:p>
+            <a:r>
+              <a:rPr kumimoji="1" lang="ja-JP" altLang="en-US" dirty="0" smtClean="0"/>
+              <a:t>実装</a:t>
+            </a:r>
+            <a:r>
+              <a:rPr lang="ja-JP" altLang="en-US" dirty="0"/>
+              <a:t>（</a:t>
+            </a:r>
+            <a:r>
+              <a:rPr kumimoji="1" lang="en-US" altLang="ja-JP" dirty="0" smtClean="0"/>
+              <a:t>Viewer</a:t>
+            </a:r>
+            <a:r>
+              <a:rPr kumimoji="1" lang="ja-JP" altLang="en-US" dirty="0" smtClean="0"/>
+              <a:t>作成</a:t>
+            </a:r>
+            <a:r>
+              <a:rPr lang="ja-JP" altLang="en-US" dirty="0"/>
+              <a:t>）</a:t>
+            </a:r>
+            <a:endParaRPr lang="en-US" altLang="ja-JP" dirty="0" smtClean="0"/>
+          </a:p>
+          <a:p>
+            <a:pPr lvl="1"/>
+            <a:r>
+              <a:rPr lang="en-US" altLang="ja-JP" dirty="0"/>
+              <a:t>Importer</a:t>
+            </a:r>
+            <a:r>
+              <a:rPr lang="ja-JP" altLang="en-US" dirty="0" smtClean="0"/>
+              <a:t>側、</a:t>
+            </a:r>
+            <a:r>
+              <a:rPr lang="en-US" altLang="ja-JP" dirty="0" smtClean="0"/>
+              <a:t>Viewer</a:t>
+            </a:r>
+            <a:r>
+              <a:rPr lang="ja-JP" altLang="en-US" dirty="0" smtClean="0"/>
+              <a:t>側で分担</a:t>
+            </a:r>
+            <a:endParaRPr lang="en-US" altLang="ja-JP" dirty="0" smtClean="0"/>
+          </a:p>
+          <a:p>
+            <a:pPr lvl="1"/>
+            <a:endParaRPr lang="en-US" altLang="ja-JP" dirty="0" smtClean="0"/>
+          </a:p>
+          <a:p>
+            <a:r>
+              <a:rPr lang="ja-JP" altLang="en-US" dirty="0" smtClean="0"/>
+              <a:t>テスト</a:t>
+            </a:r>
+            <a:endParaRPr lang="en-US" altLang="ja-JP" dirty="0" smtClean="0"/>
+          </a:p>
+          <a:p>
+            <a:pPr lvl="1"/>
+            <a:r>
+              <a:rPr lang="ja-JP" altLang="en-US" dirty="0" smtClean="0"/>
+              <a:t>観点洗い出し</a:t>
+            </a:r>
+            <a:endParaRPr lang="en-US" altLang="ja-JP" dirty="0" smtClean="0"/>
+          </a:p>
+          <a:p>
+            <a:pPr lvl="1"/>
+            <a:r>
+              <a:rPr lang="ja-JP" altLang="en-US" dirty="0" smtClean="0"/>
+              <a:t>ケース作成</a:t>
+            </a:r>
+            <a:endParaRPr lang="en-US" altLang="ja-JP" dirty="0" smtClean="0"/>
+          </a:p>
+          <a:p>
+            <a:pPr lvl="1"/>
+            <a:r>
+              <a:rPr lang="ja-JP" altLang="en-US" dirty="0" smtClean="0"/>
+              <a:t>実施</a:t>
+            </a:r>
+            <a:endParaRPr lang="en-US" altLang="ja-JP" dirty="0" smtClean="0"/>
+          </a:p>
+          <a:p>
+            <a:endParaRPr lang="en-US" altLang="ja-JP" dirty="0" smtClean="0"/>
+          </a:p>
+          <a:p>
+            <a:endParaRPr lang="en-US" altLang="ja-JP" dirty="0" smtClean="0"/>
+          </a:p>
+          <a:p>
+            <a:endParaRPr lang="en-US" altLang="ja-JP" dirty="0" smtClean="0"/>
+          </a:p>
+          <a:p>
+            <a:r>
+              <a:rPr lang="ja-JP" altLang="en-US" dirty="0" smtClean="0"/>
+              <a:t>成果物レビュー</a:t>
+            </a:r>
+            <a:endParaRPr lang="en-US" altLang="ja-JP" dirty="0" smtClean="0"/>
+          </a:p>
+        </p:txBody>
+      </p:sp>
+      <p:sp>
+        <p:nvSpPr>
+          <p:cNvPr id="4" name="下矢印 3"/>
+          <p:cNvSpPr/>
+          <p:nvPr/>
+        </p:nvSpPr>
+        <p:spPr>
+          <a:xfrm>
+            <a:off x="7118474" y="1407303"/>
+            <a:ext cx="484632" cy="509529"/>
+          </a:xfrm>
+          <a:prstGeom prst="downArrow">
+            <a:avLst/>
+          </a:prstGeom>
+        </p:spPr>
+        <p:style>
+          <a:lnRef idx="2">
+            <a:schemeClr val="accent1">
+              <a:shade val="50000"/>
+            </a:schemeClr>
+          </a:lnRef>
+          <a:fillRef idx="1">
+            <a:schemeClr val="accent1"/>
+          </a:fillRef>
+          <a:effectRef idx="0">
+            <a:schemeClr val="accent1"/>
+          </a:effectRef>
+          <a:fontRef idx="minor">
+            <a:schemeClr val="lt1"/>
+          </a:fontRef>
+        </p:style>
+        <p:txBody>
+          <a:bodyPr rtlCol="0" anchor="ctr"/>
+          <a:lstStyle/>
+          <a:p>
+            <a:pPr algn="ctr"/>
+            <a:endParaRPr kumimoji="1" lang="ja-JP" altLang="en-US"/>
+          </a:p>
+        </p:txBody>
+      </p:sp>
+      <p:sp>
+        <p:nvSpPr>
+          <p:cNvPr id="5" name="下矢印 4"/>
+          <p:cNvSpPr/>
+          <p:nvPr/>
+        </p:nvSpPr>
+        <p:spPr>
+          <a:xfrm>
+            <a:off x="7118474" y="2356567"/>
+            <a:ext cx="484632" cy="928417"/>
+          </a:xfrm>
+          <a:prstGeom prst="downArrow">
+            <a:avLst/>
+          </a:prstGeom>
+        </p:spPr>
+        <p:style>
+          <a:lnRef idx="2">
+            <a:schemeClr val="accent1">
+              <a:shade val="50000"/>
+            </a:schemeClr>
+          </a:lnRef>
+          <a:fillRef idx="1">
+            <a:schemeClr val="accent1"/>
+          </a:fillRef>
+          <a:effectRef idx="0">
+            <a:schemeClr val="accent1"/>
+          </a:effectRef>
+          <a:fontRef idx="minor">
+            <a:schemeClr val="lt1"/>
+          </a:fontRef>
+        </p:style>
+        <p:txBody>
+          <a:bodyPr rtlCol="0" anchor="ctr"/>
+          <a:lstStyle/>
+          <a:p>
+            <a:pPr algn="ctr"/>
+            <a:endParaRPr kumimoji="1" lang="ja-JP" altLang="en-US"/>
+          </a:p>
+        </p:txBody>
+      </p:sp>
+      <p:sp>
+        <p:nvSpPr>
+          <p:cNvPr id="7" name="下矢印 6"/>
+          <p:cNvSpPr/>
+          <p:nvPr/>
+        </p:nvSpPr>
+        <p:spPr>
+          <a:xfrm>
+            <a:off x="7118474" y="5949280"/>
+            <a:ext cx="484632" cy="293504"/>
+          </a:xfrm>
+          <a:prstGeom prst="downArrow">
+            <a:avLst/>
+          </a:prstGeom>
+        </p:spPr>
+        <p:style>
+          <a:lnRef idx="2">
+            <a:schemeClr val="accent1">
+              <a:shade val="50000"/>
+            </a:schemeClr>
+          </a:lnRef>
+          <a:fillRef idx="1">
+            <a:schemeClr val="accent1"/>
+          </a:fillRef>
+          <a:effectRef idx="0">
+            <a:schemeClr val="accent1"/>
+          </a:effectRef>
+          <a:fontRef idx="minor">
+            <a:schemeClr val="lt1"/>
+          </a:fontRef>
+        </p:style>
+        <p:txBody>
+          <a:bodyPr rtlCol="0" anchor="ctr"/>
+          <a:lstStyle/>
+          <a:p>
+            <a:pPr algn="ctr"/>
+            <a:endParaRPr kumimoji="1" lang="ja-JP" altLang="en-US"/>
+          </a:p>
+        </p:txBody>
+      </p:sp>
+      <p:sp>
+        <p:nvSpPr>
+          <p:cNvPr id="14" name="下矢印 13"/>
+          <p:cNvSpPr/>
+          <p:nvPr/>
+        </p:nvSpPr>
+        <p:spPr>
+          <a:xfrm>
+            <a:off x="7118474" y="3717032"/>
+            <a:ext cx="484632" cy="703478"/>
+          </a:xfrm>
+          <a:prstGeom prst="downArrow">
+            <a:avLst/>
+          </a:prstGeom>
+        </p:spPr>
+        <p:style>
+          <a:lnRef idx="2">
+            <a:schemeClr val="accent1">
+              <a:shade val="50000"/>
+            </a:schemeClr>
+          </a:lnRef>
+          <a:fillRef idx="1">
+            <a:schemeClr val="accent1"/>
+          </a:fillRef>
+          <a:effectRef idx="0">
+            <a:schemeClr val="accent1"/>
+          </a:effectRef>
+          <a:fontRef idx="minor">
+            <a:schemeClr val="lt1"/>
+          </a:fontRef>
+        </p:style>
+        <p:txBody>
+          <a:bodyPr rtlCol="0" anchor="ctr"/>
+          <a:lstStyle/>
+          <a:p>
+            <a:pPr algn="ctr"/>
+            <a:endParaRPr kumimoji="1" lang="ja-JP" altLang="en-US"/>
+          </a:p>
+        </p:txBody>
+      </p:sp>
+      <p:sp>
+        <p:nvSpPr>
+          <p:cNvPr id="15" name="下矢印 14"/>
+          <p:cNvSpPr/>
+          <p:nvPr/>
+        </p:nvSpPr>
+        <p:spPr>
+          <a:xfrm>
+            <a:off x="7118474" y="4894357"/>
+            <a:ext cx="484632" cy="293504"/>
+          </a:xfrm>
+          <a:prstGeom prst="downArrow">
+            <a:avLst/>
+          </a:prstGeom>
+        </p:spPr>
+        <p:style>
+          <a:lnRef idx="2">
+            <a:schemeClr val="accent1">
+              <a:shade val="50000"/>
+            </a:schemeClr>
+          </a:lnRef>
+          <a:fillRef idx="1">
+            <a:schemeClr val="accent1"/>
+          </a:fillRef>
+          <a:effectRef idx="0">
+            <a:schemeClr val="accent1"/>
+          </a:effectRef>
+          <a:fontRef idx="minor">
+            <a:schemeClr val="lt1"/>
+          </a:fontRef>
+        </p:style>
+        <p:txBody>
+          <a:bodyPr rtlCol="0" anchor="ctr"/>
+          <a:lstStyle/>
+          <a:p>
+            <a:pPr algn="ctr"/>
+            <a:endParaRPr kumimoji="1" lang="ja-JP" altLang="en-US"/>
+          </a:p>
+        </p:txBody>
+      </p:sp>
+      <p:sp>
+        <p:nvSpPr>
+          <p:cNvPr id="16" name="テキスト ボックス 15"/>
+          <p:cNvSpPr txBox="1"/>
+          <p:nvPr/>
+        </p:nvSpPr>
+        <p:spPr>
+          <a:xfrm>
+            <a:off x="7118474" y="5366682"/>
+            <a:ext cx="461665" cy="438582"/>
+          </a:xfrm>
+          <a:prstGeom prst="rect">
+            <a:avLst/>
+          </a:prstGeom>
+          <a:noFill/>
+        </p:spPr>
+        <p:txBody>
+          <a:bodyPr vert="eaVert" wrap="none" rtlCol="0">
+            <a:spAutoFit/>
+          </a:bodyPr>
+          <a:lstStyle/>
+          <a:p>
+            <a:r>
+              <a:rPr kumimoji="1" lang="ja-JP" altLang="en-US" dirty="0" smtClean="0"/>
+              <a:t>・・・</a:t>
+            </a:r>
+            <a:endParaRPr kumimoji="1" lang="ja-JP" altLang="en-US" dirty="0"/>
+          </a:p>
+        </p:txBody>
+      </p:sp>
+      <p:sp>
+        <p:nvSpPr>
+          <p:cNvPr id="9" name="正方形/長方形 8"/>
+          <p:cNvSpPr/>
+          <p:nvPr/>
+        </p:nvSpPr>
+        <p:spPr>
+          <a:xfrm>
+            <a:off x="6444208" y="3284984"/>
+            <a:ext cx="1833164" cy="426575"/>
+          </a:xfrm>
+          <a:prstGeom prst="rect">
+            <a:avLst/>
+          </a:prstGeom>
+        </p:spPr>
+        <p:style>
+          <a:lnRef idx="1">
+            <a:schemeClr val="accent5"/>
+          </a:lnRef>
+          <a:fillRef idx="2">
+            <a:schemeClr val="accent5"/>
+          </a:fillRef>
+          <a:effectRef idx="1">
+            <a:schemeClr val="accent5"/>
+          </a:effectRef>
+          <a:fontRef idx="minor">
+            <a:schemeClr val="dk1"/>
+          </a:fontRef>
+        </p:style>
+        <p:txBody>
+          <a:bodyPr rtlCol="0" anchor="ctr"/>
+          <a:lstStyle/>
+          <a:p>
+            <a:pPr algn="ctr"/>
+            <a:r>
+              <a:rPr lang="ja-JP" altLang="en-US" dirty="0"/>
+              <a:t>コード</a:t>
+            </a:r>
+            <a:r>
+              <a:rPr kumimoji="1" lang="ja-JP" altLang="en-US" dirty="0" smtClean="0"/>
+              <a:t>レビュー</a:t>
+            </a:r>
+            <a:endParaRPr kumimoji="1" lang="ja-JP" altLang="en-US" dirty="0"/>
+          </a:p>
+        </p:txBody>
+      </p:sp>
+      <p:sp>
+        <p:nvSpPr>
+          <p:cNvPr id="10" name="正方形/長方形 9"/>
+          <p:cNvSpPr/>
+          <p:nvPr/>
+        </p:nvSpPr>
+        <p:spPr>
+          <a:xfrm>
+            <a:off x="6444208" y="6242785"/>
+            <a:ext cx="1833164" cy="426575"/>
+          </a:xfrm>
+          <a:prstGeom prst="rect">
+            <a:avLst/>
+          </a:prstGeom>
+        </p:spPr>
+        <p:style>
+          <a:lnRef idx="1">
+            <a:schemeClr val="accent5"/>
+          </a:lnRef>
+          <a:fillRef idx="2">
+            <a:schemeClr val="accent5"/>
+          </a:fillRef>
+          <a:effectRef idx="1">
+            <a:schemeClr val="accent5"/>
+          </a:effectRef>
+          <a:fontRef idx="minor">
+            <a:schemeClr val="dk1"/>
+          </a:fontRef>
+        </p:style>
+        <p:txBody>
+          <a:bodyPr rtlCol="0" anchor="ctr"/>
+          <a:lstStyle/>
+          <a:p>
+            <a:pPr algn="ctr"/>
+            <a:r>
+              <a:rPr lang="ja-JP" altLang="en-US" dirty="0"/>
+              <a:t>成果物</a:t>
+            </a:r>
+            <a:r>
+              <a:rPr kumimoji="1" lang="ja-JP" altLang="en-US" dirty="0" smtClean="0"/>
+              <a:t>レビュー</a:t>
+            </a:r>
+            <a:endParaRPr kumimoji="1" lang="ja-JP" altLang="en-US" dirty="0"/>
+          </a:p>
+        </p:txBody>
+      </p:sp>
+      <p:sp>
+        <p:nvSpPr>
+          <p:cNvPr id="11" name="正方形/長方形 10"/>
+          <p:cNvSpPr/>
+          <p:nvPr/>
+        </p:nvSpPr>
+        <p:spPr>
+          <a:xfrm>
+            <a:off x="6444208" y="1916832"/>
+            <a:ext cx="1833164" cy="426575"/>
+          </a:xfrm>
+          <a:prstGeom prst="rect">
+            <a:avLst/>
+          </a:prstGeom>
+        </p:spPr>
+        <p:style>
+          <a:lnRef idx="1">
+            <a:schemeClr val="accent5"/>
+          </a:lnRef>
+          <a:fillRef idx="2">
+            <a:schemeClr val="accent5"/>
+          </a:fillRef>
+          <a:effectRef idx="1">
+            <a:schemeClr val="accent5"/>
+          </a:effectRef>
+          <a:fontRef idx="minor">
+            <a:schemeClr val="dk1"/>
+          </a:fontRef>
+        </p:style>
+        <p:txBody>
+          <a:bodyPr rtlCol="0" anchor="ctr"/>
+          <a:lstStyle/>
+          <a:p>
+            <a:pPr algn="ctr"/>
+            <a:r>
+              <a:rPr lang="ja-JP" altLang="en-US" dirty="0" smtClean="0"/>
+              <a:t>要件説明</a:t>
+            </a:r>
+            <a:endParaRPr kumimoji="1" lang="ja-JP" altLang="en-US" dirty="0"/>
+          </a:p>
+        </p:txBody>
+      </p:sp>
+      <p:sp>
+        <p:nvSpPr>
+          <p:cNvPr id="12" name="正方形/長方形 11"/>
+          <p:cNvSpPr/>
+          <p:nvPr/>
+        </p:nvSpPr>
+        <p:spPr>
+          <a:xfrm>
+            <a:off x="6444208" y="980728"/>
+            <a:ext cx="1833164" cy="426575"/>
+          </a:xfrm>
+          <a:prstGeom prst="rect">
+            <a:avLst/>
+          </a:prstGeom>
+        </p:spPr>
+        <p:style>
+          <a:lnRef idx="1">
+            <a:schemeClr val="accent5"/>
+          </a:lnRef>
+          <a:fillRef idx="2">
+            <a:schemeClr val="accent5"/>
+          </a:fillRef>
+          <a:effectRef idx="1">
+            <a:schemeClr val="accent5"/>
+          </a:effectRef>
+          <a:fontRef idx="minor">
+            <a:schemeClr val="dk1"/>
+          </a:fontRef>
+        </p:style>
+        <p:txBody>
+          <a:bodyPr rtlCol="0" anchor="ctr"/>
+          <a:lstStyle/>
+          <a:p>
+            <a:pPr algn="ctr"/>
+            <a:r>
+              <a:rPr lang="ja-JP" altLang="en-US" dirty="0"/>
+              <a:t>導入</a:t>
+            </a:r>
+            <a:r>
+              <a:rPr lang="ja-JP" altLang="en-US" dirty="0" smtClean="0"/>
+              <a:t>説明</a:t>
+            </a:r>
+            <a:endParaRPr kumimoji="1" lang="ja-JP" altLang="en-US" dirty="0"/>
+          </a:p>
+        </p:txBody>
+      </p:sp>
+      <p:sp>
+        <p:nvSpPr>
+          <p:cNvPr id="13" name="正方形/長方形 12"/>
+          <p:cNvSpPr/>
+          <p:nvPr/>
+        </p:nvSpPr>
+        <p:spPr>
+          <a:xfrm>
+            <a:off x="6444208" y="4437112"/>
+            <a:ext cx="1833164" cy="426575"/>
+          </a:xfrm>
+          <a:prstGeom prst="rect">
+            <a:avLst/>
+          </a:prstGeom>
+        </p:spPr>
+        <p:style>
+          <a:lnRef idx="1">
+            <a:schemeClr val="accent5"/>
+          </a:lnRef>
+          <a:fillRef idx="2">
+            <a:schemeClr val="accent5"/>
+          </a:fillRef>
+          <a:effectRef idx="1">
+            <a:schemeClr val="accent5"/>
+          </a:effectRef>
+          <a:fontRef idx="minor">
+            <a:schemeClr val="dk1"/>
+          </a:fontRef>
+        </p:style>
+        <p:txBody>
+          <a:bodyPr rtlCol="0" anchor="ctr"/>
+          <a:lstStyle/>
+          <a:p>
+            <a:pPr algn="ctr"/>
+            <a:r>
+              <a:rPr lang="ja-JP" altLang="en-US" dirty="0"/>
+              <a:t>テスト</a:t>
+            </a:r>
+            <a:r>
+              <a:rPr kumimoji="1" lang="ja-JP" altLang="en-US" dirty="0" smtClean="0"/>
+              <a:t>レビュー</a:t>
+            </a:r>
+            <a:endParaRPr kumimoji="1" lang="ja-JP" altLang="en-US" dirty="0"/>
+          </a:p>
+        </p:txBody>
+      </p:sp>
+    </p:spTree>
+    <p:extLst>
+      <p:ext uri="{BB962C8B-B14F-4D97-AF65-F5344CB8AC3E}">
+        <p14:creationId xmlns:p14="http://schemas.microsoft.com/office/powerpoint/2010/main" val="2676813404"/>
+      </p:ext>
+    </p:extLst>
+  </p:cSld>
+  <p:clrMapOvr>
+    <a:masterClrMapping/>
+  </p:clrMapOvr>
+  <p:timing>
+    <p:tnLst>
+      <p:par>
+        <p:cTn id="1" dur="indefinite" restart="never" nodeType="tmRoot"/>
+      </p:par>
+    </p:tnLst>
+  </p:timing>
+</p:sld>
+</file>
+
+<file path=ppt/slides/slide7.xml><?xml version="1.0" encoding="utf-8"?>
+<p:sld xmlns:a="http://schemas.openxmlformats.org/drawingml/2006/main" xmlns:r="http://schemas.openxmlformats.org/officeDocument/2006/relationships" xmlns:p="http://schemas.openxmlformats.org/presentationml/2006/main">
+  <p:cSld>
+    <p:spTree>
+      <p:nvGrpSpPr>
+        <p:cNvPr id="1" name=""/>
+        <p:cNvGrpSpPr/>
+        <p:nvPr/>
+      </p:nvGrpSpPr>
+      <p:grpSpPr>
+        <a:xfrm>
+          <a:off x="0" y="0"/>
+          <a:ext cx="0" cy="0"/>
+          <a:chOff x="0" y="0"/>
+          <a:chExt cx="0" cy="0"/>
+        </a:xfrm>
+      </p:grpSpPr>
+      <p:sp>
+        <p:nvSpPr>
           <p:cNvPr id="3" name="タイトル 2"/>
           <p:cNvSpPr>
             <a:spLocks noGrp="1"/>
@@ -5007,7 +6506,15 @@
           <a:p>
             <a:r>
               <a:rPr kumimoji="1" lang="ja-JP" altLang="en-US" dirty="0" smtClean="0"/>
-              <a:t>研修中の予定</a:t>
+              <a:t>研修中の予定（</a:t>
+            </a:r>
+            <a:r>
+              <a:rPr kumimoji="1" lang="en-US" altLang="ja-JP" dirty="0" smtClean="0"/>
+              <a:t>JavaFX</a:t>
+            </a:r>
+            <a:r>
+              <a:rPr kumimoji="1" lang="ja-JP" altLang="en-US" dirty="0" smtClean="0"/>
+              <a:t>）</a:t>
             </a:r>
             <a:endParaRPr kumimoji="1" lang="ja-JP" altLang="en-US" dirty="0"/>
           </a:p>
@@ -5020,16 +6527,12 @@
             <a:graphicFrameLocks noGrp="1"/>
           </p:cNvGraphicFramePr>
           <p:nvPr>
-            <p:extLst>
-              <p:ext uri="{D42A27DB-BD31-4B8C-83A1-F6EECF244321}">
-                <p14:modId xmlns:p14="http://schemas.microsoft.com/office/powerpoint/2010/main" val="2883252172"/>
-              </p:ext>
-            </p:extLst>
+            <p:extLst/>
           </p:nvPr>
         </p:nvGraphicFramePr>
         <p:xfrm>
           <a:off x="179511" y="908721"/>
-          <a:ext cx="8568955" cy="4824655"/>
+          <a:ext cx="8568955" cy="4768183"/>
         </p:xfrm>
         <a:graphic>
           <a:graphicData uri="http://schemas.openxmlformats.org/drawingml/2006/table">
@@ -5599,23 +7102,23 @@
                     <a:p>
                       <a:r>
                         <a:rPr kumimoji="1" lang="ja-JP" altLang="en-US" sz="1600" dirty="0" smtClean="0"/>
-                        <a:t>レビュー</a:t>
+                        <a:t>　・目的</a:t>
                       </a:r>
                       <a:endParaRPr kumimoji="1" lang="en-US" altLang="ja-JP" sz="1600" dirty="0" smtClean="0"/>
                     </a:p>
                     <a:p>
                       <a:r>
-                        <a:rPr kumimoji="1" lang="ja-JP" altLang="en-US" dirty="0" smtClean="0"/>
-                        <a:t>　・基本エディタ</a:t>
+                        <a:rPr kumimoji="1" lang="ja-JP" altLang="en-US" sz="1600" dirty="0" smtClean="0"/>
+                        <a:t>　・要件定義</a:t>
                       </a:r>
-                      <a:endParaRPr kumimoji="1" lang="en-US" altLang="ja-JP" dirty="0" smtClean="0"/>
-                    </a:p>
-                    <a:p>
                       <a:r>
-                        <a:rPr kumimoji="1" lang="ja-JP" altLang="en-US" dirty="0" smtClean="0"/>
-                        <a:t>　・要件定義書</a:t>
+                        <a:rPr kumimoji="1" lang="en-US" altLang="ja-JP" sz="1600" dirty="0" smtClean="0"/>
+                        <a:t/>
                       </a:r>
-                      <a:endParaRPr kumimoji="1" lang="en-US" altLang="ja-JP" dirty="0" smtClean="0"/>
+                      <a:br>
+                        <a:rPr kumimoji="1" lang="en-US" altLang="ja-JP" sz="1600" dirty="0" smtClean="0"/>
+                      </a:br>
+                      <a:endParaRPr kumimoji="1" lang="en-US" altLang="ja-JP" sz="1600" dirty="0" smtClean="0"/>
                     </a:p>
                   </a:txBody>
                   <a:tcPr>
@@ -5788,25 +7291,7 @@
                     <a:p>
                       <a:r>
                         <a:rPr kumimoji="1" lang="ja-JP" altLang="en-US" sz="1600" dirty="0" smtClean="0"/>
-                        <a:t>レビュー</a:t>
-                      </a:r>
-                      <a:endParaRPr kumimoji="1" lang="en-US" altLang="ja-JP" sz="1600" dirty="0" smtClean="0"/>
-                    </a:p>
-                    <a:p>
-                      <a:r>
-                        <a:rPr kumimoji="1" lang="ja-JP" altLang="en-US" sz="1600" dirty="0" smtClean="0"/>
-                        <a:t>　・設計書</a:t>
-                      </a:r>
-                      <a:r>
-                        <a:rPr kumimoji="1" lang="en-US" altLang="ja-JP" sz="1600" dirty="0" smtClean="0"/>
-                        <a:t/>
-                      </a:r>
-                      <a:br>
-                        <a:rPr kumimoji="1" lang="en-US" altLang="ja-JP" sz="1600" dirty="0" smtClean="0"/>
-                      </a:br>
-                      <a:r>
-                        <a:rPr kumimoji="1" lang="ja-JP" altLang="en-US" sz="1600" dirty="0" smtClean="0"/>
-                        <a:t>　・コード</a:t>
+                        <a:t>コードレビュー</a:t>
                       </a:r>
                       <a:endParaRPr kumimoji="1" lang="en-US" altLang="ja-JP" sz="1600" dirty="0" smtClean="0"/>
                     </a:p>
@@ -5989,7 +7474,7 @@
                       </a:pPr>
                       <a:r>
                         <a:rPr kumimoji="1" lang="ja-JP" altLang="en-US" sz="1600" dirty="0" smtClean="0"/>
-                        <a:t>レビュー</a:t>
+                        <a:t>コードレビュー</a:t>
                       </a:r>
                       <a:endParaRPr kumimoji="1" lang="en-US" altLang="ja-JP" sz="1600" dirty="0" smtClean="0"/>
                     </a:p>
@@ -6013,7 +7498,15 @@
                       </a:pPr>
                       <a:r>
                         <a:rPr kumimoji="1" lang="ja-JP" altLang="en-US" sz="1600" dirty="0" smtClean="0"/>
-                        <a:t>　・コード</a:t>
+                        <a:t>テストケース</a:t>
+                      </a:r>
+                      <a:r>
+                        <a:rPr kumimoji="1" lang="en-US" altLang="ja-JP" sz="1600" dirty="0" smtClean="0"/>
+                        <a:t>/</a:t>
+                      </a:r>
+                      <a:r>
+                        <a:rPr kumimoji="1" lang="ja-JP" altLang="en-US" sz="1600" dirty="0" smtClean="0"/>
+                        <a:t>証跡レビュー</a:t>
                       </a:r>
                       <a:endParaRPr kumimoji="1" lang="en-US" altLang="ja-JP" sz="1600" dirty="0" smtClean="0"/>
                     </a:p>
@@ -6037,36 +7530,8 @@
                       </a:pPr>
                       <a:r>
                         <a:rPr kumimoji="1" lang="ja-JP" altLang="en-US" sz="1600" dirty="0" smtClean="0"/>
-                        <a:t>　・テストケース</a:t>
+                        <a:t>発表練習</a:t>
                       </a:r>
-                      <a:r>
-                        <a:rPr kumimoji="1" lang="en-US" altLang="ja-JP" sz="1600" dirty="0" smtClean="0"/>
-                        <a:t>/</a:t>
-                      </a:r>
-                      <a:r>
-                        <a:rPr kumimoji="1" lang="ja-JP" altLang="en-US" sz="1600" dirty="0" smtClean="0"/>
-                        <a:t>証跡</a:t>
-                      </a:r>
-                      <a:endParaRPr kumimoji="1" lang="en-US" altLang="ja-JP" sz="1600" dirty="0" smtClean="0"/>
-                    </a:p>
-                    <a:p>
-                      <a:pPr marL="0" marR="0" indent="0" algn="l" defTabSz="914400" rtl="0" eaLnBrk="1" fontAlgn="auto" latinLnBrk="0" hangingPunct="1">
-                        <a:lnSpc>
-                          <a:spcPct val="100000"/>
-                        </a:lnSpc>
-                        <a:spcBef>
-                          <a:spcPts val="0"/>
-                        </a:spcBef>
-                        <a:spcAft>
-                          <a:spcPts val="0"/>
-                        </a:spcAft>
-                        <a:buClrTx/>
-                        <a:buSzTx/>
-                        <a:buFontTx/>
-                        <a:buNone/>
-                        <a:tabLst/>
-                        <a:defRPr/>
-                      </a:pPr>
                       <a:endParaRPr kumimoji="1" lang="ja-JP" altLang="en-US" sz="1600" dirty="0"/>
                     </a:p>
                   </a:txBody>
@@ -6630,8 +8095,8 @@
         </p:nvSpPr>
         <p:spPr>
           <a:xfrm>
-            <a:off x="1809772" y="1639235"/>
-            <a:ext cx="4465020" cy="709551"/>
+            <a:off x="1850936" y="1593565"/>
+            <a:ext cx="4393376" cy="364112"/>
           </a:xfrm>
           <a:prstGeom prst="leftRightArrow">
             <a:avLst>
@@ -6661,7 +8126,7 @@
             <a:pPr algn="ctr"/>
             <a:r>
               <a:rPr lang="ja-JP" altLang="en-US" sz="1400" dirty="0" smtClean="0"/>
-              <a:t>説明・調査・準備</a:t>
+              <a:t>調査</a:t>
             </a:r>
             <a:endParaRPr lang="en-US" altLang="ja-JP" sz="1400" dirty="0" smtClean="0"/>
           </a:p>
@@ -6669,14 +8134,14 @@
       </p:sp>
       <p:sp>
         <p:nvSpPr>
-          <p:cNvPr id="19" name="左右矢印 18"/>
+          <p:cNvPr id="20" name="左右矢印 19"/>
           <p:cNvSpPr/>
           <p:nvPr/>
         </p:nvSpPr>
         <p:spPr>
           <a:xfrm>
-            <a:off x="692354" y="2780928"/>
-            <a:ext cx="2223462" cy="364112"/>
+            <a:off x="725096" y="2811408"/>
+            <a:ext cx="5519216" cy="364112"/>
           </a:xfrm>
           <a:prstGeom prst="leftRightArrow">
             <a:avLst>
@@ -6710,7 +8175,7 @@
                   <a:schemeClr val="tx1"/>
                 </a:solidFill>
               </a:rPr>
-              <a:t>設計</a:t>
+              <a:t>実装</a:t>
             </a:r>
             <a:endParaRPr kumimoji="1" lang="en-US" altLang="ja-JP" sz="1400" dirty="0" smtClean="0">
               <a:solidFill>
@@ -6722,14 +8187,14 @@
       </p:sp>
       <p:sp>
         <p:nvSpPr>
-          <p:cNvPr id="20" name="左右矢印 19"/>
+          <p:cNvPr id="21" name="左右矢印 20"/>
           <p:cNvSpPr/>
           <p:nvPr/>
         </p:nvSpPr>
         <p:spPr>
           <a:xfrm>
-            <a:off x="1853268" y="3140968"/>
-            <a:ext cx="4446924" cy="364112"/>
+            <a:off x="683568" y="3886448"/>
+            <a:ext cx="1106017" cy="364112"/>
           </a:xfrm>
           <a:prstGeom prst="leftRightArrow">
             <a:avLst>
@@ -6775,14 +8240,14 @@
       </p:sp>
       <p:sp>
         <p:nvSpPr>
-          <p:cNvPr id="21" name="左右矢印 20"/>
+          <p:cNvPr id="22" name="左右矢印 21"/>
           <p:cNvSpPr/>
           <p:nvPr/>
         </p:nvSpPr>
         <p:spPr>
           <a:xfrm>
-            <a:off x="755576" y="3886448"/>
-            <a:ext cx="2155315" cy="364112"/>
+            <a:off x="1835696" y="3856976"/>
+            <a:ext cx="2165149" cy="364112"/>
           </a:xfrm>
           <a:prstGeom prst="leftRightArrow">
             <a:avLst>
@@ -6816,123 +8281,9 @@
                   <a:schemeClr val="tx1"/>
                 </a:solidFill>
               </a:rPr>
-              <a:t>実装</a:t>
+              <a:t>テスト</a:t>
             </a:r>
             <a:endParaRPr kumimoji="1" lang="en-US" altLang="ja-JP" sz="1400" dirty="0" smtClean="0">
-              <a:solidFill>
-                <a:schemeClr val="tx1"/>
-              </a:solidFill>
-            </a:endParaRPr>
-          </a:p>
-        </p:txBody>
-      </p:sp>
-      <p:sp>
-        <p:nvSpPr>
-          <p:cNvPr id="22" name="左右矢印 21"/>
-          <p:cNvSpPr/>
-          <p:nvPr/>
-        </p:nvSpPr>
-        <p:spPr>
-          <a:xfrm>
-            <a:off x="1835695" y="4246488"/>
-            <a:ext cx="3237333" cy="364112"/>
-          </a:xfrm>
-          <a:prstGeom prst="leftRightArrow">
-            <a:avLst>
-              <a:gd name="adj1" fmla="val 70964"/>
-              <a:gd name="adj2" fmla="val 45962"/>
-            </a:avLst>
-          </a:prstGeom>
-        </p:spPr>
-        <p:style>
-          <a:lnRef idx="1">
-            <a:schemeClr val="accent6"/>
-          </a:lnRef>
-          <a:fillRef idx="2">
-            <a:schemeClr val="accent6"/>
-          </a:fillRef>
-          <a:effectRef idx="1">
-            <a:schemeClr val="accent6"/>
-          </a:effectRef>
-          <a:fontRef idx="minor">
-            <a:schemeClr val="dk1"/>
-          </a:fontRef>
-        </p:style>
-        <p:txBody>
-          <a:bodyPr rtlCol="0" anchor="ctr"/>
-          <a:lstStyle/>
-          <a:p>
-            <a:pPr algn="ctr"/>
-            <a:r>
-              <a:rPr lang="ja-JP" altLang="en-US" sz="1400" dirty="0">
-                <a:solidFill>
-                  <a:schemeClr val="tx1"/>
-                </a:solidFill>
-              </a:rPr>
-              <a:t>テスト</a:t>
-            </a:r>
-            <a:endParaRPr kumimoji="1" lang="en-US" altLang="ja-JP" sz="1400" dirty="0" smtClean="0">
-              <a:solidFill>
-                <a:schemeClr val="tx1"/>
-              </a:solidFill>
-            </a:endParaRPr>
-          </a:p>
-        </p:txBody>
-      </p:sp>
-      <p:sp>
-        <p:nvSpPr>
-          <p:cNvPr id="24" name="左右矢印 23"/>
-          <p:cNvSpPr/>
-          <p:nvPr/>
-        </p:nvSpPr>
-        <p:spPr>
-          <a:xfrm>
-            <a:off x="4120302" y="3886448"/>
-            <a:ext cx="2154490" cy="400523"/>
-          </a:xfrm>
-          <a:prstGeom prst="leftRightArrow">
-            <a:avLst>
-              <a:gd name="adj1" fmla="val 70964"/>
-              <a:gd name="adj2" fmla="val 36433"/>
-            </a:avLst>
-          </a:prstGeom>
-        </p:spPr>
-        <p:style>
-          <a:lnRef idx="1">
-            <a:schemeClr val="dk1"/>
-          </a:lnRef>
-          <a:fillRef idx="2">
-            <a:schemeClr val="dk1"/>
-          </a:fillRef>
-          <a:effectRef idx="1">
-            <a:schemeClr val="dk1"/>
-          </a:effectRef>
-          <a:fontRef idx="minor">
-            <a:schemeClr val="dk1"/>
-          </a:fontRef>
-        </p:style>
-        <p:txBody>
-          <a:bodyPr rtlCol="0" anchor="ctr"/>
-          <a:lstStyle/>
-          <a:p>
-            <a:pPr algn="ctr"/>
-            <a:r>
-              <a:rPr lang="ja-JP" altLang="en-US" sz="1400" dirty="0" smtClean="0">
-                <a:solidFill>
-                  <a:schemeClr val="tx1"/>
-                </a:solidFill>
-              </a:rPr>
-              <a:t>発表資料</a:t>
-            </a:r>
-            <a:r>
-              <a:rPr lang="ja-JP" altLang="en-US" sz="1400" dirty="0">
-                <a:solidFill>
-                  <a:schemeClr val="tx1"/>
-                </a:solidFill>
-              </a:rPr>
-              <a:t>作成</a:t>
-            </a:r>
-            <a:endParaRPr lang="en-US" altLang="ja-JP" sz="1400" dirty="0" smtClean="0">
               <a:solidFill>
                 <a:schemeClr val="tx1"/>
               </a:solidFill>
@@ -7055,10 +8406,928 @@
           </a:p>
         </p:txBody>
       </p:sp>
+      <p:sp>
+        <p:nvSpPr>
+          <p:cNvPr id="17" name="左右矢印 16"/>
+          <p:cNvSpPr/>
+          <p:nvPr/>
+        </p:nvSpPr>
+        <p:spPr>
+          <a:xfrm>
+            <a:off x="1835695" y="1996585"/>
+            <a:ext cx="2152660" cy="361054"/>
+          </a:xfrm>
+          <a:prstGeom prst="leftRightArrow">
+            <a:avLst>
+              <a:gd name="adj1" fmla="val 70964"/>
+              <a:gd name="adj2" fmla="val 45962"/>
+            </a:avLst>
+          </a:prstGeom>
+        </p:spPr>
+        <p:style>
+          <a:lnRef idx="1">
+            <a:schemeClr val="accent6"/>
+          </a:lnRef>
+          <a:fillRef idx="2">
+            <a:schemeClr val="accent6"/>
+          </a:fillRef>
+          <a:effectRef idx="1">
+            <a:schemeClr val="accent6"/>
+          </a:effectRef>
+          <a:fontRef idx="minor">
+            <a:schemeClr val="dk1"/>
+          </a:fontRef>
+        </p:style>
+        <p:txBody>
+          <a:bodyPr rtlCol="0" anchor="ctr"/>
+          <a:lstStyle/>
+          <a:p>
+            <a:pPr algn="ctr"/>
+            <a:r>
+              <a:rPr lang="ja-JP" altLang="en-US" sz="1400" dirty="0" smtClean="0">
+                <a:solidFill>
+                  <a:schemeClr val="tx1"/>
+                </a:solidFill>
+              </a:rPr>
+              <a:t>要件確認</a:t>
+            </a:r>
+            <a:endParaRPr kumimoji="1" lang="en-US" altLang="ja-JP" sz="1400" dirty="0" smtClean="0">
+              <a:solidFill>
+                <a:schemeClr val="tx1"/>
+              </a:solidFill>
+            </a:endParaRPr>
+          </a:p>
+        </p:txBody>
+      </p:sp>
+      <p:sp>
+        <p:nvSpPr>
+          <p:cNvPr id="27" name="左右矢印 26"/>
+          <p:cNvSpPr/>
+          <p:nvPr/>
+        </p:nvSpPr>
+        <p:spPr>
+          <a:xfrm>
+            <a:off x="4092592" y="3858738"/>
+            <a:ext cx="2154490" cy="400523"/>
+          </a:xfrm>
+          <a:prstGeom prst="leftRightArrow">
+            <a:avLst>
+              <a:gd name="adj1" fmla="val 70964"/>
+              <a:gd name="adj2" fmla="val 36433"/>
+            </a:avLst>
+          </a:prstGeom>
+        </p:spPr>
+        <p:style>
+          <a:lnRef idx="1">
+            <a:schemeClr val="dk1"/>
+          </a:lnRef>
+          <a:fillRef idx="2">
+            <a:schemeClr val="dk1"/>
+          </a:fillRef>
+          <a:effectRef idx="1">
+            <a:schemeClr val="dk1"/>
+          </a:effectRef>
+          <a:fontRef idx="minor">
+            <a:schemeClr val="dk1"/>
+          </a:fontRef>
+        </p:style>
+        <p:txBody>
+          <a:bodyPr rtlCol="0" anchor="ctr"/>
+          <a:lstStyle/>
+          <a:p>
+            <a:pPr algn="ctr"/>
+            <a:r>
+              <a:rPr lang="ja-JP" altLang="en-US" sz="1400" dirty="0" smtClean="0">
+                <a:solidFill>
+                  <a:schemeClr val="tx1"/>
+                </a:solidFill>
+              </a:rPr>
+              <a:t>発表資料</a:t>
+            </a:r>
+            <a:r>
+              <a:rPr lang="ja-JP" altLang="en-US" sz="1400" dirty="0">
+                <a:solidFill>
+                  <a:schemeClr val="tx1"/>
+                </a:solidFill>
+              </a:rPr>
+              <a:t>作成</a:t>
+            </a:r>
+            <a:endParaRPr lang="en-US" altLang="ja-JP" sz="1400" dirty="0" smtClean="0">
+              <a:solidFill>
+                <a:schemeClr val="tx1"/>
+              </a:solidFill>
+            </a:endParaRPr>
+          </a:p>
+        </p:txBody>
+      </p:sp>
+      <p:sp>
+        <p:nvSpPr>
+          <p:cNvPr id="19" name="左右矢印 18"/>
+          <p:cNvSpPr/>
+          <p:nvPr/>
+        </p:nvSpPr>
+        <p:spPr>
+          <a:xfrm>
+            <a:off x="4100288" y="2013796"/>
+            <a:ext cx="2127896" cy="364112"/>
+          </a:xfrm>
+          <a:prstGeom prst="leftRightArrow">
+            <a:avLst>
+              <a:gd name="adj1" fmla="val 70964"/>
+              <a:gd name="adj2" fmla="val 45962"/>
+            </a:avLst>
+          </a:prstGeom>
+        </p:spPr>
+        <p:style>
+          <a:lnRef idx="1">
+            <a:schemeClr val="accent6"/>
+          </a:lnRef>
+          <a:fillRef idx="2">
+            <a:schemeClr val="accent6"/>
+          </a:fillRef>
+          <a:effectRef idx="1">
+            <a:schemeClr val="accent6"/>
+          </a:effectRef>
+          <a:fontRef idx="minor">
+            <a:schemeClr val="dk1"/>
+          </a:fontRef>
+        </p:style>
+        <p:txBody>
+          <a:bodyPr rtlCol="0" anchor="ctr"/>
+          <a:lstStyle/>
+          <a:p>
+            <a:pPr algn="ctr"/>
+            <a:r>
+              <a:rPr lang="ja-JP" altLang="en-US" sz="1400" dirty="0">
+                <a:solidFill>
+                  <a:schemeClr val="tx1"/>
+                </a:solidFill>
+              </a:rPr>
+              <a:t>実装</a:t>
+            </a:r>
+            <a:endParaRPr kumimoji="1" lang="en-US" altLang="ja-JP" sz="1400" dirty="0" smtClean="0">
+              <a:solidFill>
+                <a:schemeClr val="tx1"/>
+              </a:solidFill>
+            </a:endParaRPr>
+          </a:p>
+        </p:txBody>
+      </p:sp>
     </p:spTree>
     <p:extLst>
       <p:ext uri="{BB962C8B-B14F-4D97-AF65-F5344CB8AC3E}">
-        <p14:creationId xmlns:p14="http://schemas.microsoft.com/office/powerpoint/2010/main" val="3385751074"/>
+        <p14:creationId xmlns:p14="http://schemas.microsoft.com/office/powerpoint/2010/main" val="3316581846"/>
+      </p:ext>
+    </p:extLst>
+  </p:cSld>
+  <p:clrMapOvr>
+    <a:masterClrMapping/>
+  </p:clrMapOvr>
+  <mc:AlternateContent xmlns:mc="http://schemas.openxmlformats.org/markup-compatibility/2006" xmlns:p14="http://schemas.microsoft.com/office/powerpoint/2010/main">
+    <mc:Choice Requires="p14">
+      <p:transition spd="slow" p14:dur="2000"/>
+    </mc:Choice>
+    <mc:Fallback xmlns="">
+      <p:transition spd="slow"/>
+    </mc:Fallback>
+  </mc:AlternateContent>
+  <p:timing>
+    <p:tnLst>
+      <p:par>
+        <p:cTn id="1" dur="indefinite" restart="never" nodeType="tmRoot"/>
+      </p:par>
+    </p:tnLst>
+  </p:timing>
+</p:sld>
+</file>
+
+<file path=ppt/slides/slide8.xml><?xml version="1.0" encoding="utf-8"?>
+<p:sld xmlns:a="http://schemas.openxmlformats.org/drawingml/2006/main" xmlns:r="http://schemas.openxmlformats.org/officeDocument/2006/relationships" xmlns:p="http://schemas.openxmlformats.org/presentationml/2006/main">
+  <p:cSld>
+    <p:spTree>
+      <p:nvGrpSpPr>
+        <p:cNvPr id="1" name=""/>
+        <p:cNvGrpSpPr/>
+        <p:nvPr/>
+      </p:nvGrpSpPr>
+      <p:grpSpPr>
+        <a:xfrm>
+          <a:off x="0" y="0"/>
+          <a:ext cx="0" cy="0"/>
+          <a:chOff x="0" y="0"/>
+          <a:chExt cx="0" cy="0"/>
+        </a:xfrm>
+      </p:grpSpPr>
+      <p:sp>
+        <p:nvSpPr>
+          <p:cNvPr id="2" name="タイトル 1"/>
+          <p:cNvSpPr>
+            <a:spLocks noGrp="1"/>
+          </p:cNvSpPr>
+          <p:nvPr>
+            <p:ph type="title"/>
+          </p:nvPr>
+        </p:nvSpPr>
+        <p:spPr/>
+        <p:txBody>
+          <a:bodyPr/>
+          <a:lstStyle/>
+          <a:p>
+            <a:r>
+              <a:rPr lang="ja-JP" altLang="en-US" dirty="0"/>
+              <a:t>研修の進め方</a:t>
+            </a:r>
+            <a:r>
+              <a:rPr lang="ja-JP" altLang="en-US" sz="2800" dirty="0" smtClean="0"/>
+              <a:t>（</a:t>
+            </a:r>
+            <a:r>
+              <a:rPr lang="en-US" altLang="ja-JP" sz="2800" dirty="0" smtClean="0"/>
+              <a:t>Sirius</a:t>
+            </a:r>
+            <a:r>
+              <a:rPr lang="ja-JP" altLang="en-US" sz="2800" dirty="0" smtClean="0"/>
+              <a:t>チーム：久米さん</a:t>
+            </a:r>
+            <a:r>
+              <a:rPr lang="en-US" altLang="ja-JP" sz="2800" dirty="0" smtClean="0"/>
+              <a:t>,</a:t>
+            </a:r>
+            <a:r>
+              <a:rPr lang="ja-JP" altLang="en-US" sz="2800" dirty="0" smtClean="0"/>
+              <a:t>呉屋さん）</a:t>
+            </a:r>
+            <a:endParaRPr kumimoji="1" lang="ja-JP" altLang="en-US" dirty="0"/>
+          </a:p>
+        </p:txBody>
+      </p:sp>
+      <p:sp>
+        <p:nvSpPr>
+          <p:cNvPr id="3" name="コンテンツ プレースホルダー 2"/>
+          <p:cNvSpPr>
+            <a:spLocks noGrp="1"/>
+          </p:cNvSpPr>
+          <p:nvPr>
+            <p:ph idx="1"/>
+          </p:nvPr>
+        </p:nvSpPr>
+        <p:spPr/>
+        <p:txBody>
+          <a:bodyPr>
+            <a:normAutofit fontScale="55000" lnSpcReduction="20000"/>
+          </a:bodyPr>
+          <a:lstStyle/>
+          <a:p>
+            <a:r>
+              <a:rPr lang="en-US" altLang="ja-JP" dirty="0" smtClean="0"/>
+              <a:t>Sirius</a:t>
+            </a:r>
+            <a:r>
+              <a:rPr lang="ja-JP" altLang="en-US" dirty="0" smtClean="0"/>
+              <a:t>調査</a:t>
+            </a:r>
+            <a:r>
+              <a:rPr kumimoji="1" lang="ja-JP" altLang="en-US" dirty="0" smtClean="0"/>
+              <a:t>と導入</a:t>
+            </a:r>
+            <a:endParaRPr kumimoji="1" lang="en-US" altLang="ja-JP" dirty="0" smtClean="0"/>
+          </a:p>
+          <a:p>
+            <a:pPr lvl="1"/>
+            <a:r>
+              <a:rPr lang="ja-JP" altLang="en-US" dirty="0" smtClean="0"/>
+              <a:t>アクティビティ図の勉強</a:t>
+            </a:r>
+            <a:endParaRPr lang="en-US" altLang="ja-JP" dirty="0" smtClean="0"/>
+          </a:p>
+          <a:p>
+            <a:pPr lvl="1"/>
+            <a:r>
+              <a:rPr lang="en-US" altLang="ja-JP" dirty="0" smtClean="0"/>
+              <a:t>Sirius</a:t>
+            </a:r>
+            <a:r>
+              <a:rPr lang="ja-JP" altLang="en-US" dirty="0" smtClean="0"/>
+              <a:t>調査（チュートリアル実施）</a:t>
+            </a:r>
+            <a:endParaRPr lang="en-US" altLang="ja-JP" dirty="0" smtClean="0"/>
+          </a:p>
+          <a:p>
+            <a:pPr lvl="1"/>
+            <a:r>
+              <a:rPr lang="ja-JP" altLang="en-US" dirty="0" smtClean="0"/>
+              <a:t>調査資料まとめ</a:t>
+            </a:r>
+            <a:endParaRPr lang="en-US" altLang="ja-JP" dirty="0" smtClean="0"/>
+          </a:p>
+          <a:p>
+            <a:pPr marL="0" indent="0">
+              <a:buNone/>
+            </a:pPr>
+            <a:endParaRPr lang="en-US" altLang="ja-JP" dirty="0" smtClean="0"/>
+          </a:p>
+          <a:p>
+            <a:r>
+              <a:rPr lang="ja-JP" altLang="en-US" dirty="0" smtClean="0"/>
+              <a:t>要件の確認</a:t>
+            </a:r>
+            <a:endParaRPr lang="en-US" altLang="ja-JP" dirty="0" smtClean="0"/>
+          </a:p>
+          <a:p>
+            <a:endParaRPr kumimoji="1" lang="en-US" altLang="ja-JP" dirty="0" smtClean="0"/>
+          </a:p>
+          <a:p>
+            <a:r>
+              <a:rPr kumimoji="1" lang="ja-JP" altLang="en-US" dirty="0" smtClean="0"/>
+              <a:t>設計</a:t>
+            </a:r>
+            <a:endParaRPr kumimoji="1" lang="en-US" altLang="ja-JP" dirty="0" smtClean="0"/>
+          </a:p>
+          <a:p>
+            <a:pPr lvl="1"/>
+            <a:r>
+              <a:rPr lang="ja-JP" altLang="en-US" dirty="0"/>
+              <a:t>基本</a:t>
+            </a:r>
+            <a:r>
+              <a:rPr lang="ja-JP" altLang="en-US" dirty="0" smtClean="0"/>
+              <a:t>設計書</a:t>
+            </a:r>
+            <a:endParaRPr lang="en-US" altLang="ja-JP" dirty="0" smtClean="0"/>
+          </a:p>
+          <a:p>
+            <a:pPr lvl="1"/>
+            <a:r>
+              <a:rPr kumimoji="1" lang="ja-JP" altLang="en-US" dirty="0"/>
+              <a:t>外部</a:t>
+            </a:r>
+            <a:r>
+              <a:rPr kumimoji="1" lang="ja-JP" altLang="en-US" dirty="0" smtClean="0"/>
+              <a:t>設計書</a:t>
+            </a:r>
+            <a:endParaRPr kumimoji="1" lang="en-US" altLang="ja-JP" dirty="0" smtClean="0"/>
+          </a:p>
+          <a:p>
+            <a:pPr lvl="1"/>
+            <a:r>
+              <a:rPr lang="ja-JP" altLang="en-US" dirty="0" smtClean="0"/>
+              <a:t>（処理設計書）</a:t>
+            </a:r>
+            <a:endParaRPr kumimoji="1" lang="en-US" altLang="ja-JP" dirty="0" smtClean="0"/>
+          </a:p>
+          <a:p>
+            <a:endParaRPr kumimoji="1" lang="en-US" altLang="ja-JP" dirty="0" smtClean="0"/>
+          </a:p>
+          <a:p>
+            <a:r>
+              <a:rPr kumimoji="1" lang="ja-JP" altLang="en-US" dirty="0" smtClean="0"/>
+              <a:t>実装</a:t>
+            </a:r>
+            <a:r>
+              <a:rPr lang="ja-JP" altLang="en-US" dirty="0"/>
+              <a:t>（</a:t>
+            </a:r>
+            <a:r>
+              <a:rPr kumimoji="1" lang="ja-JP" altLang="en-US" dirty="0" smtClean="0"/>
+              <a:t>エディタ作成）</a:t>
+            </a:r>
+            <a:endParaRPr lang="en-US" altLang="ja-JP" dirty="0" smtClean="0"/>
+          </a:p>
+          <a:p>
+            <a:pPr lvl="1"/>
+            <a:r>
+              <a:rPr lang="ja-JP" altLang="en-US" dirty="0" smtClean="0"/>
+              <a:t>処理側、モデル側に分かれて作業を行う</a:t>
+            </a:r>
+            <a:endParaRPr lang="en-US" altLang="ja-JP" dirty="0" smtClean="0"/>
+          </a:p>
+          <a:p>
+            <a:endParaRPr lang="en-US" altLang="ja-JP" dirty="0" smtClean="0"/>
+          </a:p>
+          <a:p>
+            <a:r>
+              <a:rPr lang="ja-JP" altLang="en-US" dirty="0" smtClean="0"/>
+              <a:t>テスト</a:t>
+            </a:r>
+            <a:endParaRPr lang="en-US" altLang="ja-JP" dirty="0" smtClean="0"/>
+          </a:p>
+          <a:p>
+            <a:pPr lvl="1"/>
+            <a:r>
+              <a:rPr lang="ja-JP" altLang="en-US" dirty="0" smtClean="0"/>
+              <a:t>観点洗い出し　（時間がなければ省略して齋藤が作成）</a:t>
+            </a:r>
+            <a:endParaRPr lang="en-US" altLang="ja-JP" dirty="0" smtClean="0"/>
+          </a:p>
+          <a:p>
+            <a:pPr lvl="1"/>
+            <a:r>
+              <a:rPr lang="ja-JP" altLang="en-US" dirty="0" smtClean="0"/>
+              <a:t>ケース作成　（同上）</a:t>
+            </a:r>
+            <a:endParaRPr lang="en-US" altLang="ja-JP" dirty="0" smtClean="0"/>
+          </a:p>
+          <a:p>
+            <a:pPr lvl="1"/>
+            <a:r>
+              <a:rPr lang="ja-JP" altLang="en-US" dirty="0" smtClean="0"/>
+              <a:t>実施</a:t>
+            </a:r>
+            <a:endParaRPr lang="en-US" altLang="ja-JP" dirty="0" smtClean="0"/>
+          </a:p>
+          <a:p>
+            <a:pPr lvl="1"/>
+            <a:endParaRPr lang="en-US" altLang="ja-JP" dirty="0" smtClean="0"/>
+          </a:p>
+          <a:p>
+            <a:pPr lvl="1"/>
+            <a:endParaRPr lang="en-US" altLang="ja-JP" dirty="0"/>
+          </a:p>
+          <a:p>
+            <a:pPr lvl="1"/>
+            <a:endParaRPr lang="en-US" altLang="ja-JP" dirty="0"/>
+          </a:p>
+          <a:p>
+            <a:r>
+              <a:rPr lang="ja-JP" altLang="en-US" dirty="0" smtClean="0"/>
+              <a:t>成果物レビュー</a:t>
+            </a:r>
+            <a:endParaRPr lang="en-US" altLang="ja-JP" dirty="0" smtClean="0"/>
+          </a:p>
+        </p:txBody>
+      </p:sp>
+      <p:sp>
+        <p:nvSpPr>
+          <p:cNvPr id="10" name="下矢印 9"/>
+          <p:cNvSpPr/>
+          <p:nvPr/>
+        </p:nvSpPr>
+        <p:spPr>
+          <a:xfrm>
+            <a:off x="7118474" y="1407303"/>
+            <a:ext cx="484632" cy="509529"/>
+          </a:xfrm>
+          <a:prstGeom prst="downArrow">
+            <a:avLst/>
+          </a:prstGeom>
+        </p:spPr>
+        <p:style>
+          <a:lnRef idx="2">
+            <a:schemeClr val="accent1">
+              <a:shade val="50000"/>
+            </a:schemeClr>
+          </a:lnRef>
+          <a:fillRef idx="1">
+            <a:schemeClr val="accent1"/>
+          </a:fillRef>
+          <a:effectRef idx="0">
+            <a:schemeClr val="accent1"/>
+          </a:effectRef>
+          <a:fontRef idx="minor">
+            <a:schemeClr val="lt1"/>
+          </a:fontRef>
+        </p:style>
+        <p:txBody>
+          <a:bodyPr rtlCol="0" anchor="ctr"/>
+          <a:lstStyle/>
+          <a:p>
+            <a:pPr algn="ctr"/>
+            <a:endParaRPr kumimoji="1" lang="ja-JP" altLang="en-US"/>
+          </a:p>
+        </p:txBody>
+      </p:sp>
+      <p:sp>
+        <p:nvSpPr>
+          <p:cNvPr id="11" name="下矢印 10"/>
+          <p:cNvSpPr/>
+          <p:nvPr/>
+        </p:nvSpPr>
+        <p:spPr>
+          <a:xfrm>
+            <a:off x="7118474" y="2356567"/>
+            <a:ext cx="484632" cy="558191"/>
+          </a:xfrm>
+          <a:prstGeom prst="downArrow">
+            <a:avLst/>
+          </a:prstGeom>
+        </p:spPr>
+        <p:style>
+          <a:lnRef idx="2">
+            <a:schemeClr val="accent1">
+              <a:shade val="50000"/>
+            </a:schemeClr>
+          </a:lnRef>
+          <a:fillRef idx="1">
+            <a:schemeClr val="accent1"/>
+          </a:fillRef>
+          <a:effectRef idx="0">
+            <a:schemeClr val="accent1"/>
+          </a:effectRef>
+          <a:fontRef idx="minor">
+            <a:schemeClr val="lt1"/>
+          </a:fontRef>
+        </p:style>
+        <p:txBody>
+          <a:bodyPr rtlCol="0" anchor="ctr"/>
+          <a:lstStyle/>
+          <a:p>
+            <a:pPr algn="ctr"/>
+            <a:endParaRPr kumimoji="1" lang="ja-JP" altLang="en-US"/>
+          </a:p>
+        </p:txBody>
+      </p:sp>
+      <p:sp>
+        <p:nvSpPr>
+          <p:cNvPr id="12" name="下矢印 11"/>
+          <p:cNvSpPr/>
+          <p:nvPr/>
+        </p:nvSpPr>
+        <p:spPr>
+          <a:xfrm>
+            <a:off x="7118474" y="3341333"/>
+            <a:ext cx="484632" cy="447707"/>
+          </a:xfrm>
+          <a:prstGeom prst="downArrow">
+            <a:avLst/>
+          </a:prstGeom>
+        </p:spPr>
+        <p:style>
+          <a:lnRef idx="2">
+            <a:schemeClr val="accent1">
+              <a:shade val="50000"/>
+            </a:schemeClr>
+          </a:lnRef>
+          <a:fillRef idx="1">
+            <a:schemeClr val="accent1"/>
+          </a:fillRef>
+          <a:effectRef idx="0">
+            <a:schemeClr val="accent1"/>
+          </a:effectRef>
+          <a:fontRef idx="minor">
+            <a:schemeClr val="lt1"/>
+          </a:fontRef>
+        </p:style>
+        <p:txBody>
+          <a:bodyPr rtlCol="0" anchor="ctr"/>
+          <a:lstStyle/>
+          <a:p>
+            <a:pPr algn="ctr"/>
+            <a:endParaRPr kumimoji="1" lang="ja-JP" altLang="en-US"/>
+          </a:p>
+        </p:txBody>
+      </p:sp>
+      <p:sp>
+        <p:nvSpPr>
+          <p:cNvPr id="13" name="下矢印 12"/>
+          <p:cNvSpPr/>
+          <p:nvPr/>
+        </p:nvSpPr>
+        <p:spPr>
+          <a:xfrm>
+            <a:off x="7118474" y="5369694"/>
+            <a:ext cx="484632" cy="723602"/>
+          </a:xfrm>
+          <a:prstGeom prst="downArrow">
+            <a:avLst/>
+          </a:prstGeom>
+        </p:spPr>
+        <p:style>
+          <a:lnRef idx="2">
+            <a:schemeClr val="accent1">
+              <a:shade val="50000"/>
+            </a:schemeClr>
+          </a:lnRef>
+          <a:fillRef idx="1">
+            <a:schemeClr val="accent1"/>
+          </a:fillRef>
+          <a:effectRef idx="0">
+            <a:schemeClr val="accent1"/>
+          </a:effectRef>
+          <a:fontRef idx="minor">
+            <a:schemeClr val="lt1"/>
+          </a:fontRef>
+        </p:style>
+        <p:txBody>
+          <a:bodyPr rtlCol="0" anchor="ctr"/>
+          <a:lstStyle/>
+          <a:p>
+            <a:pPr algn="ctr"/>
+            <a:endParaRPr kumimoji="1" lang="ja-JP" altLang="en-US"/>
+          </a:p>
+        </p:txBody>
+      </p:sp>
+      <p:sp>
+        <p:nvSpPr>
+          <p:cNvPr id="5" name="正方形/長方形 4"/>
+          <p:cNvSpPr/>
+          <p:nvPr/>
+        </p:nvSpPr>
+        <p:spPr>
+          <a:xfrm>
+            <a:off x="6444208" y="2914758"/>
+            <a:ext cx="1833164" cy="426575"/>
+          </a:xfrm>
+          <a:prstGeom prst="rect">
+            <a:avLst/>
+          </a:prstGeom>
+        </p:spPr>
+        <p:style>
+          <a:lnRef idx="1">
+            <a:schemeClr val="accent5"/>
+          </a:lnRef>
+          <a:fillRef idx="2">
+            <a:schemeClr val="accent5"/>
+          </a:fillRef>
+          <a:effectRef idx="1">
+            <a:schemeClr val="accent5"/>
+          </a:effectRef>
+          <a:fontRef idx="minor">
+            <a:schemeClr val="dk1"/>
+          </a:fontRef>
+        </p:style>
+        <p:txBody>
+          <a:bodyPr rtlCol="0" anchor="ctr"/>
+          <a:lstStyle/>
+          <a:p>
+            <a:pPr algn="ctr"/>
+            <a:r>
+              <a:rPr kumimoji="1" lang="ja-JP" altLang="en-US" dirty="0" smtClean="0"/>
+              <a:t>設計レビュー</a:t>
+            </a:r>
+            <a:endParaRPr kumimoji="1" lang="ja-JP" altLang="en-US" dirty="0"/>
+          </a:p>
+        </p:txBody>
+      </p:sp>
+      <p:sp>
+        <p:nvSpPr>
+          <p:cNvPr id="6" name="正方形/長方形 5"/>
+          <p:cNvSpPr/>
+          <p:nvPr/>
+        </p:nvSpPr>
+        <p:spPr>
+          <a:xfrm>
+            <a:off x="6444208" y="3789040"/>
+            <a:ext cx="1833164" cy="426575"/>
+          </a:xfrm>
+          <a:prstGeom prst="rect">
+            <a:avLst/>
+          </a:prstGeom>
+        </p:spPr>
+        <p:style>
+          <a:lnRef idx="1">
+            <a:schemeClr val="accent5"/>
+          </a:lnRef>
+          <a:fillRef idx="2">
+            <a:schemeClr val="accent5"/>
+          </a:fillRef>
+          <a:effectRef idx="1">
+            <a:schemeClr val="accent5"/>
+          </a:effectRef>
+          <a:fontRef idx="minor">
+            <a:schemeClr val="dk1"/>
+          </a:fontRef>
+        </p:style>
+        <p:txBody>
+          <a:bodyPr rtlCol="0" anchor="ctr"/>
+          <a:lstStyle/>
+          <a:p>
+            <a:pPr algn="ctr"/>
+            <a:r>
+              <a:rPr lang="ja-JP" altLang="en-US" dirty="0"/>
+              <a:t>コード</a:t>
+            </a:r>
+            <a:r>
+              <a:rPr kumimoji="1" lang="ja-JP" altLang="en-US" dirty="0" smtClean="0"/>
+              <a:t>レビュー</a:t>
+            </a:r>
+            <a:endParaRPr kumimoji="1" lang="ja-JP" altLang="en-US" dirty="0"/>
+          </a:p>
+        </p:txBody>
+      </p:sp>
+      <p:sp>
+        <p:nvSpPr>
+          <p:cNvPr id="7" name="正方形/長方形 6"/>
+          <p:cNvSpPr/>
+          <p:nvPr/>
+        </p:nvSpPr>
+        <p:spPr>
+          <a:xfrm>
+            <a:off x="6444208" y="6093296"/>
+            <a:ext cx="1833164" cy="426575"/>
+          </a:xfrm>
+          <a:prstGeom prst="rect">
+            <a:avLst/>
+          </a:prstGeom>
+        </p:spPr>
+        <p:style>
+          <a:lnRef idx="1">
+            <a:schemeClr val="accent5"/>
+          </a:lnRef>
+          <a:fillRef idx="2">
+            <a:schemeClr val="accent5"/>
+          </a:fillRef>
+          <a:effectRef idx="1">
+            <a:schemeClr val="accent5"/>
+          </a:effectRef>
+          <a:fontRef idx="minor">
+            <a:schemeClr val="dk1"/>
+          </a:fontRef>
+        </p:style>
+        <p:txBody>
+          <a:bodyPr rtlCol="0" anchor="ctr"/>
+          <a:lstStyle/>
+          <a:p>
+            <a:pPr algn="ctr"/>
+            <a:r>
+              <a:rPr lang="ja-JP" altLang="en-US" dirty="0"/>
+              <a:t>成果物</a:t>
+            </a:r>
+            <a:r>
+              <a:rPr kumimoji="1" lang="ja-JP" altLang="en-US" dirty="0" smtClean="0"/>
+              <a:t>レビュー</a:t>
+            </a:r>
+            <a:endParaRPr kumimoji="1" lang="ja-JP" altLang="en-US" dirty="0"/>
+          </a:p>
+        </p:txBody>
+      </p:sp>
+      <p:sp>
+        <p:nvSpPr>
+          <p:cNvPr id="8" name="正方形/長方形 7"/>
+          <p:cNvSpPr/>
+          <p:nvPr/>
+        </p:nvSpPr>
+        <p:spPr>
+          <a:xfrm>
+            <a:off x="6444208" y="1916832"/>
+            <a:ext cx="1833164" cy="426575"/>
+          </a:xfrm>
+          <a:prstGeom prst="rect">
+            <a:avLst/>
+          </a:prstGeom>
+        </p:spPr>
+        <p:style>
+          <a:lnRef idx="1">
+            <a:schemeClr val="accent5"/>
+          </a:lnRef>
+          <a:fillRef idx="2">
+            <a:schemeClr val="accent5"/>
+          </a:fillRef>
+          <a:effectRef idx="1">
+            <a:schemeClr val="accent5"/>
+          </a:effectRef>
+          <a:fontRef idx="minor">
+            <a:schemeClr val="dk1"/>
+          </a:fontRef>
+        </p:style>
+        <p:txBody>
+          <a:bodyPr rtlCol="0" anchor="ctr"/>
+          <a:lstStyle/>
+          <a:p>
+            <a:pPr algn="ctr"/>
+            <a:r>
+              <a:rPr lang="ja-JP" altLang="en-US" dirty="0" smtClean="0"/>
+              <a:t>要件説明</a:t>
+            </a:r>
+            <a:endParaRPr kumimoji="1" lang="ja-JP" altLang="en-US" dirty="0"/>
+          </a:p>
+        </p:txBody>
+      </p:sp>
+      <p:sp>
+        <p:nvSpPr>
+          <p:cNvPr id="9" name="正方形/長方形 8"/>
+          <p:cNvSpPr/>
+          <p:nvPr/>
+        </p:nvSpPr>
+        <p:spPr>
+          <a:xfrm>
+            <a:off x="6444208" y="980728"/>
+            <a:ext cx="1833164" cy="426575"/>
+          </a:xfrm>
+          <a:prstGeom prst="rect">
+            <a:avLst/>
+          </a:prstGeom>
+        </p:spPr>
+        <p:style>
+          <a:lnRef idx="1">
+            <a:schemeClr val="accent5"/>
+          </a:lnRef>
+          <a:fillRef idx="2">
+            <a:schemeClr val="accent5"/>
+          </a:fillRef>
+          <a:effectRef idx="1">
+            <a:schemeClr val="accent5"/>
+          </a:effectRef>
+          <a:fontRef idx="minor">
+            <a:schemeClr val="dk1"/>
+          </a:fontRef>
+        </p:style>
+        <p:txBody>
+          <a:bodyPr rtlCol="0" anchor="ctr"/>
+          <a:lstStyle/>
+          <a:p>
+            <a:pPr algn="ctr"/>
+            <a:r>
+              <a:rPr lang="ja-JP" altLang="en-US" dirty="0"/>
+              <a:t>導入</a:t>
+            </a:r>
+            <a:r>
+              <a:rPr lang="ja-JP" altLang="en-US" dirty="0" smtClean="0"/>
+              <a:t>説明</a:t>
+            </a:r>
+            <a:endParaRPr kumimoji="1" lang="ja-JP" altLang="en-US" dirty="0"/>
+          </a:p>
+        </p:txBody>
+      </p:sp>
+      <p:sp>
+        <p:nvSpPr>
+          <p:cNvPr id="14" name="正方形/長方形 13"/>
+          <p:cNvSpPr/>
+          <p:nvPr/>
+        </p:nvSpPr>
+        <p:spPr>
+          <a:xfrm>
+            <a:off x="6444208" y="4943119"/>
+            <a:ext cx="1833164" cy="426575"/>
+          </a:xfrm>
+          <a:prstGeom prst="rect">
+            <a:avLst/>
+          </a:prstGeom>
+        </p:spPr>
+        <p:style>
+          <a:lnRef idx="1">
+            <a:schemeClr val="accent5"/>
+          </a:lnRef>
+          <a:fillRef idx="2">
+            <a:schemeClr val="accent5"/>
+          </a:fillRef>
+          <a:effectRef idx="1">
+            <a:schemeClr val="accent5"/>
+          </a:effectRef>
+          <a:fontRef idx="minor">
+            <a:schemeClr val="dk1"/>
+          </a:fontRef>
+        </p:style>
+        <p:txBody>
+          <a:bodyPr rtlCol="0" anchor="ctr"/>
+          <a:lstStyle/>
+          <a:p>
+            <a:pPr algn="ctr"/>
+            <a:r>
+              <a:rPr lang="ja-JP" altLang="en-US" dirty="0"/>
+              <a:t>テスト</a:t>
+            </a:r>
+            <a:r>
+              <a:rPr kumimoji="1" lang="ja-JP" altLang="en-US" dirty="0" smtClean="0"/>
+              <a:t>レビュー</a:t>
+            </a:r>
+            <a:endParaRPr kumimoji="1" lang="ja-JP" altLang="en-US" dirty="0"/>
+          </a:p>
+        </p:txBody>
+      </p:sp>
+      <p:sp>
+        <p:nvSpPr>
+          <p:cNvPr id="15" name="下矢印 14"/>
+          <p:cNvSpPr/>
+          <p:nvPr/>
+        </p:nvSpPr>
+        <p:spPr>
+          <a:xfrm>
+            <a:off x="7118474" y="4239641"/>
+            <a:ext cx="484632" cy="703478"/>
+          </a:xfrm>
+          <a:prstGeom prst="downArrow">
+            <a:avLst/>
+          </a:prstGeom>
+        </p:spPr>
+        <p:style>
+          <a:lnRef idx="2">
+            <a:schemeClr val="accent1">
+              <a:shade val="50000"/>
+            </a:schemeClr>
+          </a:lnRef>
+          <a:fillRef idx="1">
+            <a:schemeClr val="accent1"/>
+          </a:fillRef>
+          <a:effectRef idx="0">
+            <a:schemeClr val="accent1"/>
+          </a:effectRef>
+          <a:fontRef idx="minor">
+            <a:schemeClr val="lt1"/>
+          </a:fontRef>
+        </p:style>
+        <p:txBody>
+          <a:bodyPr rtlCol="0" anchor="ctr"/>
+          <a:lstStyle/>
+          <a:p>
+            <a:pPr algn="ctr"/>
+            <a:endParaRPr kumimoji="1" lang="ja-JP" altLang="en-US"/>
+          </a:p>
+        </p:txBody>
+      </p:sp>
+    </p:spTree>
+    <p:extLst>
+      <p:ext uri="{BB962C8B-B14F-4D97-AF65-F5344CB8AC3E}">
+        <p14:creationId xmlns:p14="http://schemas.microsoft.com/office/powerpoint/2010/main" val="3188319388"/>
       </p:ext>
     </p:extLst>
   </p:cSld>
@@ -7075,7 +9344,7 @@
 </p:sld>
 </file>
 
-<file path=ppt/slides/slide7.xml><?xml version="1.0" encoding="utf-8"?>
+<file path=ppt/slides/slide9.xml><?xml version="1.0" encoding="utf-8"?>
 <p:sld xmlns:a="http://schemas.openxmlformats.org/drawingml/2006/main" xmlns:r="http://schemas.openxmlformats.org/officeDocument/2006/relationships" xmlns:p="http://schemas.openxmlformats.org/presentationml/2006/main">
   <p:cSld>
     <p:spTree>
@@ -7109,7 +9378,11 @@
           <a:p>
             <a:r>
               <a:rPr kumimoji="1" lang="ja-JP" altLang="en-US" dirty="0" smtClean="0"/>
-              <a:t>研修開始までの予定</a:t>
+              <a:t>研修中の予定</a:t>
+            </a:r>
+            <a:r>
+              <a:rPr kumimoji="1" lang="en-US" altLang="ja-JP" dirty="0" smtClean="0"/>
+              <a:t>(Sirius)</a:t>
             </a:r>
             <a:endParaRPr kumimoji="1" lang="ja-JP" altLang="en-US" dirty="0"/>
           </a:p>
@@ -7122,16 +9395,12 @@
             <a:graphicFrameLocks noGrp="1"/>
           </p:cNvGraphicFramePr>
           <p:nvPr>
-            <p:extLst>
-              <p:ext uri="{D42A27DB-BD31-4B8C-83A1-F6EECF244321}">
-                <p14:modId xmlns:p14="http://schemas.microsoft.com/office/powerpoint/2010/main" val="2926908319"/>
-              </p:ext>
-            </p:extLst>
+            <p:extLst/>
           </p:nvPr>
         </p:nvGraphicFramePr>
         <p:xfrm>
-          <a:off x="611560" y="1052736"/>
-          <a:ext cx="8136903" cy="3966402"/>
+          <a:off x="179511" y="908721"/>
+          <a:ext cx="8568955" cy="4768183"/>
         </p:xfrm>
         <a:graphic>
           <a:graphicData uri="http://schemas.openxmlformats.org/drawingml/2006/table">
@@ -7140,16 +9409,16 @@
                 <a:tableStyleId>{5940675A-B579-460E-94D1-54222C63F5DA}</a:tableStyleId>
               </a:tblPr>
               <a:tblGrid>
-                <a:gridCol w="740654"/>
-                <a:gridCol w="740654"/>
-                <a:gridCol w="740654"/>
-                <a:gridCol w="740654"/>
-                <a:gridCol w="740654"/>
-                <a:gridCol w="740654"/>
-                <a:gridCol w="740654"/>
-                <a:gridCol w="2952325"/>
+                <a:gridCol w="504057"/>
+                <a:gridCol w="1123325"/>
+                <a:gridCol w="1123325"/>
+                <a:gridCol w="1123325"/>
+                <a:gridCol w="1123325"/>
+                <a:gridCol w="1123325"/>
+                <a:gridCol w="476657"/>
+                <a:gridCol w="1971616"/>
               </a:tblGrid>
-              <a:tr h="360040">
+              <a:tr h="437601">
                 <a:tc>
                   <a:txBody>
                     <a:bodyPr/>
@@ -7464,7 +9733,7 @@
                   </a:tcPr>
                 </a:tc>
               </a:tr>
-              <a:tr h="895414">
+              <a:tr h="1071288">
                 <a:tc>
                   <a:txBody>
                     <a:bodyPr/>
@@ -7472,7 +9741,7 @@
                     <a:p>
                       <a:r>
                         <a:rPr kumimoji="1" lang="en-US" altLang="ja-JP" dirty="0" smtClean="0"/>
-                        <a:t>5/15</a:t>
+                        <a:t>6/5</a:t>
                       </a:r>
                       <a:endParaRPr kumimoji="1" lang="ja-JP" altLang="en-US" dirty="0"/>
                     </a:p>
@@ -7511,7 +9780,41 @@
                     <a:p>
                       <a:r>
                         <a:rPr kumimoji="1" lang="en-US" altLang="ja-JP" dirty="0" smtClean="0"/>
-                        <a:t>16</a:t>
+                        <a:t>6</a:t>
+                      </a:r>
+                      <a:br>
+                        <a:rPr kumimoji="1" lang="en-US" altLang="ja-JP" dirty="0" smtClean="0"/>
+                      </a:br>
+                      <a:endParaRPr kumimoji="1" lang="en-US" altLang="ja-JP" dirty="0" smtClean="0"/>
+                    </a:p>
+                    <a:p>
+                      <a:endParaRPr kumimoji="1" lang="en-US" altLang="ja-JP" sz="1600" dirty="0" smtClean="0"/>
+                    </a:p>
+                  </a:txBody>
+                  <a:tcPr>
+                    <a:lnT w="19050" cap="flat" cmpd="sng" algn="ctr">
+                      <a:solidFill>
+                        <a:schemeClr val="tx1"/>
+                      </a:solidFill>
+                      <a:prstDash val="solid"/>
+                      <a:round/>
+                      <a:headEnd type="none" w="med" len="med"/>
+                      <a:tailEnd type="none" w="med" len="med"/>
+                    </a:lnT>
+                  </a:tcPr>
+                </a:tc>
+                <a:tc>
+                  <a:txBody>
+                    <a:bodyPr/>
+                    <a:lstStyle/>
+                    <a:p>
+                      <a:r>
+                        <a:rPr kumimoji="1" lang="en-US" altLang="ja-JP" dirty="0" smtClean="0"/>
+                        <a:t>7</a:t>
+                      </a:r>
+                      <a:r>
+                        <a:rPr kumimoji="1" lang="ja-JP" altLang="en-US" dirty="0" smtClean="0"/>
+                        <a:t>　</a:t>
                       </a:r>
                       <a:endParaRPr kumimoji="1" lang="ja-JP" altLang="en-US" dirty="0"/>
                     </a:p>
@@ -7535,7 +9838,7 @@
                     <a:p>
                       <a:r>
                         <a:rPr kumimoji="1" lang="en-US" altLang="ja-JP" dirty="0" smtClean="0"/>
-                        <a:t>17</a:t>
+                        <a:t>8</a:t>
                       </a:r>
                       <a:endParaRPr kumimoji="1" lang="ja-JP" altLang="en-US" dirty="0"/>
                     </a:p>
@@ -7559,7 +9862,34 @@
                     <a:p>
                       <a:r>
                         <a:rPr kumimoji="1" lang="en-US" altLang="ja-JP" dirty="0" smtClean="0"/>
-                        <a:t>18</a:t>
+                        <a:t>9</a:t>
+                      </a:r>
+                      <a:br>
+                        <a:rPr kumimoji="1" lang="en-US" altLang="ja-JP" dirty="0" smtClean="0"/>
+                      </a:br>
+                      <a:endParaRPr kumimoji="1" lang="ja-JP" altLang="en-US" dirty="0"/>
+                    </a:p>
+                  </a:txBody>
+                  <a:tcPr>
+                    <a:lnT w="19050" cap="flat" cmpd="sng" algn="ctr">
+                      <a:solidFill>
+                        <a:schemeClr val="tx1"/>
+                      </a:solidFill>
+                      <a:prstDash val="solid"/>
+                      <a:round/>
+                      <a:headEnd type="none" w="med" len="med"/>
+                      <a:tailEnd type="none" w="med" len="med"/>
+                    </a:lnT>
+                  </a:tcPr>
+                </a:tc>
+                <a:tc>
+                  <a:txBody>
+                    <a:bodyPr/>
+                    <a:lstStyle/>
+                    <a:p>
+                      <a:r>
+                        <a:rPr kumimoji="1" lang="en-US" altLang="ja-JP" dirty="0" smtClean="0"/>
+                        <a:t>10</a:t>
                       </a:r>
                       <a:endParaRPr kumimoji="1" lang="ja-JP" altLang="en-US" dirty="0"/>
                     </a:p>
@@ -7583,55 +9913,7 @@
                     <a:p>
                       <a:r>
                         <a:rPr kumimoji="1" lang="en-US" altLang="ja-JP" dirty="0" smtClean="0"/>
-                        <a:t>19</a:t>
-                      </a:r>
-                      <a:endParaRPr kumimoji="1" lang="ja-JP" altLang="en-US" dirty="0"/>
-                    </a:p>
-                  </a:txBody>
-                  <a:tcPr>
-                    <a:lnT w="19050" cap="flat" cmpd="sng" algn="ctr">
-                      <a:solidFill>
-                        <a:schemeClr val="tx1"/>
-                      </a:solidFill>
-                      <a:prstDash val="solid"/>
-                      <a:round/>
-                      <a:headEnd type="none" w="med" len="med"/>
-                      <a:tailEnd type="none" w="med" len="med"/>
-                    </a:lnT>
-                  </a:tcPr>
-                </a:tc>
-                <a:tc>
-                  <a:txBody>
-                    <a:bodyPr/>
-                    <a:lstStyle/>
-                    <a:p>
-                      <a:r>
-                        <a:rPr kumimoji="1" lang="en-US" altLang="ja-JP" dirty="0" smtClean="0"/>
-                        <a:t>20</a:t>
-                      </a:r>
-                      <a:endParaRPr kumimoji="1" lang="ja-JP" altLang="en-US" dirty="0"/>
-                    </a:p>
-                  </a:txBody>
-                  <a:tcPr>
-                    <a:lnT w="19050" cap="flat" cmpd="sng" algn="ctr">
-                      <a:solidFill>
-                        <a:schemeClr val="tx1"/>
-                      </a:solidFill>
-                      <a:prstDash val="solid"/>
-                      <a:round/>
-                      <a:headEnd type="none" w="med" len="med"/>
-                      <a:tailEnd type="none" w="med" len="med"/>
-                    </a:lnT>
-                  </a:tcPr>
-                </a:tc>
-                <a:tc>
-                  <a:txBody>
-                    <a:bodyPr/>
-                    <a:lstStyle/>
-                    <a:p>
-                      <a:r>
-                        <a:rPr kumimoji="1" lang="en-US" altLang="ja-JP" dirty="0" smtClean="0"/>
-                        <a:t>21</a:t>
+                        <a:t>11</a:t>
                       </a:r>
                       <a:endParaRPr kumimoji="1" lang="ja-JP" altLang="en-US" dirty="0"/>
                     </a:p>
@@ -7669,17 +9951,52 @@
                     <a:lstStyle/>
                     <a:p>
                       <a:r>
-                        <a:rPr kumimoji="1" lang="ja-JP" altLang="en-US" dirty="0" smtClean="0"/>
-                        <a:t>全体計画</a:t>
+                        <a:rPr kumimoji="1" lang="ja-JP" altLang="en-US" sz="1600" dirty="0" smtClean="0"/>
+                        <a:t>設計書サンプル作成</a:t>
                       </a:r>
-                      <a:endParaRPr kumimoji="1" lang="en-US" altLang="ja-JP" dirty="0" smtClean="0"/>
+                      <a:endParaRPr kumimoji="1" lang="en-US" altLang="ja-JP" sz="1600" dirty="0" smtClean="0"/>
                     </a:p>
                     <a:p>
                       <a:r>
-                        <a:rPr kumimoji="1" lang="ja-JP" altLang="en-US" dirty="0" smtClean="0"/>
-                        <a:t>研修内容決定</a:t>
+                        <a:rPr kumimoji="1" lang="ja-JP" altLang="en-US" sz="1600" dirty="0" smtClean="0"/>
+                        <a:t>導入説明</a:t>
                       </a:r>
-                      <a:endParaRPr kumimoji="1" lang="en-US" altLang="ja-JP" dirty="0" smtClean="0"/>
+                      <a:endParaRPr kumimoji="1" lang="en-US" altLang="ja-JP" sz="1600" dirty="0" smtClean="0"/>
+                    </a:p>
+                    <a:p>
+                      <a:pPr marL="0" marR="0" indent="0" algn="l" defTabSz="914400" rtl="0" eaLnBrk="1" fontAlgn="auto" latinLnBrk="0" hangingPunct="1">
+                        <a:lnSpc>
+                          <a:spcPct val="100000"/>
+                        </a:lnSpc>
+                        <a:spcBef>
+                          <a:spcPts val="0"/>
+                        </a:spcBef>
+                        <a:spcAft>
+                          <a:spcPts val="0"/>
+                        </a:spcAft>
+                        <a:buClrTx/>
+                        <a:buSzTx/>
+                        <a:buFontTx/>
+                        <a:buNone/>
+                        <a:tabLst/>
+                        <a:defRPr/>
+                      </a:pPr>
+                      <a:r>
+                        <a:rPr kumimoji="1" lang="ja-JP" altLang="en-US" sz="1600" dirty="0" smtClean="0"/>
+                        <a:t>要件説明</a:t>
+                      </a:r>
+                      <a:r>
+                        <a:rPr kumimoji="1" lang="en-US" altLang="ja-JP" sz="1600" dirty="0" smtClean="0"/>
+                        <a:t/>
+                      </a:r>
+                      <a:br>
+                        <a:rPr kumimoji="1" lang="en-US" altLang="ja-JP" sz="1600" dirty="0" smtClean="0"/>
+                      </a:br>
+                      <a:r>
+                        <a:rPr kumimoji="1" lang="ja-JP" altLang="en-US" sz="1600" dirty="0" smtClean="0"/>
+                        <a:t>設計レビュー</a:t>
+                      </a:r>
+                      <a:endParaRPr kumimoji="1" lang="en-US" altLang="ja-JP" sz="1600" dirty="0" smtClean="0"/>
                     </a:p>
                   </a:txBody>
                   <a:tcPr>
@@ -7714,7 +10031,7 @@
                   </a:tcPr>
                 </a:tc>
               </a:tr>
-              <a:tr h="895414">
+              <a:tr h="1094003">
                 <a:tc>
                   <a:txBody>
                     <a:bodyPr/>
@@ -7722,7 +10039,7 @@
                     <a:p>
                       <a:r>
                         <a:rPr kumimoji="1" lang="en-US" altLang="ja-JP" dirty="0" smtClean="0"/>
-                        <a:t>22</a:t>
+                        <a:t>12</a:t>
                       </a:r>
                       <a:endParaRPr kumimoji="1" lang="ja-JP" altLang="en-US" dirty="0"/>
                     </a:p>
@@ -7744,6 +10061,232 @@
                       </a:schemeClr>
                     </a:solidFill>
                   </a:tcPr>
+                </a:tc>
+                <a:tc>
+                  <a:txBody>
+                    <a:bodyPr/>
+                    <a:lstStyle/>
+                    <a:p>
+                      <a:r>
+                        <a:rPr kumimoji="1" lang="en-US" altLang="ja-JP" dirty="0" smtClean="0"/>
+                        <a:t>13</a:t>
+                      </a:r>
+                      <a:endParaRPr kumimoji="1" lang="ja-JP" altLang="en-US" dirty="0"/>
+                    </a:p>
+                  </a:txBody>
+                  <a:tcPr/>
+                </a:tc>
+                <a:tc>
+                  <a:txBody>
+                    <a:bodyPr/>
+                    <a:lstStyle/>
+                    <a:p>
+                      <a:r>
+                        <a:rPr kumimoji="1" lang="en-US" altLang="ja-JP" dirty="0" smtClean="0"/>
+                        <a:t>14</a:t>
+                      </a:r>
+                      <a:endParaRPr kumimoji="1" lang="ja-JP" altLang="en-US" dirty="0"/>
+                    </a:p>
+                  </a:txBody>
+                  <a:tcPr/>
+                </a:tc>
+                <a:tc>
+                  <a:txBody>
+                    <a:bodyPr/>
+                    <a:lstStyle/>
+                    <a:p>
+                      <a:r>
+                        <a:rPr kumimoji="1" lang="en-US" altLang="ja-JP" dirty="0" smtClean="0"/>
+                        <a:t>15</a:t>
+                      </a:r>
+                      <a:endParaRPr kumimoji="1" lang="ja-JP" altLang="en-US" dirty="0"/>
+                    </a:p>
+                  </a:txBody>
+                  <a:tcPr/>
+                </a:tc>
+                <a:tc>
+                  <a:txBody>
+                    <a:bodyPr/>
+                    <a:lstStyle/>
+                    <a:p>
+                      <a:r>
+                        <a:rPr kumimoji="1" lang="en-US" altLang="ja-JP" dirty="0" smtClean="0"/>
+                        <a:t>16</a:t>
+                      </a:r>
+                      <a:endParaRPr kumimoji="1" lang="ja-JP" altLang="en-US" dirty="0"/>
+                    </a:p>
+                  </a:txBody>
+                  <a:tcPr/>
+                </a:tc>
+                <a:tc>
+                  <a:txBody>
+                    <a:bodyPr/>
+                    <a:lstStyle/>
+                    <a:p>
+                      <a:r>
+                        <a:rPr kumimoji="1" lang="en-US" altLang="ja-JP" dirty="0" smtClean="0"/>
+                        <a:t>17</a:t>
+                      </a:r>
+                      <a:endParaRPr kumimoji="1" lang="ja-JP" altLang="en-US" dirty="0"/>
+                    </a:p>
+                  </a:txBody>
+                  <a:tcPr/>
+                </a:tc>
+                <a:tc>
+                  <a:txBody>
+                    <a:bodyPr/>
+                    <a:lstStyle/>
+                    <a:p>
+                      <a:r>
+                        <a:rPr kumimoji="1" lang="en-US" altLang="ja-JP" dirty="0" smtClean="0"/>
+                        <a:t>18</a:t>
+                      </a:r>
+                      <a:endParaRPr kumimoji="1" lang="ja-JP" altLang="en-US" dirty="0"/>
+                    </a:p>
+                  </a:txBody>
+                  <a:tcPr>
+                    <a:lnR w="28575" cap="flat" cmpd="sng" algn="ctr">
+                      <a:solidFill>
+                        <a:schemeClr val="tx1"/>
+                      </a:solidFill>
+                      <a:prstDash val="solid"/>
+                      <a:round/>
+                      <a:headEnd type="none" w="med" len="med"/>
+                      <a:tailEnd type="none" w="med" len="med"/>
+                    </a:lnR>
+                    <a:solidFill>
+                      <a:schemeClr val="accent5">
+                        <a:lumMod val="40000"/>
+                        <a:lumOff val="60000"/>
+                      </a:schemeClr>
+                    </a:solidFill>
+                  </a:tcPr>
+                </a:tc>
+                <a:tc>
+                  <a:txBody>
+                    <a:bodyPr/>
+                    <a:lstStyle/>
+                    <a:p>
+                      <a:r>
+                        <a:rPr kumimoji="1" lang="ja-JP" altLang="en-US" sz="1600" dirty="0" smtClean="0"/>
+                        <a:t>要件説明</a:t>
+                      </a:r>
+                      <a:endParaRPr kumimoji="1" lang="en-US" altLang="ja-JP" sz="1600" dirty="0" smtClean="0"/>
+                    </a:p>
+                    <a:p>
+                      <a:r>
+                        <a:rPr kumimoji="1" lang="ja-JP" altLang="en-US" sz="1600" dirty="0" smtClean="0"/>
+                        <a:t>設計レビュー</a:t>
+                      </a:r>
+                      <a:r>
+                        <a:rPr kumimoji="1" lang="en-US" altLang="ja-JP" sz="1600" dirty="0" smtClean="0"/>
+                        <a:t/>
+                      </a:r>
+                      <a:br>
+                        <a:rPr kumimoji="1" lang="en-US" altLang="ja-JP" sz="1600" dirty="0" smtClean="0"/>
+                      </a:br>
+                      <a:r>
+                        <a:rPr kumimoji="1" lang="ja-JP" altLang="en-US" sz="1600" dirty="0" smtClean="0"/>
+                        <a:t>コードレビュー</a:t>
+                      </a:r>
+                      <a:endParaRPr kumimoji="1" lang="en-US" altLang="ja-JP" sz="1600" dirty="0" smtClean="0"/>
+                    </a:p>
+                  </a:txBody>
+                  <a:tcPr>
+                    <a:lnL w="28575" cap="flat" cmpd="sng" algn="ctr">
+                      <a:solidFill>
+                        <a:schemeClr val="tx1"/>
+                      </a:solidFill>
+                      <a:prstDash val="solid"/>
+                      <a:round/>
+                      <a:headEnd type="none" w="med" len="med"/>
+                      <a:tailEnd type="none" w="med" len="med"/>
+                    </a:lnL>
+                    <a:lnR w="28575" cap="flat" cmpd="sng" algn="ctr">
+                      <a:solidFill>
+                        <a:schemeClr val="tx1"/>
+                      </a:solidFill>
+                      <a:prstDash val="solid"/>
+                      <a:round/>
+                      <a:headEnd type="none" w="med" len="med"/>
+                      <a:tailEnd type="none" w="med" len="med"/>
+                    </a:lnR>
+                    <a:noFill/>
+                  </a:tcPr>
+                </a:tc>
+              </a:tr>
+              <a:tr h="1094003">
+                <a:tc>
+                  <a:txBody>
+                    <a:bodyPr/>
+                    <a:lstStyle/>
+                    <a:p>
+                      <a:r>
+                        <a:rPr kumimoji="1" lang="en-US" altLang="ja-JP" dirty="0" smtClean="0"/>
+                        <a:t>19</a:t>
+                      </a:r>
+                      <a:endParaRPr kumimoji="1" lang="ja-JP" altLang="en-US" dirty="0"/>
+                    </a:p>
+                  </a:txBody>
+                  <a:tcPr>
+                    <a:lnL w="28575" cap="flat" cmpd="sng" algn="ctr">
+                      <a:solidFill>
+                        <a:schemeClr val="tx1"/>
+                      </a:solidFill>
+                      <a:prstDash val="solid"/>
+                      <a:round/>
+                      <a:headEnd type="none" w="med" len="med"/>
+                      <a:tailEnd type="none" w="med" len="med"/>
+                    </a:lnL>
+                    <a:solidFill>
+                      <a:schemeClr val="accent2">
+                        <a:lumMod val="40000"/>
+                        <a:lumOff val="60000"/>
+                      </a:schemeClr>
+                    </a:solidFill>
+                  </a:tcPr>
+                </a:tc>
+                <a:tc>
+                  <a:txBody>
+                    <a:bodyPr/>
+                    <a:lstStyle/>
+                    <a:p>
+                      <a:r>
+                        <a:rPr kumimoji="1" lang="en-US" altLang="ja-JP" dirty="0" smtClean="0"/>
+                        <a:t>20</a:t>
+                      </a:r>
+                      <a:endParaRPr kumimoji="1" lang="ja-JP" altLang="en-US" dirty="0"/>
+                    </a:p>
+                  </a:txBody>
+                  <a:tcPr/>
+                </a:tc>
+                <a:tc>
+                  <a:txBody>
+                    <a:bodyPr/>
+                    <a:lstStyle/>
+                    <a:p>
+                      <a:r>
+                        <a:rPr kumimoji="1" lang="en-US" altLang="ja-JP" dirty="0" smtClean="0"/>
+                        <a:t>21</a:t>
+                      </a:r>
+                      <a:endParaRPr kumimoji="1" lang="ja-JP" altLang="en-US" dirty="0"/>
+                    </a:p>
+                  </a:txBody>
+                  <a:tcPr/>
+                </a:tc>
+                <a:tc>
+                  <a:txBody>
+                    <a:bodyPr/>
+                    <a:lstStyle/>
+                    <a:p>
+                      <a:r>
+                        <a:rPr kumimoji="1" lang="en-US" altLang="ja-JP" dirty="0" smtClean="0"/>
+                        <a:t>22</a:t>
+                      </a:r>
+                      <a:endParaRPr kumimoji="1" lang="ja-JP" altLang="en-US" dirty="0"/>
+                    </a:p>
+                  </a:txBody>
+                  <a:tcPr/>
                 </a:tc>
                 <a:tc>
                   <a:txBody>
@@ -7781,249 +10324,6 @@
                       <a:r>
                         <a:rPr kumimoji="1" lang="en-US" altLang="ja-JP" dirty="0" smtClean="0"/>
                         <a:t>25</a:t>
-                      </a:r>
-                      <a:endParaRPr kumimoji="1" lang="ja-JP" altLang="en-US" dirty="0"/>
-                    </a:p>
-                  </a:txBody>
-                  <a:tcPr/>
-                </a:tc>
-                <a:tc>
-                  <a:txBody>
-                    <a:bodyPr/>
-                    <a:lstStyle/>
-                    <a:p>
-                      <a:r>
-                        <a:rPr kumimoji="1" lang="en-US" altLang="ja-JP" dirty="0" smtClean="0"/>
-                        <a:t>26</a:t>
-                      </a:r>
-                      <a:endParaRPr kumimoji="1" lang="ja-JP" altLang="en-US" dirty="0"/>
-                    </a:p>
-                  </a:txBody>
-                  <a:tcPr/>
-                </a:tc>
-                <a:tc>
-                  <a:txBody>
-                    <a:bodyPr/>
-                    <a:lstStyle/>
-                    <a:p>
-                      <a:r>
-                        <a:rPr kumimoji="1" lang="en-US" altLang="ja-JP" dirty="0" smtClean="0"/>
-                        <a:t>27</a:t>
-                      </a:r>
-                      <a:endParaRPr kumimoji="1" lang="ja-JP" altLang="en-US" dirty="0"/>
-                    </a:p>
-                  </a:txBody>
-                  <a:tcPr/>
-                </a:tc>
-                <a:tc>
-                  <a:txBody>
-                    <a:bodyPr/>
-                    <a:lstStyle/>
-                    <a:p>
-                      <a:r>
-                        <a:rPr kumimoji="1" lang="en-US" altLang="ja-JP" dirty="0" smtClean="0"/>
-                        <a:t>28</a:t>
-                      </a:r>
-                      <a:endParaRPr kumimoji="1" lang="ja-JP" altLang="en-US" dirty="0"/>
-                    </a:p>
-                  </a:txBody>
-                  <a:tcPr>
-                    <a:lnR w="28575" cap="flat" cmpd="sng" algn="ctr">
-                      <a:solidFill>
-                        <a:schemeClr val="tx1"/>
-                      </a:solidFill>
-                      <a:prstDash val="solid"/>
-                      <a:round/>
-                      <a:headEnd type="none" w="med" len="med"/>
-                      <a:tailEnd type="none" w="med" len="med"/>
-                    </a:lnR>
-                    <a:solidFill>
-                      <a:schemeClr val="accent5">
-                        <a:lumMod val="40000"/>
-                        <a:lumOff val="60000"/>
-                      </a:schemeClr>
-                    </a:solidFill>
-                  </a:tcPr>
-                </a:tc>
-                <a:tc>
-                  <a:txBody>
-                    <a:bodyPr/>
-                    <a:lstStyle/>
-                    <a:p>
-                      <a:r>
-                        <a:rPr kumimoji="1" lang="ja-JP" altLang="en-US" dirty="0" smtClean="0"/>
-                        <a:t>詳細計画</a:t>
-                      </a:r>
-                      <a:endParaRPr kumimoji="1" lang="en-US" altLang="ja-JP" dirty="0" smtClean="0"/>
-                    </a:p>
-                    <a:p>
-                      <a:pPr marL="0" marR="0" indent="0" algn="l" defTabSz="914400" rtl="0" eaLnBrk="1" fontAlgn="auto" latinLnBrk="0" hangingPunct="1">
-                        <a:lnSpc>
-                          <a:spcPct val="100000"/>
-                        </a:lnSpc>
-                        <a:spcBef>
-                          <a:spcPts val="0"/>
-                        </a:spcBef>
-                        <a:spcAft>
-                          <a:spcPts val="0"/>
-                        </a:spcAft>
-                        <a:buClrTx/>
-                        <a:buSzTx/>
-                        <a:buFontTx/>
-                        <a:buNone/>
-                        <a:tabLst/>
-                        <a:defRPr/>
-                      </a:pPr>
-                      <a:r>
-                        <a:rPr kumimoji="1" lang="en-US" altLang="ja-JP" dirty="0" smtClean="0"/>
-                        <a:t>Sirius</a:t>
-                      </a:r>
-                      <a:r>
-                        <a:rPr kumimoji="1" lang="ja-JP" altLang="en-US" dirty="0" smtClean="0"/>
-                        <a:t>調査</a:t>
-                      </a:r>
-                      <a:endParaRPr kumimoji="1" lang="en-US" altLang="ja-JP" dirty="0" smtClean="0"/>
-                    </a:p>
-                    <a:p>
-                      <a:r>
-                        <a:rPr kumimoji="1" lang="ja-JP" altLang="en-US" dirty="0" smtClean="0"/>
-                        <a:t>サンプルエディタ作成</a:t>
-                      </a:r>
-                      <a:endParaRPr kumimoji="1" lang="en-US" altLang="ja-JP" dirty="0" smtClean="0"/>
-                    </a:p>
-                  </a:txBody>
-                  <a:tcPr>
-                    <a:lnL w="28575" cap="flat" cmpd="sng" algn="ctr">
-                      <a:solidFill>
-                        <a:schemeClr val="tx1"/>
-                      </a:solidFill>
-                      <a:prstDash val="solid"/>
-                      <a:round/>
-                      <a:headEnd type="none" w="med" len="med"/>
-                      <a:tailEnd type="none" w="med" len="med"/>
-                    </a:lnL>
-                    <a:lnR w="28575" cap="flat" cmpd="sng" algn="ctr">
-                      <a:solidFill>
-                        <a:schemeClr val="tx1"/>
-                      </a:solidFill>
-                      <a:prstDash val="solid"/>
-                      <a:round/>
-                      <a:headEnd type="none" w="med" len="med"/>
-                      <a:tailEnd type="none" w="med" len="med"/>
-                    </a:lnR>
-                    <a:noFill/>
-                  </a:tcPr>
-                </a:tc>
-              </a:tr>
-              <a:tr h="895414">
-                <a:tc>
-                  <a:txBody>
-                    <a:bodyPr/>
-                    <a:lstStyle/>
-                    <a:p>
-                      <a:r>
-                        <a:rPr kumimoji="1" lang="en-US" altLang="ja-JP" dirty="0" smtClean="0"/>
-                        <a:t>29</a:t>
-                      </a:r>
-                      <a:endParaRPr kumimoji="1" lang="ja-JP" altLang="en-US" dirty="0"/>
-                    </a:p>
-                  </a:txBody>
-                  <a:tcPr>
-                    <a:lnL w="28575" cap="flat" cmpd="sng" algn="ctr">
-                      <a:solidFill>
-                        <a:schemeClr val="tx1"/>
-                      </a:solidFill>
-                      <a:prstDash val="solid"/>
-                      <a:round/>
-                      <a:headEnd type="none" w="med" len="med"/>
-                      <a:tailEnd type="none" w="med" len="med"/>
-                    </a:lnL>
-                    <a:solidFill>
-                      <a:schemeClr val="accent2">
-                        <a:lumMod val="40000"/>
-                        <a:lumOff val="60000"/>
-                      </a:schemeClr>
-                    </a:solidFill>
-                  </a:tcPr>
-                </a:tc>
-                <a:tc>
-                  <a:txBody>
-                    <a:bodyPr/>
-                    <a:lstStyle/>
-                    <a:p>
-                      <a:r>
-                        <a:rPr kumimoji="1" lang="en-US" altLang="ja-JP" dirty="0" smtClean="0"/>
-                        <a:t>30</a:t>
-                      </a:r>
-                      <a:endParaRPr kumimoji="1" lang="ja-JP" altLang="en-US" dirty="0"/>
-                    </a:p>
-                  </a:txBody>
-                  <a:tcPr/>
-                </a:tc>
-                <a:tc>
-                  <a:txBody>
-                    <a:bodyPr/>
-                    <a:lstStyle/>
-                    <a:p>
-                      <a:r>
-                        <a:rPr kumimoji="1" lang="en-US" altLang="ja-JP" dirty="0" smtClean="0"/>
-                        <a:t>31</a:t>
-                      </a:r>
-                      <a:endParaRPr kumimoji="1" lang="ja-JP" altLang="en-US" dirty="0"/>
-                    </a:p>
-                  </a:txBody>
-                  <a:tcPr/>
-                </a:tc>
-                <a:tc>
-                  <a:txBody>
-                    <a:bodyPr/>
-                    <a:lstStyle/>
-                    <a:p>
-                      <a:r>
-                        <a:rPr kumimoji="1" lang="en-US" altLang="ja-JP" dirty="0" smtClean="0"/>
-                        <a:t>6/1</a:t>
-                      </a:r>
-                      <a:endParaRPr kumimoji="1" lang="ja-JP" altLang="en-US" dirty="0"/>
-                    </a:p>
-                  </a:txBody>
-                  <a:tcPr/>
-                </a:tc>
-                <a:tc>
-                  <a:txBody>
-                    <a:bodyPr/>
-                    <a:lstStyle/>
-                    <a:p>
-                      <a:r>
-                        <a:rPr kumimoji="1" lang="en-US" altLang="ja-JP" dirty="0" smtClean="0"/>
-                        <a:t>2</a:t>
-                      </a:r>
-                      <a:endParaRPr kumimoji="1" lang="ja-JP" altLang="en-US" dirty="0"/>
-                    </a:p>
-                  </a:txBody>
-                  <a:tcPr/>
-                </a:tc>
-                <a:tc>
-                  <a:txBody>
-                    <a:bodyPr/>
-                    <a:lstStyle/>
-                    <a:p>
-                      <a:r>
-                        <a:rPr kumimoji="1" lang="en-US" altLang="ja-JP" dirty="0" smtClean="0"/>
-                        <a:t>3</a:t>
-                      </a:r>
-                      <a:endParaRPr kumimoji="1" lang="ja-JP" altLang="en-US" dirty="0"/>
-                    </a:p>
-                  </a:txBody>
-                  <a:tcPr/>
-                </a:tc>
-                <a:tc>
-                  <a:txBody>
-                    <a:bodyPr/>
-                    <a:lstStyle/>
-                    <a:p>
-                      <a:r>
-                        <a:rPr kumimoji="1" lang="en-US" altLang="ja-JP" dirty="0" smtClean="0"/>
-                        <a:t>4</a:t>
                       </a:r>
                       <a:endParaRPr kumimoji="1" lang="ja-JP" altLang="en-US" dirty="0"/>
                     </a:p>
@@ -8069,17 +10369,65 @@
                         <a:defRPr/>
                       </a:pPr>
                       <a:r>
-                        <a:rPr kumimoji="1" lang="ja-JP" altLang="en-US" dirty="0" smtClean="0"/>
-                        <a:t>説明資料作成</a:t>
+                        <a:rPr kumimoji="1" lang="ja-JP" altLang="en-US" sz="1600" dirty="0" smtClean="0"/>
+                        <a:t>コードレビュー</a:t>
                       </a:r>
-                      <a:endParaRPr kumimoji="1" lang="en-US" altLang="ja-JP" dirty="0" smtClean="0"/>
+                      <a:endParaRPr kumimoji="1" lang="en-US" altLang="ja-JP" sz="1600" dirty="0" smtClean="0"/>
                     </a:p>
                     <a:p>
+                      <a:pPr marL="0" marR="0" indent="0" algn="l" defTabSz="914400" rtl="0" eaLnBrk="1" fontAlgn="auto" latinLnBrk="0" hangingPunct="1">
+                        <a:lnSpc>
+                          <a:spcPct val="100000"/>
+                        </a:lnSpc>
+                        <a:spcBef>
+                          <a:spcPts val="0"/>
+                        </a:spcBef>
+                        <a:spcAft>
+                          <a:spcPts val="0"/>
+                        </a:spcAft>
+                        <a:buClrTx/>
+                        <a:buSzTx/>
+                        <a:buFontTx/>
+                        <a:buNone/>
+                        <a:tabLst/>
+                        <a:defRPr/>
+                      </a:pPr>
                       <a:r>
-                        <a:rPr kumimoji="1" lang="ja-JP" altLang="en-US" dirty="0" smtClean="0"/>
-                        <a:t>書類フォーマット作成</a:t>
+                        <a:rPr kumimoji="1" lang="ja-JP" altLang="en-US" sz="1600" dirty="0" smtClean="0"/>
+                        <a:t>テストケース</a:t>
                       </a:r>
-                      <a:endParaRPr kumimoji="1" lang="ja-JP" altLang="en-US" dirty="0"/>
+                      <a:r>
+                        <a:rPr kumimoji="1" lang="en-US" altLang="ja-JP" sz="1600" dirty="0" smtClean="0"/>
+                        <a:t>/</a:t>
+                      </a:r>
+                      <a:r>
+                        <a:rPr kumimoji="1" lang="ja-JP" altLang="en-US" sz="1600" dirty="0" smtClean="0"/>
+                        <a:t>証跡レビュー</a:t>
+                      </a:r>
+                      <a:endParaRPr kumimoji="1" lang="en-US" altLang="ja-JP" sz="1600" dirty="0" smtClean="0"/>
+                    </a:p>
+                    <a:p>
+                      <a:pPr marL="0" marR="0" indent="0" algn="l" defTabSz="914400" rtl="0" eaLnBrk="1" fontAlgn="auto" latinLnBrk="0" hangingPunct="1">
+                        <a:lnSpc>
+                          <a:spcPct val="100000"/>
+                        </a:lnSpc>
+                        <a:spcBef>
+                          <a:spcPts val="0"/>
+                        </a:spcBef>
+                        <a:spcAft>
+                          <a:spcPts val="0"/>
+                        </a:spcAft>
+                        <a:buClrTx/>
+                        <a:buSzTx/>
+                        <a:buFontTx/>
+                        <a:buNone/>
+                        <a:tabLst/>
+                        <a:defRPr/>
+                      </a:pPr>
+                      <a:r>
+                        <a:rPr kumimoji="1" lang="ja-JP" altLang="en-US" sz="1600" dirty="0" smtClean="0"/>
+                        <a:t>発表練習</a:t>
+                      </a:r>
                     </a:p>
                   </a:txBody>
                   <a:tcPr>
@@ -8105,7 +10453,7 @@
                   </a:tcPr>
                 </a:tc>
               </a:tr>
-              <a:tr h="895414">
+              <a:tr h="1071288">
                 <a:tc>
                   <a:txBody>
                     <a:bodyPr/>
@@ -8113,7 +10461,7 @@
                     <a:p>
                       <a:r>
                         <a:rPr kumimoji="1" lang="en-US" altLang="ja-JP" dirty="0" smtClean="0"/>
-                        <a:t>5</a:t>
+                        <a:t>26</a:t>
                       </a:r>
                       <a:endParaRPr kumimoji="1" lang="ja-JP" altLang="en-US" dirty="0"/>
                     </a:p>
@@ -8152,7 +10500,7 @@
                     <a:p>
                       <a:r>
                         <a:rPr kumimoji="1" lang="en-US" altLang="ja-JP" dirty="0" smtClean="0"/>
-                        <a:t>6</a:t>
+                        <a:t>27</a:t>
                       </a:r>
                     </a:p>
                   </a:txBody>
@@ -8173,6 +10521,10 @@
                     <a:bodyPr/>
                     <a:lstStyle/>
                     <a:p>
+                      <a:r>
+                        <a:rPr kumimoji="1" lang="en-US" altLang="ja-JP" dirty="0" smtClean="0"/>
+                        <a:t>28</a:t>
+                      </a:r>
                       <a:endParaRPr kumimoji="1" lang="ja-JP" altLang="en-US" dirty="0"/>
                     </a:p>
                   </a:txBody>
@@ -8193,6 +10545,10 @@
                     <a:bodyPr/>
                     <a:lstStyle/>
                     <a:p>
+                      <a:r>
+                        <a:rPr kumimoji="1" lang="en-US" altLang="ja-JP" dirty="0" smtClean="0"/>
+                        <a:t>29</a:t>
+                      </a:r>
                       <a:endParaRPr kumimoji="1" lang="ja-JP" altLang="en-US" dirty="0"/>
                     </a:p>
                   </a:txBody>
@@ -8213,6 +10569,10 @@
                     <a:bodyPr/>
                     <a:lstStyle/>
                     <a:p>
+                      <a:r>
+                        <a:rPr kumimoji="1" lang="en-US" altLang="ja-JP" dirty="0" smtClean="0"/>
+                        <a:t>30</a:t>
+                      </a:r>
                       <a:endParaRPr kumimoji="1" lang="ja-JP" altLang="en-US" dirty="0"/>
                     </a:p>
                   </a:txBody>
@@ -8233,6 +10593,10 @@
                     <a:bodyPr/>
                     <a:lstStyle/>
                     <a:p>
+                      <a:r>
+                        <a:rPr kumimoji="1" lang="en-US" altLang="ja-JP" dirty="0" smtClean="0"/>
+                        <a:t>7/1</a:t>
+                      </a:r>
                       <a:endParaRPr kumimoji="1" lang="ja-JP" altLang="en-US" dirty="0"/>
                     </a:p>
                   </a:txBody>
@@ -8329,14 +10693,255 @@
       </p:graphicFrame>
       <p:sp>
         <p:nvSpPr>
-          <p:cNvPr id="5" name="正方形/長方形 4"/>
+          <p:cNvPr id="8" name="正方形/長方形 7"/>
           <p:cNvSpPr/>
           <p:nvPr/>
         </p:nvSpPr>
         <p:spPr>
           <a:xfrm>
-            <a:off x="4368676" y="1844824"/>
-            <a:ext cx="624548" cy="426575"/>
+            <a:off x="1814108" y="4678536"/>
+            <a:ext cx="1106424" cy="1029714"/>
+          </a:xfrm>
+          <a:prstGeom prst="rect">
+            <a:avLst/>
+          </a:prstGeom>
+          <a:noFill/>
+          <a:ln w="57150">
+            <a:solidFill>
+              <a:srgbClr val="FF0000"/>
+            </a:solidFill>
+          </a:ln>
+        </p:spPr>
+        <p:style>
+          <a:lnRef idx="2">
+            <a:schemeClr val="accent1">
+              <a:shade val="50000"/>
+            </a:schemeClr>
+          </a:lnRef>
+          <a:fillRef idx="1">
+            <a:schemeClr val="accent1"/>
+          </a:fillRef>
+          <a:effectRef idx="0">
+            <a:schemeClr val="accent1"/>
+          </a:effectRef>
+          <a:fontRef idx="minor">
+            <a:schemeClr val="lt1"/>
+          </a:fontRef>
+        </p:style>
+        <p:txBody>
+          <a:bodyPr rtlCol="0" anchor="ctr"/>
+          <a:lstStyle/>
+          <a:p>
+            <a:pPr algn="ctr"/>
+            <a:endParaRPr kumimoji="1" lang="ja-JP" altLang="en-US"/>
+          </a:p>
+        </p:txBody>
+      </p:sp>
+      <p:sp>
+        <p:nvSpPr>
+          <p:cNvPr id="6" name="左右矢印 5"/>
+          <p:cNvSpPr/>
+          <p:nvPr/>
+        </p:nvSpPr>
+        <p:spPr>
+          <a:xfrm>
+            <a:off x="1885332" y="5025210"/>
+            <a:ext cx="3237332" cy="586405"/>
+          </a:xfrm>
+          <a:prstGeom prst="leftRightArrow">
+            <a:avLst>
+              <a:gd name="adj1" fmla="val 70964"/>
+              <a:gd name="adj2" fmla="val 50000"/>
+            </a:avLst>
+          </a:prstGeom>
+        </p:spPr>
+        <p:style>
+          <a:lnRef idx="0">
+            <a:schemeClr val="accent2"/>
+          </a:lnRef>
+          <a:fillRef idx="3">
+            <a:schemeClr val="accent2"/>
+          </a:fillRef>
+          <a:effectRef idx="3">
+            <a:schemeClr val="accent2"/>
+          </a:effectRef>
+          <a:fontRef idx="minor">
+            <a:schemeClr val="lt1"/>
+          </a:fontRef>
+        </p:style>
+        <p:txBody>
+          <a:bodyPr rtlCol="0" anchor="ctr"/>
+          <a:lstStyle/>
+          <a:p>
+            <a:pPr algn="ctr"/>
+            <a:r>
+              <a:rPr kumimoji="1" lang="ja-JP" altLang="en-US" b="1" spc="50" dirty="0" smtClean="0">
+                <a:ln w="13500">
+                  <a:solidFill>
+                    <a:schemeClr val="accent1">
+                      <a:shade val="2500"/>
+                      <a:alpha val="6500"/>
+                    </a:schemeClr>
+                  </a:solidFill>
+                  <a:prstDash val="solid"/>
+                </a:ln>
+                <a:solidFill>
+                  <a:schemeClr val="accent1">
+                    <a:tint val="3000"/>
+                    <a:alpha val="95000"/>
+                  </a:schemeClr>
+                </a:solidFill>
+                <a:effectLst>
+                  <a:innerShdw blurRad="50900" dist="38500" dir="13500000">
+                    <a:srgbClr val="000000">
+                      <a:alpha val="60000"/>
+                    </a:srgbClr>
+                  </a:innerShdw>
+                </a:effectLst>
+              </a:rPr>
+              <a:t>最終</a:t>
+            </a:r>
+            <a:r>
+              <a:rPr lang="ja-JP" altLang="en-US" b="1" spc="50" dirty="0">
+                <a:ln w="13500">
+                  <a:solidFill>
+                    <a:schemeClr val="accent1">
+                      <a:shade val="2500"/>
+                      <a:alpha val="6500"/>
+                    </a:schemeClr>
+                  </a:solidFill>
+                  <a:prstDash val="solid"/>
+                </a:ln>
+                <a:solidFill>
+                  <a:schemeClr val="accent1">
+                    <a:tint val="3000"/>
+                    <a:alpha val="95000"/>
+                  </a:schemeClr>
+                </a:solidFill>
+                <a:effectLst>
+                  <a:innerShdw blurRad="50900" dist="38500" dir="13500000">
+                    <a:srgbClr val="000000">
+                      <a:alpha val="60000"/>
+                    </a:srgbClr>
+                  </a:innerShdw>
+                </a:effectLst>
+              </a:rPr>
+              <a:t>報告会</a:t>
+            </a:r>
+            <a:endParaRPr kumimoji="1" lang="ja-JP" altLang="en-US" b="1" spc="50" dirty="0">
+              <a:ln w="13500">
+                <a:solidFill>
+                  <a:schemeClr val="accent1">
+                    <a:shade val="2500"/>
+                    <a:alpha val="6500"/>
+                  </a:schemeClr>
+                </a:solidFill>
+                <a:prstDash val="solid"/>
+              </a:ln>
+              <a:solidFill>
+                <a:schemeClr val="accent1">
+                  <a:tint val="3000"/>
+                  <a:alpha val="95000"/>
+                </a:schemeClr>
+              </a:solidFill>
+              <a:effectLst>
+                <a:innerShdw blurRad="50900" dist="38500" dir="13500000">
+                  <a:srgbClr val="000000">
+                    <a:alpha val="60000"/>
+                  </a:srgbClr>
+                </a:innerShdw>
+              </a:effectLst>
+            </a:endParaRPr>
+          </a:p>
+        </p:txBody>
+      </p:sp>
+      <p:sp>
+        <p:nvSpPr>
+          <p:cNvPr id="9" name="テキスト ボックス 8"/>
+          <p:cNvSpPr txBox="1"/>
+          <p:nvPr/>
+        </p:nvSpPr>
+        <p:spPr>
+          <a:xfrm>
+            <a:off x="1457537" y="6020504"/>
+            <a:ext cx="1818319" cy="369332"/>
+          </a:xfrm>
+          <a:prstGeom prst="rect">
+            <a:avLst/>
+          </a:prstGeom>
+          <a:noFill/>
+        </p:spPr>
+        <p:txBody>
+          <a:bodyPr wrap="none" rtlCol="0">
+            <a:spAutoFit/>
+          </a:bodyPr>
+          <a:lstStyle/>
+          <a:p>
+            <a:r>
+              <a:rPr kumimoji="1" lang="ja-JP" altLang="en-US" b="1" dirty="0" smtClean="0">
+                <a:solidFill>
+                  <a:srgbClr val="FF0000"/>
+                </a:solidFill>
+              </a:rPr>
+              <a:t>キャッツ発表日</a:t>
+            </a:r>
+            <a:endParaRPr kumimoji="1" lang="ja-JP" altLang="en-US" b="1" dirty="0">
+              <a:solidFill>
+                <a:srgbClr val="FF0000"/>
+              </a:solidFill>
+            </a:endParaRPr>
+          </a:p>
+        </p:txBody>
+      </p:sp>
+      <p:cxnSp>
+        <p:nvCxnSpPr>
+          <p:cNvPr id="11" name="直線矢印コネクタ 10"/>
+          <p:cNvCxnSpPr>
+            <a:stCxn id="9" idx="0"/>
+            <a:endCxn id="8" idx="2"/>
+          </p:cNvCxnSpPr>
+          <p:nvPr/>
+        </p:nvCxnSpPr>
+        <p:spPr>
+          <a:xfrm flipV="1">
+            <a:off x="2366697" y="5708250"/>
+            <a:ext cx="623" cy="312254"/>
+          </a:xfrm>
+          <a:prstGeom prst="straightConnector1">
+            <a:avLst/>
+          </a:prstGeom>
+          <a:ln w="38100">
+            <a:solidFill>
+              <a:srgbClr val="FF0000"/>
+            </a:solidFill>
+            <a:tailEnd type="arrow"/>
+          </a:ln>
+        </p:spPr>
+        <p:style>
+          <a:lnRef idx="1">
+            <a:schemeClr val="accent1"/>
+          </a:lnRef>
+          <a:fillRef idx="0">
+            <a:schemeClr val="accent1"/>
+          </a:fillRef>
+          <a:effectRef idx="0">
+            <a:schemeClr val="accent1"/>
+          </a:effectRef>
+          <a:fontRef idx="minor">
+            <a:schemeClr val="tx1"/>
+          </a:fontRef>
+        </p:style>
+      </p:cxnSp>
+      <p:sp>
+        <p:nvSpPr>
+          <p:cNvPr id="14" name="正方形/長方形 13"/>
+          <p:cNvSpPr/>
+          <p:nvPr/>
+        </p:nvSpPr>
+        <p:spPr>
+          <a:xfrm>
+            <a:off x="755576" y="1641500"/>
+            <a:ext cx="831273" cy="264869"/>
           </a:xfrm>
           <a:prstGeom prst="rect">
             <a:avLst/>
@@ -8362,14 +10967,14 @@
           <a:p>
             <a:pPr algn="ctr"/>
             <a:r>
-              <a:rPr kumimoji="1" lang="en-US" altLang="ja-JP" dirty="0" smtClean="0">
+              <a:rPr kumimoji="1" lang="ja-JP" altLang="en-US" sz="1200" dirty="0" smtClean="0">
                 <a:solidFill>
                   <a:schemeClr val="tx1"/>
                 </a:solidFill>
               </a:rPr>
-              <a:t>Now</a:t>
-            </a:r>
-            <a:endParaRPr kumimoji="1" lang="ja-JP" altLang="en-US" dirty="0">
+              <a:t>研修開始</a:t>
+            </a:r>
+            <a:endParaRPr kumimoji="1" lang="ja-JP" altLang="en-US" sz="1200" dirty="0">
               <a:solidFill>
                 <a:schemeClr val="tx1"/>
               </a:solidFill>
@@ -8379,36 +10984,83 @@
       </p:sp>
       <p:sp>
         <p:nvSpPr>
-          <p:cNvPr id="6" name="左右矢印 5"/>
+          <p:cNvPr id="15" name="左右矢印 14"/>
           <p:cNvSpPr/>
           <p:nvPr/>
         </p:nvSpPr>
         <p:spPr>
           <a:xfrm>
-            <a:off x="2928924" y="3548785"/>
-            <a:ext cx="1958625" cy="533095"/>
+            <a:off x="714423" y="1942958"/>
+            <a:ext cx="2175267" cy="400523"/>
           </a:xfrm>
           <a:prstGeom prst="leftRightArrow">
             <a:avLst>
               <a:gd name="adj1" fmla="val 70964"/>
-              <a:gd name="adj2" fmla="val 50000"/>
+              <a:gd name="adj2" fmla="val 30312"/>
             </a:avLst>
           </a:prstGeom>
         </p:spPr>
         <p:style>
-          <a:lnRef idx="2">
-            <a:schemeClr val="accent6">
-              <a:shade val="50000"/>
-            </a:schemeClr>
+          <a:lnRef idx="1">
+            <a:schemeClr val="accent3"/>
           </a:lnRef>
-          <a:fillRef idx="1">
+          <a:fillRef idx="2">
+            <a:schemeClr val="accent3"/>
+          </a:fillRef>
+          <a:effectRef idx="1">
+            <a:schemeClr val="accent3"/>
+          </a:effectRef>
+          <a:fontRef idx="minor">
+            <a:schemeClr val="dk1"/>
+          </a:fontRef>
+        </p:style>
+        <p:txBody>
+          <a:bodyPr rtlCol="0" anchor="ctr"/>
+          <a:lstStyle/>
+          <a:p>
+            <a:pPr algn="ctr"/>
+            <a:r>
+              <a:rPr lang="en-US" altLang="ja-JP" sz="1400" dirty="0" smtClean="0"/>
+              <a:t>Sirius</a:t>
+            </a:r>
+            <a:r>
+              <a:rPr lang="ja-JP" altLang="en-US" sz="1400" dirty="0" smtClean="0"/>
+              <a:t>チュートリアル</a:t>
+            </a:r>
+            <a:endParaRPr lang="en-US" altLang="ja-JP" sz="1400" dirty="0" smtClean="0"/>
+          </a:p>
+        </p:txBody>
+      </p:sp>
+      <p:sp>
+        <p:nvSpPr>
+          <p:cNvPr id="20" name="左右矢印 19"/>
+          <p:cNvSpPr/>
+          <p:nvPr/>
+        </p:nvSpPr>
+        <p:spPr>
+          <a:xfrm>
+            <a:off x="2987333" y="2896488"/>
+            <a:ext cx="3267865" cy="364112"/>
+          </a:xfrm>
+          <a:prstGeom prst="leftRightArrow">
+            <a:avLst>
+              <a:gd name="adj1" fmla="val 70964"/>
+              <a:gd name="adj2" fmla="val 45962"/>
+            </a:avLst>
+          </a:prstGeom>
+        </p:spPr>
+        <p:style>
+          <a:lnRef idx="1">
+            <a:schemeClr val="accent6"/>
+          </a:lnRef>
+          <a:fillRef idx="2">
             <a:schemeClr val="accent6"/>
           </a:fillRef>
-          <a:effectRef idx="0">
+          <a:effectRef idx="1">
             <a:schemeClr val="accent6"/>
           </a:effectRef>
           <a:fontRef idx="minor">
-            <a:schemeClr val="lt1"/>
+            <a:schemeClr val="dk1"/>
           </a:fontRef>
         </p:style>
         <p:txBody>
@@ -8417,22 +11069,67 @@
           <a:p>
             <a:pPr algn="ctr"/>
             <a:r>
-              <a:rPr kumimoji="1" lang="ja-JP" altLang="en-US" dirty="0" smtClean="0">
+              <a:rPr lang="ja-JP" altLang="en-US" sz="1400" dirty="0">
                 <a:solidFill>
                   <a:schemeClr val="tx1"/>
                 </a:solidFill>
               </a:rPr>
-              <a:t>最終</a:t>
-            </a:r>
-            <a:r>
-              <a:rPr kumimoji="1" lang="en-US" altLang="ja-JP" dirty="0" smtClean="0">
+              <a:t>実装</a:t>
+            </a:r>
+            <a:endParaRPr kumimoji="1" lang="en-US" altLang="ja-JP" sz="1400" dirty="0" smtClean="0">
+              <a:solidFill>
+                <a:schemeClr val="tx1"/>
+              </a:solidFill>
+            </a:endParaRPr>
+          </a:p>
+        </p:txBody>
+      </p:sp>
+      <p:sp>
+        <p:nvSpPr>
+          <p:cNvPr id="21" name="左右矢印 20"/>
+          <p:cNvSpPr/>
+          <p:nvPr/>
+        </p:nvSpPr>
+        <p:spPr>
+          <a:xfrm>
+            <a:off x="714423" y="3886448"/>
+            <a:ext cx="1049265" cy="364112"/>
+          </a:xfrm>
+          <a:prstGeom prst="leftRightArrow">
+            <a:avLst>
+              <a:gd name="adj1" fmla="val 70964"/>
+              <a:gd name="adj2" fmla="val 45962"/>
+            </a:avLst>
+          </a:prstGeom>
+        </p:spPr>
+        <p:style>
+          <a:lnRef idx="1">
+            <a:schemeClr val="accent6"/>
+          </a:lnRef>
+          <a:fillRef idx="2">
+            <a:schemeClr val="accent6"/>
+          </a:fillRef>
+          <a:effectRef idx="1">
+            <a:schemeClr val="accent6"/>
+          </a:effectRef>
+          <a:fontRef idx="minor">
+            <a:schemeClr val="dk1"/>
+          </a:fontRef>
+        </p:style>
+        <p:txBody>
+          <a:bodyPr rtlCol="0" anchor="ctr"/>
+          <a:lstStyle/>
+          <a:p>
+            <a:pPr algn="ctr"/>
+            <a:r>
+              <a:rPr lang="ja-JP" altLang="en-US" sz="1400" dirty="0">
                 <a:solidFill>
                   <a:schemeClr val="tx1"/>
                 </a:solidFill>
               </a:rPr>
-              <a:t>Meeting</a:t>
-            </a:r>
-            <a:endParaRPr kumimoji="1" lang="ja-JP" altLang="en-US" dirty="0">
+              <a:t>実装</a:t>
+            </a:r>
+            <a:endParaRPr kumimoji="1" lang="en-US" altLang="ja-JP" sz="1400" dirty="0" smtClean="0">
               <a:solidFill>
                 <a:schemeClr val="tx1"/>
               </a:solidFill>
@@ -8442,17 +11139,73 @@
       </p:sp>
       <p:sp>
         <p:nvSpPr>
-          <p:cNvPr id="7" name="正方形/長方形 6"/>
+          <p:cNvPr id="22" name="左右矢印 21"/>
           <p:cNvSpPr/>
           <p:nvPr/>
         </p:nvSpPr>
         <p:spPr>
           <a:xfrm>
-            <a:off x="1395944" y="4462512"/>
-            <a:ext cx="624548" cy="516156"/>
+            <a:off x="1823504" y="3887754"/>
+            <a:ext cx="2211142" cy="364112"/>
           </a:xfrm>
-          <a:prstGeom prst="rect">
-            <a:avLst/>
+          <a:prstGeom prst="leftRightArrow">
+            <a:avLst>
+              <a:gd name="adj1" fmla="val 70964"/>
+              <a:gd name="adj2" fmla="val 45962"/>
+            </a:avLst>
+          </a:prstGeom>
+        </p:spPr>
+        <p:style>
+          <a:lnRef idx="1">
+            <a:schemeClr val="accent6"/>
+          </a:lnRef>
+          <a:fillRef idx="2">
+            <a:schemeClr val="accent6"/>
+          </a:fillRef>
+          <a:effectRef idx="1">
+            <a:schemeClr val="accent6"/>
+          </a:effectRef>
+          <a:fontRef idx="minor">
+            <a:schemeClr val="dk1"/>
+          </a:fontRef>
+        </p:style>
+        <p:txBody>
+          <a:bodyPr rtlCol="0" anchor="ctr"/>
+          <a:lstStyle/>
+          <a:p>
+            <a:pPr algn="ctr"/>
+            <a:r>
+              <a:rPr lang="ja-JP" altLang="en-US" sz="1400" dirty="0">
+                <a:solidFill>
+                  <a:schemeClr val="tx1"/>
+                </a:solidFill>
+              </a:rPr>
+              <a:t>テスト</a:t>
+            </a:r>
+            <a:endParaRPr kumimoji="1" lang="en-US" altLang="ja-JP" sz="1400" dirty="0" smtClean="0">
+              <a:solidFill>
+                <a:schemeClr val="tx1"/>
+              </a:solidFill>
+            </a:endParaRPr>
+          </a:p>
+        </p:txBody>
+      </p:sp>
+      <p:sp>
+        <p:nvSpPr>
+          <p:cNvPr id="24" name="左右矢印 23"/>
+          <p:cNvSpPr/>
+          <p:nvPr/>
+        </p:nvSpPr>
+        <p:spPr>
+          <a:xfrm>
+            <a:off x="4092592" y="3858738"/>
+            <a:ext cx="2154490" cy="400523"/>
+          </a:xfrm>
+          <a:prstGeom prst="leftRightArrow">
+            <a:avLst>
+              <a:gd name="adj1" fmla="val 70964"/>
+              <a:gd name="adj2" fmla="val 36433"/>
+            </a:avLst>
           </a:prstGeom>
         </p:spPr>
         <p:style>
@@ -8475,22 +11228,22 @@
           <a:p>
             <a:pPr algn="ctr"/>
             <a:r>
-              <a:rPr lang="ja-JP" altLang="en-US" sz="1600" dirty="0" smtClean="0">
+              <a:rPr lang="ja-JP" altLang="en-US" sz="1400" dirty="0" smtClean="0">
                 <a:solidFill>
                   <a:schemeClr val="tx1"/>
                 </a:solidFill>
               </a:rPr>
-              <a:t>研修</a:t>
-            </a:r>
-            <a:r>
-              <a:rPr lang="ja-JP" altLang="en-US" sz="1600" dirty="0">
+              <a:t>発表資料</a:t>
+            </a:r>
+            <a:r>
+              <a:rPr lang="ja-JP" altLang="en-US" sz="1400" dirty="0">
                 <a:solidFill>
                   <a:schemeClr val="tx1"/>
                 </a:solidFill>
               </a:rPr>
-              <a:t>開始</a:t>
-            </a:r>
-            <a:endParaRPr kumimoji="1" lang="ja-JP" altLang="en-US" sz="1600" dirty="0">
+              <a:t>作成</a:t>
+            </a:r>
+            <a:endParaRPr lang="en-US" altLang="ja-JP" sz="1400" dirty="0" smtClean="0">
               <a:solidFill>
                 <a:schemeClr val="tx1"/>
               </a:solidFill>
@@ -8500,107 +11253,233 @@
       </p:sp>
       <p:sp>
         <p:nvSpPr>
-          <p:cNvPr id="8" name="テキスト ボックス 7"/>
-          <p:cNvSpPr txBox="1"/>
+          <p:cNvPr id="25" name="左右矢印 24"/>
+          <p:cNvSpPr/>
           <p:nvPr/>
         </p:nvSpPr>
         <p:spPr>
           <a:xfrm>
-            <a:off x="388875" y="5445224"/>
-            <a:ext cx="6297878" cy="1107996"/>
+            <a:off x="658167" y="5000476"/>
+            <a:ext cx="1152127" cy="645047"/>
           </a:xfrm>
-          <a:prstGeom prst="rect">
-            <a:avLst/>
+          <a:prstGeom prst="leftRightArrow">
+            <a:avLst>
+              <a:gd name="adj1" fmla="val 70964"/>
+              <a:gd name="adj2" fmla="val 25604"/>
+            </a:avLst>
           </a:prstGeom>
-          <a:noFill/>
         </p:spPr>
-        <p:txBody>
-          <a:bodyPr wrap="none" rtlCol="0">
-            <a:spAutoFit/>
-          </a:bodyPr>
+        <p:style>
+          <a:lnRef idx="1">
+            <a:schemeClr val="dk1"/>
+          </a:lnRef>
+          <a:fillRef idx="2">
+            <a:schemeClr val="dk1"/>
+          </a:fillRef>
+          <a:effectRef idx="1">
+            <a:schemeClr val="dk1"/>
+          </a:effectRef>
+          <a:fontRef idx="minor">
+            <a:schemeClr val="dk1"/>
+          </a:fontRef>
+        </p:style>
+        <p:txBody>
+          <a:bodyPr rtlCol="0" anchor="ctr"/>
           <a:lstStyle/>
           <a:p>
-            <a:r>
-              <a:rPr kumimoji="1" lang="ja-JP" altLang="en-US" dirty="0" smtClean="0"/>
-              <a:t>次回ミーティングまでの齋藤タスク</a:t>
-            </a:r>
-            <a:endParaRPr kumimoji="1" lang="en-US" altLang="ja-JP" dirty="0" smtClean="0"/>
-          </a:p>
-          <a:p>
-            <a:pPr marL="285750" indent="-285750">
-              <a:buFont typeface="Arial" panose="020B0604020202020204" pitchFamily="34" charset="0"/>
-              <a:buChar char="•"/>
-            </a:pPr>
-            <a:r>
-              <a:rPr lang="ja-JP" altLang="en-US" sz="1600" dirty="0" smtClean="0"/>
-              <a:t>研修内容の詳細計画</a:t>
-            </a:r>
-            <a:endParaRPr lang="en-US" altLang="ja-JP" sz="1600" dirty="0" smtClean="0"/>
-          </a:p>
-          <a:p>
-            <a:pPr marL="285750" indent="-285750">
-              <a:buFont typeface="Arial" panose="020B0604020202020204" pitchFamily="34" charset="0"/>
-              <a:buChar char="•"/>
-            </a:pPr>
-            <a:r>
-              <a:rPr lang="ja-JP" altLang="en-US" sz="1600" dirty="0" smtClean="0"/>
-              <a:t>サンプルエディタ</a:t>
-            </a:r>
-            <a:r>
-              <a:rPr lang="ja-JP" altLang="en-US" sz="1600" dirty="0"/>
+            <a:pPr algn="ctr"/>
+            <a:r>
+              <a:rPr lang="ja-JP" altLang="en-US" sz="1400" dirty="0" smtClean="0">
+                <a:solidFill>
+                  <a:schemeClr val="tx1"/>
+                </a:solidFill>
+              </a:rPr>
+              <a:t>発表資料</a:t>
+            </a:r>
+            <a:r>
+              <a:rPr lang="ja-JP" altLang="en-US" sz="1400" dirty="0">
+                <a:solidFill>
+                  <a:schemeClr val="tx1"/>
+                </a:solidFill>
+              </a:rPr>
               <a:t>作成</a:t>
             </a:r>
-            <a:endParaRPr lang="en-US" altLang="ja-JP" sz="1600" dirty="0" smtClean="0"/>
-          </a:p>
-          <a:p>
-            <a:pPr marL="285750" indent="-285750">
-              <a:buFont typeface="Arial" panose="020B0604020202020204" pitchFamily="34" charset="0"/>
-              <a:buChar char="•"/>
-            </a:pPr>
-            <a:r>
-              <a:rPr lang="ja-JP" altLang="en-US" sz="1600" dirty="0" smtClean="0"/>
-              <a:t>新人</a:t>
-            </a:r>
-            <a:r>
-              <a:rPr lang="en-US" altLang="ja-JP" sz="1600" dirty="0" smtClean="0"/>
-              <a:t>Java</a:t>
-            </a:r>
-            <a:r>
-              <a:rPr lang="ja-JP" altLang="en-US" sz="1600" dirty="0" smtClean="0"/>
-              <a:t>研修</a:t>
-            </a:r>
-            <a:r>
-              <a:rPr lang="en-US" altLang="ja-JP" sz="1600" dirty="0" smtClean="0"/>
-              <a:t>(@MSE</a:t>
-            </a:r>
-            <a:r>
-              <a:rPr lang="en-US" altLang="ja-JP" sz="1600" dirty="0"/>
-              <a:t>)</a:t>
-            </a:r>
-            <a:r>
-              <a:rPr lang="ja-JP" altLang="en-US" sz="1600" dirty="0" smtClean="0"/>
-              <a:t>の</a:t>
-            </a:r>
-            <a:r>
-              <a:rPr lang="en-US" altLang="ja-JP" sz="1600" dirty="0" smtClean="0"/>
-              <a:t>Java</a:t>
-            </a:r>
-            <a:r>
-              <a:rPr lang="ja-JP" altLang="en-US" sz="1600" dirty="0" smtClean="0"/>
-              <a:t>開発環境を確認する → </a:t>
-            </a:r>
-            <a:r>
-              <a:rPr lang="en-US" altLang="ja-JP" sz="1600" dirty="0" smtClean="0"/>
-              <a:t>Java1.8?Eclipse?</a:t>
-            </a:r>
-            <a:endParaRPr kumimoji="1" lang="ja-JP" altLang="en-US" sz="1600" dirty="0"/>
+            <a:endParaRPr lang="en-US" altLang="ja-JP" sz="1400" dirty="0" smtClean="0">
+              <a:solidFill>
+                <a:schemeClr val="tx1"/>
+              </a:solidFill>
+            </a:endParaRPr>
+          </a:p>
+        </p:txBody>
+      </p:sp>
+      <p:sp>
+        <p:nvSpPr>
+          <p:cNvPr id="26" name="角丸四角形吹き出し 25"/>
+          <p:cNvSpPr/>
+          <p:nvPr/>
+        </p:nvSpPr>
+        <p:spPr>
+          <a:xfrm>
+            <a:off x="5724128" y="4949077"/>
+            <a:ext cx="1832248" cy="947164"/>
+          </a:xfrm>
+          <a:prstGeom prst="wedgeRoundRectCallout">
+            <a:avLst>
+              <a:gd name="adj1" fmla="val -49497"/>
+              <a:gd name="adj2" fmla="val -99430"/>
+              <a:gd name="adj3" fmla="val 16667"/>
+            </a:avLst>
+          </a:prstGeom>
+        </p:spPr>
+        <p:style>
+          <a:lnRef idx="1">
+            <a:schemeClr val="accent2"/>
+          </a:lnRef>
+          <a:fillRef idx="2">
+            <a:schemeClr val="accent2"/>
+          </a:fillRef>
+          <a:effectRef idx="1">
+            <a:schemeClr val="accent2"/>
+          </a:effectRef>
+          <a:fontRef idx="minor">
+            <a:schemeClr val="dk1"/>
+          </a:fontRef>
+        </p:style>
+        <p:txBody>
+          <a:bodyPr rtlCol="0" anchor="ctr"/>
+          <a:lstStyle/>
+          <a:p>
+            <a:pPr algn="ctr"/>
+            <a:r>
+              <a:rPr lang="ja-JP" altLang="en-US" dirty="0" smtClean="0"/>
+              <a:t>研修の振り返り</a:t>
+            </a:r>
+            <a:endParaRPr lang="en-US" altLang="ja-JP" dirty="0" smtClean="0"/>
+          </a:p>
+          <a:p>
+            <a:pPr algn="ctr"/>
+            <a:r>
+              <a:rPr lang="ja-JP" altLang="en-US" dirty="0" smtClean="0"/>
+              <a:t>発表練習</a:t>
+            </a:r>
+            <a:endParaRPr lang="en-US" altLang="ja-JP" dirty="0" smtClean="0"/>
+          </a:p>
+        </p:txBody>
+      </p:sp>
+      <p:sp>
+        <p:nvSpPr>
+          <p:cNvPr id="17" name="左右矢印 16"/>
+          <p:cNvSpPr/>
+          <p:nvPr/>
+        </p:nvSpPr>
+        <p:spPr>
+          <a:xfrm>
+            <a:off x="2967555" y="1956021"/>
+            <a:ext cx="3302157" cy="364112"/>
+          </a:xfrm>
+          <a:prstGeom prst="leftRightArrow">
+            <a:avLst>
+              <a:gd name="adj1" fmla="val 70964"/>
+              <a:gd name="adj2" fmla="val 30312"/>
+            </a:avLst>
+          </a:prstGeom>
+        </p:spPr>
+        <p:style>
+          <a:lnRef idx="1">
+            <a:schemeClr val="accent6"/>
+          </a:lnRef>
+          <a:fillRef idx="2">
+            <a:schemeClr val="accent6"/>
+          </a:fillRef>
+          <a:effectRef idx="1">
+            <a:schemeClr val="accent6"/>
+          </a:effectRef>
+          <a:fontRef idx="minor">
+            <a:schemeClr val="dk1"/>
+          </a:fontRef>
+        </p:style>
+        <p:txBody>
+          <a:bodyPr rtlCol="0" anchor="ctr"/>
+          <a:lstStyle/>
+          <a:p>
+            <a:pPr algn="ctr"/>
+            <a:r>
+              <a:rPr lang="ja-JP" altLang="en-US" sz="1400" dirty="0" smtClean="0"/>
+              <a:t>要件確認・設計・調査資料</a:t>
+            </a:r>
+            <a:r>
+              <a:rPr lang="ja-JP" altLang="en-US" sz="1400" dirty="0"/>
+              <a:t>作成</a:t>
+            </a:r>
+            <a:endParaRPr lang="en-US" altLang="ja-JP" sz="1400" dirty="0" smtClean="0"/>
+          </a:p>
+        </p:txBody>
+      </p:sp>
+      <p:sp>
+        <p:nvSpPr>
+          <p:cNvPr id="23" name="左右矢印 22"/>
+          <p:cNvSpPr/>
+          <p:nvPr/>
+        </p:nvSpPr>
+        <p:spPr>
+          <a:xfrm>
+            <a:off x="714423" y="2716953"/>
+            <a:ext cx="2188330" cy="709552"/>
+          </a:xfrm>
+          <a:prstGeom prst="leftRightArrow">
+            <a:avLst>
+              <a:gd name="adj1" fmla="val 70964"/>
+              <a:gd name="adj2" fmla="val 30312"/>
+            </a:avLst>
+          </a:prstGeom>
+        </p:spPr>
+        <p:style>
+          <a:lnRef idx="1">
+            <a:schemeClr val="accent6"/>
+          </a:lnRef>
+          <a:fillRef idx="2">
+            <a:schemeClr val="accent6"/>
+          </a:fillRef>
+          <a:effectRef idx="1">
+            <a:schemeClr val="accent6"/>
+          </a:effectRef>
+          <a:fontRef idx="minor">
+            <a:schemeClr val="dk1"/>
+          </a:fontRef>
+        </p:style>
+        <p:txBody>
+          <a:bodyPr rtlCol="0" anchor="ctr"/>
+          <a:lstStyle/>
+          <a:p>
+            <a:pPr algn="ctr"/>
+            <a:r>
+              <a:rPr lang="ja-JP" altLang="en-US" sz="1400" dirty="0" smtClean="0"/>
+              <a:t>要件確認・設計</a:t>
+            </a:r>
+            <a:endParaRPr lang="en-US" altLang="ja-JP" sz="1400" dirty="0" smtClean="0"/>
+          </a:p>
+          <a:p>
+            <a:pPr algn="ctr"/>
+            <a:r>
+              <a:rPr lang="ja-JP" altLang="en-US" sz="1400" dirty="0" smtClean="0"/>
+              <a:t>・</a:t>
+            </a:r>
+            <a:r>
+              <a:rPr lang="ja-JP" altLang="en-US" sz="1400" dirty="0"/>
+              <a:t>調査資料</a:t>
+            </a:r>
+            <a:r>
+              <a:rPr lang="ja-JP" altLang="en-US" sz="1400" dirty="0" smtClean="0"/>
+              <a:t>作成</a:t>
+            </a:r>
+            <a:endParaRPr lang="en-US" altLang="ja-JP" sz="1400" dirty="0"/>
           </a:p>
         </p:txBody>
       </p:sp>
     </p:spTree>
     <p:extLst>
       <p:ext uri="{BB962C8B-B14F-4D97-AF65-F5344CB8AC3E}">
-        <p14:creationId xmlns:p14="http://schemas.microsoft.com/office/powerpoint/2010/main" val="3197206624"/>
+        <p14:creationId xmlns:p14="http://schemas.microsoft.com/office/powerpoint/2010/main" val="1010152334"/>
       </p:ext>
     </p:extLst>
   </p:cSld>
@@ -8614,231 +11493,6 @@
       </p:par>
     </p:tnLst>
   </p:timing>
-</p:sld>
-</file>
-
-<file path=ppt/slides/slide8.xml><?xml version="1.0" encoding="utf-8"?>
-<p:sld xmlns:a="http://schemas.openxmlformats.org/drawingml/2006/main" xmlns:r="http://schemas.openxmlformats.org/officeDocument/2006/relationships" xmlns:p="http://schemas.openxmlformats.org/presentationml/2006/main">
-  <p:cSld>
-    <p:spTree>
-      <p:nvGrpSpPr>
-        <p:cNvPr id="1" name=""/>
-        <p:cNvGrpSpPr/>
-        <p:nvPr/>
-      </p:nvGrpSpPr>
-      <p:grpSpPr>
-        <a:xfrm>
-          <a:off x="0" y="0"/>
-          <a:ext cx="0" cy="0"/>
-          <a:chOff x="0" y="0"/>
-          <a:chExt cx="0" cy="0"/>
-        </a:xfrm>
-      </p:grpSpPr>
-      <p:sp>
-        <p:nvSpPr>
-          <p:cNvPr id="2" name="タイトル 1"/>
-          <p:cNvSpPr>
-            <a:spLocks noGrp="1"/>
-          </p:cNvSpPr>
-          <p:nvPr>
-            <p:ph type="title"/>
-          </p:nvPr>
-        </p:nvSpPr>
-        <p:spPr/>
-        <p:txBody>
-          <a:bodyPr/>
-          <a:lstStyle/>
-          <a:p>
-            <a:r>
-              <a:rPr kumimoji="1" lang="en-US" altLang="ja-JP" dirty="0" smtClean="0"/>
-              <a:t>Java</a:t>
-            </a:r>
-            <a:r>
-              <a:rPr kumimoji="1" lang="ja-JP" altLang="en-US" dirty="0" smtClean="0"/>
-              <a:t>研修</a:t>
-            </a:r>
-            <a:r>
-              <a:rPr kumimoji="1" lang="en-US" altLang="ja-JP" dirty="0" smtClean="0"/>
-              <a:t>@MSE</a:t>
-            </a:r>
-            <a:endParaRPr kumimoji="1" lang="ja-JP" altLang="en-US" dirty="0"/>
-          </a:p>
-        </p:txBody>
-      </p:sp>
-      <p:sp>
-        <p:nvSpPr>
-          <p:cNvPr id="3" name="コンテンツ プレースホルダー 2"/>
-          <p:cNvSpPr>
-            <a:spLocks noGrp="1"/>
-          </p:cNvSpPr>
-          <p:nvPr>
-            <p:ph idx="1"/>
-          </p:nvPr>
-        </p:nvSpPr>
-        <p:spPr/>
-        <p:txBody>
-          <a:bodyPr/>
-          <a:lstStyle/>
-          <a:p>
-            <a:r>
-              <a:rPr kumimoji="1" lang="en-US" altLang="ja-JP" dirty="0" err="1" smtClean="0"/>
-              <a:t>Java,Web</a:t>
-            </a:r>
-            <a:r>
-              <a:rPr kumimoji="1" lang="ja-JP" altLang="en-US" dirty="0" smtClean="0"/>
-              <a:t>アプリ基礎</a:t>
-            </a:r>
-            <a:endParaRPr kumimoji="1" lang="en-US" altLang="ja-JP" dirty="0" smtClean="0"/>
-          </a:p>
-          <a:p>
-            <a:r>
-              <a:rPr lang="ja-JP" altLang="en-US" dirty="0" smtClean="0"/>
-              <a:t>開発演習</a:t>
-            </a:r>
-            <a:endParaRPr lang="en-US" altLang="ja-JP" dirty="0" smtClean="0"/>
-          </a:p>
-          <a:p>
-            <a:pPr lvl="1"/>
-            <a:r>
-              <a:rPr lang="ja-JP" altLang="en-US" dirty="0"/>
-              <a:t>開発環境</a:t>
-            </a:r>
-            <a:endParaRPr lang="en-US" altLang="ja-JP" dirty="0"/>
-          </a:p>
-          <a:p>
-            <a:pPr lvl="2"/>
-            <a:r>
-              <a:rPr lang="en-US" altLang="ja-JP" dirty="0"/>
-              <a:t>Java 1.7</a:t>
-            </a:r>
-          </a:p>
-          <a:p>
-            <a:pPr lvl="2"/>
-            <a:r>
-              <a:rPr lang="en-US" altLang="ja-JP" dirty="0"/>
-              <a:t>Eclipse</a:t>
-            </a:r>
-          </a:p>
-          <a:p>
-            <a:pPr lvl="1"/>
-            <a:r>
-              <a:rPr lang="ja-JP" altLang="en-US" dirty="0" smtClean="0"/>
-              <a:t>内容</a:t>
-            </a:r>
-            <a:endParaRPr lang="en-US" altLang="ja-JP" dirty="0" smtClean="0"/>
-          </a:p>
-          <a:p>
-            <a:pPr lvl="2"/>
-            <a:r>
-              <a:rPr lang="ja-JP" altLang="en-US" dirty="0" smtClean="0"/>
-              <a:t>商品購入</a:t>
-            </a:r>
-            <a:r>
-              <a:rPr lang="en-US" altLang="ja-JP" dirty="0" smtClean="0"/>
-              <a:t>Web</a:t>
-            </a:r>
-            <a:r>
-              <a:rPr lang="ja-JP" altLang="en-US" dirty="0" smtClean="0"/>
-              <a:t>アプリ作成（</a:t>
-            </a:r>
-            <a:r>
-              <a:rPr lang="en-US" altLang="ja-JP" dirty="0" smtClean="0"/>
-              <a:t>Amazon</a:t>
-            </a:r>
-            <a:r>
-              <a:rPr lang="ja-JP" altLang="en-US" dirty="0" smtClean="0"/>
-              <a:t>風）</a:t>
-            </a:r>
-            <a:endParaRPr lang="en-US" altLang="ja-JP" dirty="0" smtClean="0"/>
-          </a:p>
-          <a:p>
-            <a:pPr lvl="3"/>
-            <a:r>
-              <a:rPr kumimoji="1" lang="en-US" altLang="ja-JP" dirty="0"/>
-              <a:t>HTML</a:t>
-            </a:r>
-            <a:endParaRPr kumimoji="1" lang="ja-JP" altLang="en-US" dirty="0"/>
-          </a:p>
-        </p:txBody>
-      </p:sp>
-    </p:spTree>
-    <p:extLst>
-      <p:ext uri="{BB962C8B-B14F-4D97-AF65-F5344CB8AC3E}">
-        <p14:creationId xmlns:p14="http://schemas.microsoft.com/office/powerpoint/2010/main" val="3092202891"/>
-      </p:ext>
-    </p:extLst>
-  </p:cSld>
-  <p:clrMapOvr>
-    <a:masterClrMapping/>
-  </p:clrMapOvr>
-</p:sld>
-</file>
-
-<file path=ppt/slides/slide9.xml><?xml version="1.0" encoding="utf-8"?>
-<p:sld xmlns:a="http://schemas.openxmlformats.org/drawingml/2006/main" xmlns:r="http://schemas.openxmlformats.org/officeDocument/2006/relationships" xmlns:p="http://schemas.openxmlformats.org/presentationml/2006/main">
-  <p:cSld>
-    <p:spTree>
-      <p:nvGrpSpPr>
-        <p:cNvPr id="1" name=""/>
-        <p:cNvGrpSpPr/>
-        <p:nvPr/>
-      </p:nvGrpSpPr>
-      <p:grpSpPr>
-        <a:xfrm>
-          <a:off x="0" y="0"/>
-          <a:ext cx="0" cy="0"/>
-          <a:chOff x="0" y="0"/>
-          <a:chExt cx="0" cy="0"/>
-        </a:xfrm>
-      </p:grpSpPr>
-      <p:sp>
-        <p:nvSpPr>
-          <p:cNvPr id="2" name="タイトル 1"/>
-          <p:cNvSpPr>
-            <a:spLocks noGrp="1"/>
-          </p:cNvSpPr>
-          <p:nvPr>
-            <p:ph type="title"/>
-          </p:nvPr>
-        </p:nvSpPr>
-        <p:spPr/>
-        <p:txBody>
-          <a:bodyPr/>
-          <a:lstStyle/>
-          <a:p>
-            <a:endParaRPr kumimoji="1" lang="ja-JP" altLang="en-US"/>
-          </a:p>
-        </p:txBody>
-      </p:sp>
-      <p:sp>
-        <p:nvSpPr>
-          <p:cNvPr id="3" name="コンテンツ プレースホルダー 2"/>
-          <p:cNvSpPr>
-            <a:spLocks noGrp="1"/>
-          </p:cNvSpPr>
-          <p:nvPr>
-            <p:ph idx="1"/>
-          </p:nvPr>
-        </p:nvSpPr>
-        <p:spPr/>
-        <p:txBody>
-          <a:bodyPr/>
-          <a:lstStyle/>
-          <a:p>
-            <a:endParaRPr kumimoji="1" lang="ja-JP" altLang="en-US"/>
-          </a:p>
-        </p:txBody>
-      </p:sp>
-    </p:spTree>
-    <p:extLst>
-      <p:ext uri="{BB962C8B-B14F-4D97-AF65-F5344CB8AC3E}">
-        <p14:creationId xmlns:p14="http://schemas.microsoft.com/office/powerpoint/2010/main" val="1444832293"/>
-      </p:ext>
-    </p:extLst>
-  </p:cSld>
-  <p:clrMapOvr>
-    <a:masterClrMapping/>
-  </p:clrMapOvr>
 </p:sld>
 </file>
 
